--- a/Capstone Design/발표자료/중간발표/v3.pptx
+++ b/Capstone Design/발표자료/중간발표/v3.pptx
@@ -2,7 +2,7 @@
 <file path=ppt/presentation.xml><?xml version="1.0" encoding="utf-8"?>
 <p:presentation xmlns:r="http://schemas.openxmlformats.org/officeDocument/2006/relationships" xmlns:c="http://schemas.openxmlformats.org/drawingml/2006/chart" xmlns:a="http://schemas.openxmlformats.org/drawingml/2006/main" xmlns:dgm="http://schemas.openxmlformats.org/drawingml/2006/diagram" xmlns:dsp="http://schemas.microsoft.com/office/drawing/2008/diagram" xmlns:p="http://schemas.openxmlformats.org/presentationml/2006/main" showSpecialPlsOnTitleSld="0" strictFirstAndLastChars="0" autoCompressPictures="0">
   <p:sldMasterIdLst>
-    <p:sldMasterId id="2147483656" r:id="rId1"/>
+    <p:sldMasterId id="2147483677" r:id="rId1"/>
   </p:sldMasterIdLst>
   <p:notesMasterIdLst>
     <p:notesMasterId r:id="rId2"/>
@@ -1869,10 +1869,10 @@
               <a:defRPr/>
             </a:pPr>
             <a:r>
-              <a:rPr lang="ko-KR" altLang="en-US"/>
+              <a:rPr lang="en-US" altLang="ko-KR"/>
               <a:t/>
             </a:r>
-            <a:endParaRPr lang="ko-KR" altLang="en-US"/>
+            <a:endParaRPr lang="en-US" altLang="ko-KR"/>
           </a:p>
         </p:txBody>
       </p:sp>
@@ -1976,10 +1976,10 @@
               <a:defRPr/>
             </a:pPr>
             <a:r>
-              <a:rPr lang="ko-KR" altLang="en-US"/>
+              <a:rPr lang="en-US" altLang="ko-KR"/>
               <a:t/>
             </a:r>
-            <a:endParaRPr lang="ko-KR" altLang="en-US"/>
+            <a:endParaRPr lang="en-US" altLang="ko-KR"/>
           </a:p>
         </p:txBody>
       </p:sp>
@@ -5271,6 +5271,546 @@
       </p:grpSpPr>
       <p:sp>
         <p:nvSpPr>
+          <p:cNvPr id="9" name="Google Shape;93;p13"/>
+          <p:cNvSpPr txBox="1">
+            <a:spLocks noGrp="1"/>
+          </p:cNvSpPr>
+          <p:nvPr>
+            <p:ph type="title" idx="0"/>
+          </p:nvPr>
+        </p:nvSpPr>
+        <p:spPr>
+          <a:xfrm>
+            <a:off x="893700" y="434588"/>
+            <a:ext cx="7628100" cy="857400"/>
+          </a:xfrm>
+          <a:prstGeom prst="rect">
+            <a:avLst/>
+          </a:prstGeom>
+          <a:solidFill>
+            <a:schemeClr val="bg1">
+              <a:lumMod val="95000"/>
+            </a:schemeClr>
+          </a:solidFill>
+          <a:ln>
+            <a:solidFill>
+              <a:schemeClr val="tx2">
+                <a:lumMod val="10000"/>
+              </a:schemeClr>
+            </a:solidFill>
+          </a:ln>
+        </p:spPr>
+        <p:style>
+          <a:lnRef idx="2">
+            <a:schemeClr val="dk1"/>
+          </a:lnRef>
+          <a:fillRef idx="1">
+            <a:schemeClr val="lt1"/>
+          </a:fillRef>
+          <a:effectRef idx="0">
+            <a:schemeClr val="dk1"/>
+          </a:effectRef>
+          <a:fontRef idx="minor">
+            <a:schemeClr val="dk1"/>
+          </a:fontRef>
+        </p:style>
+        <p:txBody>
+          <a:bodyPr wrap="square" lIns="91424" tIns="91424" rIns="91424" bIns="91424" anchor="ctr" anchorCtr="0">
+            <a:noAutofit/>
+          </a:bodyPr>
+          <a:lstStyle/>
+          <a:p>
+            <a:pPr marL="0" lvl="0" indent="0" algn="l" rtl="0">
+              <a:spcBef>
+                <a:spcPts val="0"/>
+              </a:spcBef>
+              <a:spcAft>
+                <a:spcPts val="0"/>
+              </a:spcAft>
+              <a:buNone/>
+              <a:defRPr/>
+            </a:pPr>
+            <a:r>
+              <a:rPr lang="en-US" altLang="ko-KR">
+                <a:solidFill>
+                  <a:schemeClr val="tx1">
+                    <a:lumMod val="50000"/>
+                  </a:schemeClr>
+                </a:solidFill>
+                <a:latin typeface="+mj-ea"/>
+                <a:ea typeface="+mj-ea"/>
+              </a:rPr>
+              <a:t>6. </a:t>
+            </a:r>
+            <a:r>
+              <a:rPr lang="ko-KR" altLang="en-US">
+                <a:solidFill>
+                  <a:schemeClr val="tx1">
+                    <a:lumMod val="50000"/>
+                  </a:schemeClr>
+                </a:solidFill>
+                <a:latin typeface="+mj-ea"/>
+                <a:ea typeface="+mj-ea"/>
+              </a:rPr>
+              <a:t>문제점 및 보완책</a:t>
+            </a:r>
+            <a:endParaRPr lang="ko-KR" altLang="en-US">
+              <a:solidFill>
+                <a:schemeClr val="tx1">
+                  <a:lumMod val="50000"/>
+                </a:schemeClr>
+              </a:solidFill>
+              <a:latin typeface="+mj-ea"/>
+              <a:ea typeface="+mj-ea"/>
+            </a:endParaRPr>
+          </a:p>
+        </p:txBody>
+      </p:sp>
+      <p:sp>
+        <p:nvSpPr>
+          <p:cNvPr id="10" name="Google Shape;97;p13"/>
+          <p:cNvSpPr txBox="1">
+            <a:spLocks noGrp="1"/>
+          </p:cNvSpPr>
+          <p:nvPr>
+            <p:ph type="sldNum" idx="12"/>
+          </p:nvPr>
+        </p:nvSpPr>
+        <p:spPr>
+          <a:xfrm>
+            <a:off x="8480575" y="4696933"/>
+            <a:ext cx="548700" cy="313500"/>
+          </a:xfrm>
+          <a:prstGeom prst="rect">
+            <a:avLst/>
+          </a:prstGeom>
+        </p:spPr>
+        <p:txBody>
+          <a:bodyPr wrap="square" lIns="91424" tIns="91424" rIns="91424" bIns="91424" anchor="t" anchorCtr="0">
+            <a:noAutofit/>
+          </a:bodyPr>
+          <a:lstStyle/>
+          <a:p>
+            <a:pPr marL="0" lvl="0" indent="0" algn="r" rtl="0">
+              <a:spcBef>
+                <a:spcPts val="0"/>
+              </a:spcBef>
+              <a:spcAft>
+                <a:spcPts val="0"/>
+              </a:spcAft>
+              <a:buNone/>
+              <a:defRPr/>
+            </a:pPr>
+            <a:fld id="{00000000-1234-1234-1234-123412341234}" type="slidenum">
+              <a:rPr lang="en-US">
+                <a:solidFill>
+                  <a:schemeClr val="tx1">
+                    <a:lumMod val="50000"/>
+                  </a:schemeClr>
+                </a:solidFill>
+              </a:rPr>
+              <a:pPr marL="0" lvl="0" indent="0" algn="r" rtl="0">
+                <a:spcBef>
+                  <a:spcPts val="0"/>
+                </a:spcBef>
+                <a:spcAft>
+                  <a:spcPts val="0"/>
+                </a:spcAft>
+                <a:buNone/>
+                <a:defRPr/>
+              </a:pPr>
+              <a:t>10</a:t>
+            </a:fld>
+            <a:endParaRPr lang="en-US">
+              <a:solidFill>
+                <a:schemeClr val="tx1">
+                  <a:lumMod val="50000"/>
+                </a:schemeClr>
+              </a:solidFill>
+            </a:endParaRPr>
+          </a:p>
+        </p:txBody>
+      </p:sp>
+      <p:sp>
+        <p:nvSpPr>
+          <p:cNvPr id="18" name="Google Shape;94;p13"/>
+          <p:cNvSpPr txBox="1"/>
+          <p:nvPr/>
+        </p:nvSpPr>
+        <p:spPr>
+          <a:xfrm>
+            <a:off x="893830" y="1542096"/>
+            <a:ext cx="7638740" cy="3280597"/>
+          </a:xfrm>
+          <a:prstGeom prst="rect">
+            <a:avLst/>
+          </a:prstGeom>
+          <a:noFill/>
+          <a:ln>
+            <a:noFill/>
+          </a:ln>
+        </p:spPr>
+        <p:txBody>
+          <a:bodyPr wrap="square" lIns="91424" tIns="91424" rIns="91424" bIns="91424" anchor="t" anchorCtr="0">
+            <a:noAutofit/>
+          </a:bodyPr>
+          <a:p>
+            <a:pPr marL="0" marR="0" lvl="0" indent="0" algn="l" rtl="0" eaLnBrk="1" latinLnBrk="0" hangingPunct="1">
+              <a:lnSpc>
+                <a:spcPct val="100000"/>
+              </a:lnSpc>
+              <a:spcBef>
+                <a:spcPts val="600"/>
+              </a:spcBef>
+              <a:spcAft>
+                <a:spcPts val="0"/>
+              </a:spcAft>
+              <a:buClr>
+                <a:srgbClr val="000000"/>
+              </a:buClr>
+              <a:buFont typeface="Arial"/>
+              <a:buNone/>
+              <a:defRPr/>
+            </a:pPr>
+            <a:r>
+              <a:rPr xmlns:mc="http://schemas.openxmlformats.org/markup-compatibility/2006" xmlns:hp="http://schemas.haansoft.com/office/presentation/8.0" kumimoji="0" lang="ko-KR" altLang="en-US" sz="1800" b="1" i="0" u="none" strike="noStrike" kern="0" cap="none" spc="0" normalizeH="0" baseline="0" mc:Ignorable="hp" hp:hslEmbossed="0">
+                <a:solidFill>
+                  <a:srgbClr val="343a40"/>
+                </a:solidFill>
+                <a:latin typeface="Lato"/>
+                <a:ea typeface="Lato"/>
+                <a:cs typeface="Lato"/>
+                <a:sym typeface="Lato"/>
+              </a:rPr>
+              <a:t>렉돌 애니메이션 모델 적용 문제</a:t>
+            </a:r>
+            <a:endParaRPr xmlns:mc="http://schemas.openxmlformats.org/markup-compatibility/2006" xmlns:hp="http://schemas.haansoft.com/office/presentation/8.0" kumimoji="0" lang="ko-KR" altLang="en-US" sz="1800" b="1" i="0" u="none" strike="noStrike" kern="0" cap="none" spc="0" normalizeH="0" baseline="0" mc:Ignorable="hp" hp:hslEmbossed="0">
+              <a:solidFill>
+                <a:srgbClr val="343a40"/>
+              </a:solidFill>
+              <a:latin typeface="Lato"/>
+              <a:ea typeface="Lato"/>
+              <a:cs typeface="Lato"/>
+              <a:sym typeface="Lato"/>
+            </a:endParaRPr>
+          </a:p>
+          <a:p>
+            <a:pPr marL="285750" marR="0" lvl="0" indent="-285750" algn="l" rtl="0" eaLnBrk="1" latinLnBrk="0" hangingPunct="1">
+              <a:lnSpc>
+                <a:spcPct val="100000"/>
+              </a:lnSpc>
+              <a:spcBef>
+                <a:spcPts val="600"/>
+              </a:spcBef>
+              <a:spcAft>
+                <a:spcPts val="0"/>
+              </a:spcAft>
+              <a:buClr>
+                <a:srgbClr val="000000"/>
+              </a:buClr>
+              <a:buFont typeface="Arial"/>
+              <a:buChar char="-"/>
+              <a:defRPr/>
+            </a:pPr>
+            <a:r>
+              <a:rPr xmlns:mc="http://schemas.openxmlformats.org/markup-compatibility/2006" xmlns:hp="http://schemas.haansoft.com/office/presentation/8.0" kumimoji="0" lang="ko-KR" altLang="en-US" sz="1500" b="0" i="0" u="none" strike="noStrike" kern="0" cap="none" spc="0" normalizeH="0" baseline="0" mc:Ignorable="hp" hp:hslEmbossed="0">
+                <a:solidFill>
+                  <a:srgbClr val="343a40"/>
+                </a:solidFill>
+                <a:latin typeface="Lato"/>
+                <a:ea typeface="Lato"/>
+                <a:cs typeface="Lato"/>
+                <a:sym typeface="Lato"/>
+              </a:rPr>
+              <a:t>스킨 메쉬의 프레임 계층 구조 수정</a:t>
+            </a:r>
+            <a:endParaRPr xmlns:mc="http://schemas.openxmlformats.org/markup-compatibility/2006" xmlns:hp="http://schemas.haansoft.com/office/presentation/8.0" kumimoji="0" lang="ko-KR" altLang="en-US" sz="1500" b="0" i="0" u="none" strike="noStrike" kern="0" cap="none" spc="0" normalizeH="0" baseline="0" mc:Ignorable="hp" hp:hslEmbossed="0">
+              <a:solidFill>
+                <a:srgbClr val="343a40"/>
+              </a:solidFill>
+              <a:latin typeface="Lato"/>
+              <a:ea typeface="Lato"/>
+              <a:cs typeface="Lato"/>
+              <a:sym typeface="Lato"/>
+            </a:endParaRPr>
+          </a:p>
+          <a:p>
+            <a:pPr marL="285750" marR="0" lvl="0" indent="-285750" algn="l" rtl="0" eaLnBrk="1" latinLnBrk="0" hangingPunct="1">
+              <a:lnSpc>
+                <a:spcPct val="100000"/>
+              </a:lnSpc>
+              <a:spcBef>
+                <a:spcPts val="600"/>
+              </a:spcBef>
+              <a:spcAft>
+                <a:spcPts val="0"/>
+              </a:spcAft>
+              <a:buClr>
+                <a:srgbClr val="000000"/>
+              </a:buClr>
+              <a:buFont typeface="Arial"/>
+              <a:buChar char="-"/>
+              <a:defRPr/>
+            </a:pPr>
+            <a:endParaRPr xmlns:mc="http://schemas.openxmlformats.org/markup-compatibility/2006" xmlns:hp="http://schemas.haansoft.com/office/presentation/8.0" kumimoji="0" lang="ko-KR" altLang="en-US" sz="1500" i="0" u="none" strike="noStrike" kern="0" cap="none" spc="0" normalizeH="0" baseline="0" mc:Ignorable="hp" hp:hslEmbossed="0">
+              <a:solidFill>
+                <a:srgbClr val="343a40"/>
+              </a:solidFill>
+              <a:latin typeface="Lato"/>
+              <a:ea typeface="Lato"/>
+              <a:cs typeface="Lato"/>
+              <a:sym typeface="Lato"/>
+            </a:endParaRPr>
+          </a:p>
+          <a:p>
+            <a:pPr marL="0" marR="0" lvl="0" indent="0" algn="l" rtl="0" eaLnBrk="1" latinLnBrk="0" hangingPunct="1">
+              <a:lnSpc>
+                <a:spcPct val="100000"/>
+              </a:lnSpc>
+              <a:spcBef>
+                <a:spcPts val="600"/>
+              </a:spcBef>
+              <a:spcAft>
+                <a:spcPts val="0"/>
+              </a:spcAft>
+              <a:buClr>
+                <a:srgbClr val="000000"/>
+              </a:buClr>
+              <a:buFont typeface="Arial"/>
+              <a:buNone/>
+              <a:defRPr/>
+            </a:pPr>
+            <a:r>
+              <a:rPr xmlns:mc="http://schemas.openxmlformats.org/markup-compatibility/2006" xmlns:hp="http://schemas.haansoft.com/office/presentation/8.0" kumimoji="0" lang="ko-KR" altLang="en-US" sz="1800" b="1" i="0" u="none" strike="noStrike" kern="0" cap="none" spc="0" normalizeH="0" baseline="0" mc:Ignorable="hp" hp:hslEmbossed="0">
+                <a:solidFill>
+                  <a:srgbClr val="343a40"/>
+                </a:solidFill>
+                <a:latin typeface="Lato"/>
+                <a:ea typeface="Lato"/>
+                <a:cs typeface="Lato"/>
+                <a:sym typeface="Lato"/>
+              </a:rPr>
+              <a:t>네트워크 통신 시 프레임 드랍</a:t>
+            </a:r>
+            <a:endParaRPr xmlns:mc="http://schemas.openxmlformats.org/markup-compatibility/2006" xmlns:hp="http://schemas.haansoft.com/office/presentation/8.0" kumimoji="0" lang="ko-KR" altLang="en-US" sz="1800" b="1" i="0" u="none" strike="noStrike" kern="0" cap="none" spc="0" normalizeH="0" baseline="0" mc:Ignorable="hp" hp:hslEmbossed="0">
+              <a:solidFill>
+                <a:srgbClr val="343a40"/>
+              </a:solidFill>
+              <a:latin typeface="Lato"/>
+              <a:ea typeface="Lato"/>
+              <a:cs typeface="Lato"/>
+              <a:sym typeface="Lato"/>
+            </a:endParaRPr>
+          </a:p>
+          <a:p>
+            <a:pPr marL="285750" marR="0" lvl="0" indent="-285750" algn="l" rtl="0" eaLnBrk="1" latinLnBrk="0" hangingPunct="1">
+              <a:lnSpc>
+                <a:spcPct val="100000"/>
+              </a:lnSpc>
+              <a:spcBef>
+                <a:spcPts val="600"/>
+              </a:spcBef>
+              <a:spcAft>
+                <a:spcPts val="0"/>
+              </a:spcAft>
+              <a:buClr>
+                <a:srgbClr val="000000"/>
+              </a:buClr>
+              <a:buFont typeface="Arial"/>
+              <a:buChar char="-"/>
+              <a:defRPr/>
+            </a:pPr>
+            <a:r>
+              <a:rPr xmlns:mc="http://schemas.openxmlformats.org/markup-compatibility/2006" xmlns:hp="http://schemas.haansoft.com/office/presentation/8.0" kumimoji="0" lang="ko-KR" altLang="en-US" sz="1500" b="0" i="0" u="none" strike="noStrike" kern="0" cap="none" spc="0" normalizeH="0" baseline="0" mc:Ignorable="hp" hp:hslEmbossed="0">
+                <a:solidFill>
+                  <a:srgbClr val="343a40"/>
+                </a:solidFill>
+                <a:latin typeface="Lato"/>
+                <a:ea typeface="Lato"/>
+                <a:cs typeface="Lato"/>
+                <a:sym typeface="Lato"/>
+              </a:rPr>
+              <a:t>클라이언트 렌더링 시 </a:t>
+            </a:r>
+            <a:r>
+              <a:rPr xmlns:mc="http://schemas.openxmlformats.org/markup-compatibility/2006" xmlns:hp="http://schemas.haansoft.com/office/presentation/8.0" kumimoji="0" lang="en-US" altLang="ko-KR" sz="1500" b="0" i="0" u="none" strike="noStrike" kern="0" cap="none" spc="0" normalizeH="0" baseline="0" mc:Ignorable="hp" hp:hslEmbossed="0">
+                <a:solidFill>
+                  <a:srgbClr val="343a40"/>
+                </a:solidFill>
+                <a:latin typeface="Lato"/>
+                <a:ea typeface="Lato"/>
+                <a:cs typeface="Lato"/>
+                <a:sym typeface="Lato"/>
+              </a:rPr>
+              <a:t>Receive </a:t>
+            </a:r>
+            <a:r>
+              <a:rPr xmlns:mc="http://schemas.openxmlformats.org/markup-compatibility/2006" xmlns:hp="http://schemas.haansoft.com/office/presentation/8.0" kumimoji="0" lang="ko-KR" altLang="en-US" sz="1500" b="0" i="0" u="none" strike="noStrike" kern="0" cap="none" spc="0" normalizeH="0" baseline="0" mc:Ignorable="hp" hp:hslEmbossed="0">
+                <a:solidFill>
+                  <a:srgbClr val="343a40"/>
+                </a:solidFill>
+                <a:latin typeface="Lato"/>
+                <a:ea typeface="Lato"/>
+                <a:cs typeface="Lato"/>
+                <a:sym typeface="Lato"/>
+              </a:rPr>
+              <a:t>대기 해결</a:t>
+            </a:r>
+            <a:endParaRPr xmlns:mc="http://schemas.openxmlformats.org/markup-compatibility/2006" xmlns:hp="http://schemas.haansoft.com/office/presentation/8.0" kumimoji="0" lang="ko-KR" altLang="en-US" sz="1500" b="0" i="0" u="none" strike="noStrike" kern="0" cap="none" spc="0" normalizeH="0" baseline="0" mc:Ignorable="hp" hp:hslEmbossed="0">
+              <a:solidFill>
+                <a:srgbClr val="343a40"/>
+              </a:solidFill>
+              <a:latin typeface="Lato"/>
+              <a:ea typeface="Lato"/>
+              <a:cs typeface="Lato"/>
+              <a:sym typeface="Lato"/>
+            </a:endParaRPr>
+          </a:p>
+          <a:p>
+            <a:pPr marL="285750" marR="0" lvl="0" indent="-285750" algn="l" rtl="0" eaLnBrk="1" latinLnBrk="0" hangingPunct="1">
+              <a:lnSpc>
+                <a:spcPct val="100000"/>
+              </a:lnSpc>
+              <a:spcBef>
+                <a:spcPts val="600"/>
+              </a:spcBef>
+              <a:spcAft>
+                <a:spcPts val="0"/>
+              </a:spcAft>
+              <a:buClr>
+                <a:srgbClr val="000000"/>
+              </a:buClr>
+              <a:buFont typeface="Arial"/>
+              <a:buChar char="-"/>
+              <a:defRPr/>
+            </a:pPr>
+            <a:endParaRPr xmlns:mc="http://schemas.openxmlformats.org/markup-compatibility/2006" xmlns:hp="http://schemas.haansoft.com/office/presentation/8.0" kumimoji="0" lang="ko-KR" altLang="en-US" sz="1500" b="0" i="0" u="none" strike="noStrike" kern="0" cap="none" spc="0" normalizeH="0" baseline="0" mc:Ignorable="hp" hp:hslEmbossed="0">
+              <a:solidFill>
+                <a:srgbClr val="343a40"/>
+              </a:solidFill>
+              <a:latin typeface="Lato"/>
+              <a:ea typeface="Lato"/>
+              <a:cs typeface="Lato"/>
+              <a:sym typeface="Lato"/>
+            </a:endParaRPr>
+          </a:p>
+          <a:p>
+            <a:pPr marL="0" marR="0" lvl="0" indent="0" algn="l" rtl="0" eaLnBrk="1" latinLnBrk="0" hangingPunct="1">
+              <a:lnSpc>
+                <a:spcPct val="100000"/>
+              </a:lnSpc>
+              <a:spcBef>
+                <a:spcPts val="600"/>
+              </a:spcBef>
+              <a:spcAft>
+                <a:spcPts val="0"/>
+              </a:spcAft>
+              <a:buClr>
+                <a:srgbClr val="000000"/>
+              </a:buClr>
+              <a:buFont typeface="Arial"/>
+              <a:buNone/>
+              <a:defRPr/>
+            </a:pPr>
+            <a:r>
+              <a:rPr xmlns:mc="http://schemas.openxmlformats.org/markup-compatibility/2006" xmlns:hp="http://schemas.haansoft.com/office/presentation/8.0" kumimoji="0" lang="ko-KR" altLang="en-US" sz="1800" b="1" i="0" u="none" strike="noStrike" kern="0" cap="none" spc="0" normalizeH="0" baseline="0" mc:Ignorable="hp" hp:hslEmbossed="0">
+                <a:solidFill>
+                  <a:srgbClr val="343a40"/>
+                </a:solidFill>
+                <a:latin typeface="Lato"/>
+                <a:ea typeface="Lato"/>
+                <a:cs typeface="Lato"/>
+                <a:sym typeface="Lato"/>
+              </a:rPr>
+              <a:t>스레드 간 동기화 문제</a:t>
+            </a:r>
+            <a:endParaRPr xmlns:mc="http://schemas.openxmlformats.org/markup-compatibility/2006" xmlns:hp="http://schemas.haansoft.com/office/presentation/8.0" kumimoji="0" lang="ko-KR" altLang="en-US" sz="1800" b="1" i="0" u="none" strike="noStrike" kern="0" cap="none" spc="0" normalizeH="0" baseline="0" mc:Ignorable="hp" hp:hslEmbossed="0">
+              <a:solidFill>
+                <a:srgbClr val="343a40"/>
+              </a:solidFill>
+              <a:latin typeface="Lato"/>
+              <a:ea typeface="Lato"/>
+              <a:cs typeface="Lato"/>
+              <a:sym typeface="Lato"/>
+            </a:endParaRPr>
+          </a:p>
+          <a:p>
+            <a:pPr marL="285750" marR="0" lvl="0" indent="-285750" algn="l" rtl="0" eaLnBrk="1" latinLnBrk="0" hangingPunct="1">
+              <a:lnSpc>
+                <a:spcPct val="100000"/>
+              </a:lnSpc>
+              <a:spcBef>
+                <a:spcPts val="600"/>
+              </a:spcBef>
+              <a:spcAft>
+                <a:spcPts val="0"/>
+              </a:spcAft>
+              <a:buClr>
+                <a:srgbClr val="000000"/>
+              </a:buClr>
+              <a:buFont typeface="Arial"/>
+              <a:buChar char="-"/>
+              <a:defRPr/>
+            </a:pPr>
+            <a:r>
+              <a:rPr xmlns:mc="http://schemas.openxmlformats.org/markup-compatibility/2006" xmlns:hp="http://schemas.haansoft.com/office/presentation/8.0" kumimoji="0" lang="ko-KR" altLang="en-US" sz="1500" b="0" i="0" u="none" strike="noStrike" kern="0" cap="none" spc="0" normalizeH="0" baseline="0" mc:Ignorable="hp" hp:hslEmbossed="0">
+                <a:solidFill>
+                  <a:srgbClr val="343a40"/>
+                </a:solidFill>
+                <a:latin typeface="Lato"/>
+                <a:ea typeface="Lato"/>
+                <a:cs typeface="Lato"/>
+                <a:sym typeface="Lato"/>
+              </a:rPr>
+              <a:t>공유자원 최소화로 진행 </a:t>
+            </a:r>
+            <a:endParaRPr xmlns:mc="http://schemas.openxmlformats.org/markup-compatibility/2006" xmlns:hp="http://schemas.haansoft.com/office/presentation/8.0" kumimoji="0" lang="ko-KR" altLang="en-US" sz="1500" b="0" i="0" u="none" strike="noStrike" kern="0" cap="none" spc="0" normalizeH="0" baseline="0" mc:Ignorable="hp" hp:hslEmbossed="0">
+              <a:solidFill>
+                <a:srgbClr val="343a40"/>
+              </a:solidFill>
+              <a:latin typeface="Lato"/>
+              <a:ea typeface="Lato"/>
+              <a:cs typeface="Lato"/>
+              <a:sym typeface="Lato"/>
+            </a:endParaRPr>
+          </a:p>
+        </p:txBody>
+      </p:sp>
+    </p:spTree>
+  </p:cSld>
+  <p:clrMapOvr>
+    <a:masterClrMapping/>
+  </p:clrMapOvr>
+  <mc:AlternateContent xmlns:mc="http://schemas.openxmlformats.org/markup-compatibility/2006">
+    <mc:Choice xmlns:p14="http://schemas.microsoft.com/office/powerpoint/2010/main" Requires="p14">
+      <p:transition xmlns:mc="http://schemas.openxmlformats.org/markup-compatibility/2006" xmlns:p14="http://schemas.microsoft.com/office/powerpoint/2010/main" mc:Ignorable="p14" p14:dur="500"/>
+    </mc:Choice>
+    <mc:Fallback>
+      <p:transition/>
+    </mc:Fallback>
+  </mc:AlternateContent>
+</p:sld>
+</file>
+
+<file path=ppt/slides/slide11.xml><?xml version="1.0" encoding="utf-8"?>
+<p:sld xmlns:r="http://schemas.openxmlformats.org/officeDocument/2006/relationships" xmlns:c="http://schemas.openxmlformats.org/drawingml/2006/chart" xmlns:a="http://schemas.openxmlformats.org/drawingml/2006/main" xmlns:dgm="http://schemas.openxmlformats.org/drawingml/2006/diagram" xmlns:dsp="http://schemas.microsoft.com/office/drawing/2008/diagram" xmlns:p="http://schemas.openxmlformats.org/presentationml/2006/main">
+  <p:cSld>
+    <p:spTree>
+      <p:nvGrpSpPr>
+        <p:cNvPr id="1" name=""/>
+        <p:cNvGrpSpPr/>
+        <p:nvPr/>
+      </p:nvGrpSpPr>
+      <p:grpSpPr>
+        <a:xfrm>
+          <a:off x="0" y="0"/>
+          <a:ext cx="0" cy="0"/>
+          <a:chOff x="0" y="0"/>
+          <a:chExt cx="0" cy="0"/>
+        </a:xfrm>
+      </p:grpSpPr>
+      <p:sp>
+        <p:nvSpPr>
           <p:cNvPr id="93" name="Google Shape;93;p13"/>
           <p:cNvSpPr txBox="1">
             <a:spLocks noGrp="1"/>
@@ -5419,7 +5959,7 @@
                 <a:buNone/>
                 <a:defRPr/>
               </a:pPr>
-              <a:t>10</a:t>
+              <a:t>11</a:t>
             </a:fld>
             <a:endParaRPr lang="en-US">
               <a:solidFill>
@@ -5572,7 +6112,31 @@
                 <a:cs typeface="Lato"/>
                 <a:sym typeface="Lato"/>
               </a:rPr>
-              <a:t>미션 시스템 추가</a:t>
+              <a:t>미션 시스템</a:t>
+            </a:r>
+            <a:r>
+              <a:rPr xmlns:mc="http://schemas.openxmlformats.org/markup-compatibility/2006" xmlns:hp="http://schemas.haansoft.com/office/presentation/8.0" kumimoji="0" lang="en-US" altLang="ko-KR" sz="1500" b="0" i="0" u="none" strike="noStrike" kern="0" cap="none" spc="0" normalizeH="0" baseline="0" mc:Ignorable="hp" hp:hslEmbossed="0">
+                <a:solidFill>
+                  <a:srgbClr val="343a40"/>
+                </a:solidFill>
+                <a:latin typeface="Lato"/>
+                <a:ea typeface="Lato"/>
+                <a:cs typeface="Lato"/>
+                <a:sym typeface="Lato"/>
+              </a:rPr>
+              <a:t>,</a:t>
+            </a:r>
+            <a:r>
+              <a:rPr xmlns:mc="http://schemas.openxmlformats.org/markup-compatibility/2006" xmlns:hp="http://schemas.haansoft.com/office/presentation/8.0" kumimoji="0" lang="ko-KR" altLang="en-US" sz="1500" b="0" i="0" u="none" strike="noStrike" kern="0" cap="none" spc="0" normalizeH="0" baseline="0" mc:Ignorable="hp" hp:hslEmbossed="0">
+                <a:solidFill>
+                  <a:srgbClr val="343a40"/>
+                </a:solidFill>
+                <a:latin typeface="Lato"/>
+                <a:ea typeface="Lato"/>
+                <a:cs typeface="Lato"/>
+                <a:sym typeface="Lato"/>
+              </a:rPr>
+              <a:t> 연계기 추가</a:t>
             </a:r>
             <a:endParaRPr xmlns:mc="http://schemas.openxmlformats.org/markup-compatibility/2006" xmlns:hp="http://schemas.haansoft.com/office/presentation/8.0" kumimoji="0" lang="ko-KR" altLang="en-US" sz="1500" b="0" i="0" u="none" strike="noStrike" kern="0" cap="none" spc="0" normalizeH="0" baseline="0" mc:Ignorable="hp" hp:hslEmbossed="0">
               <a:solidFill>
@@ -5613,7 +6177,31 @@
                 <a:cs typeface="Lato"/>
                 <a:sym typeface="Lato"/>
               </a:rPr>
-              <a:t>연계기</a:t>
+              <a:t>메인 게임</a:t>
+            </a:r>
+            <a:r>
+              <a:rPr xmlns:mc="http://schemas.openxmlformats.org/markup-compatibility/2006" xmlns:hp="http://schemas.haansoft.com/office/presentation/8.0" kumimoji="0" lang="en-US" altLang="ko-KR" sz="1500" b="0" i="0" u="none" strike="noStrike" kern="0" cap="none" spc="0" normalizeH="0" baseline="0" mc:Ignorable="hp" hp:hslEmbossed="0">
+                <a:solidFill>
+                  <a:srgbClr val="343a40"/>
+                </a:solidFill>
+                <a:latin typeface="Lato"/>
+                <a:ea typeface="Lato"/>
+                <a:cs typeface="Lato"/>
+                <a:sym typeface="Lato"/>
+              </a:rPr>
+              <a:t>,</a:t>
+            </a:r>
+            <a:r>
+              <a:rPr xmlns:mc="http://schemas.openxmlformats.org/markup-compatibility/2006" xmlns:hp="http://schemas.haansoft.com/office/presentation/8.0" kumimoji="0" lang="ko-KR" altLang="en-US" sz="1500" b="0" i="0" u="none" strike="noStrike" kern="0" cap="none" spc="0" normalizeH="0" baseline="0" mc:Ignorable="hp" hp:hslEmbossed="0">
+                <a:solidFill>
+                  <a:srgbClr val="343a40"/>
+                </a:solidFill>
+                <a:latin typeface="Lato"/>
+                <a:ea typeface="Lato"/>
+                <a:cs typeface="Lato"/>
+                <a:sym typeface="Lato"/>
+              </a:rPr>
+              <a:t> 내부 충돌처리 보완</a:t>
             </a:r>
             <a:endParaRPr xmlns:mc="http://schemas.openxmlformats.org/markup-compatibility/2006" xmlns:hp="http://schemas.haansoft.com/office/presentation/8.0" kumimoji="0" lang="ko-KR" altLang="en-US" sz="1500" b="0" i="0" u="none" strike="noStrike" kern="0" cap="none" spc="0" normalizeH="0" baseline="0" mc:Ignorable="hp" hp:hslEmbossed="0">
               <a:solidFill>
@@ -5683,7 +6271,31 @@
                 <a:cs typeface="Lato"/>
                 <a:sym typeface="Lato"/>
               </a:rPr>
-              <a:t>셰이더 추가</a:t>
+              <a:t>애니메이션</a:t>
+            </a:r>
+            <a:r>
+              <a:rPr xmlns:mc="http://schemas.openxmlformats.org/markup-compatibility/2006" xmlns:hp="http://schemas.haansoft.com/office/presentation/8.0" kumimoji="0" lang="en-US" altLang="ko-KR" sz="1800" b="1" i="0" u="none" strike="noStrike" kern="0" cap="none" spc="0" normalizeH="0" baseline="0" mc:Ignorable="hp" hp:hslEmbossed="0">
+                <a:solidFill>
+                  <a:srgbClr val="343a40"/>
+                </a:solidFill>
+                <a:latin typeface="Lato"/>
+                <a:ea typeface="Lato"/>
+                <a:cs typeface="Lato"/>
+                <a:sym typeface="Lato"/>
+              </a:rPr>
+              <a:t>,</a:t>
+            </a:r>
+            <a:r>
+              <a:rPr xmlns:mc="http://schemas.openxmlformats.org/markup-compatibility/2006" xmlns:hp="http://schemas.haansoft.com/office/presentation/8.0" kumimoji="0" lang="ko-KR" altLang="en-US" sz="1800" b="1" i="0" u="none" strike="noStrike" kern="0" cap="none" spc="0" normalizeH="0" baseline="0" mc:Ignorable="hp" hp:hslEmbossed="0">
+                <a:solidFill>
+                  <a:srgbClr val="343a40"/>
+                </a:solidFill>
+                <a:latin typeface="Lato"/>
+                <a:ea typeface="Lato"/>
+                <a:cs typeface="Lato"/>
+                <a:sym typeface="Lato"/>
+              </a:rPr>
+              <a:t> 셰이더 추가</a:t>
             </a:r>
             <a:endParaRPr xmlns:mc="http://schemas.openxmlformats.org/markup-compatibility/2006" xmlns:hp="http://schemas.haansoft.com/office/presentation/8.0" kumimoji="0" lang="ko-KR" altLang="en-US" sz="1800" b="1" i="0" u="none" strike="noStrike" kern="0" cap="none" spc="0" normalizeH="0" baseline="0" mc:Ignorable="hp" hp:hslEmbossed="0">
               <a:solidFill>
@@ -5715,7 +6327,7 @@
               <a:defRPr/>
             </a:pPr>
             <a:r>
-              <a:rPr xmlns:mc="http://schemas.openxmlformats.org/markup-compatibility/2006" xmlns:hp="http://schemas.haansoft.com/office/presentation/8.0" kumimoji="0" lang="en-US" altLang="ko-KR" sz="1500" b="0" i="0" u="none" strike="noStrike" kern="0" cap="none" spc="0" normalizeH="0" baseline="0" mc:Ignorable="hp" hp:hslEmbossed="0">
+              <a:rPr xmlns:mc="http://schemas.openxmlformats.org/markup-compatibility/2006" xmlns:hp="http://schemas.haansoft.com/office/presentation/8.0" kumimoji="0" lang="ko-KR" altLang="en-US" sz="1500" b="0" i="0" u="none" strike="noStrike" kern="0" cap="none" spc="0" normalizeH="0" baseline="0" mc:Ignorable="hp" hp:hslEmbossed="0">
                 <a:solidFill>
                   <a:srgbClr val="343a40"/>
                 </a:solidFill>
@@ -5724,10 +6336,10 @@
                 <a:cs typeface="Lato"/>
                 <a:sym typeface="Lato"/>
               </a:rPr>
-              <a:t>UI,</a:t>
+              <a:t>렉돌</a:t>
             </a:r>
             <a:r>
-              <a:rPr xmlns:mc="http://schemas.openxmlformats.org/markup-compatibility/2006" xmlns:hp="http://schemas.haansoft.com/office/presentation/8.0" kumimoji="0" lang="ko-KR" altLang="en-US" sz="1500" b="0" i="0" u="none" strike="noStrike" kern="0" cap="none" spc="0" normalizeH="0" baseline="0" mc:Ignorable="hp" hp:hslEmbossed="0">
+              <a:rPr xmlns:mc="http://schemas.openxmlformats.org/markup-compatibility/2006" xmlns:hp="http://schemas.haansoft.com/office/presentation/8.0" kumimoji="0" lang="en-US" altLang="ko-KR" sz="1500" b="0" i="0" u="none" strike="noStrike" kern="0" cap="none" spc="0" normalizeH="0" baseline="0" mc:Ignorable="hp" hp:hslEmbossed="0">
                 <a:solidFill>
                   <a:srgbClr val="343a40"/>
                 </a:solidFill>
@@ -5736,7 +6348,43 @@
                 <a:cs typeface="Lato"/>
                 <a:sym typeface="Lato"/>
               </a:rPr>
-              <a:t> 파티클 등 추가</a:t>
+              <a:t>,</a:t>
+            </a:r>
+            <a:r>
+              <a:rPr xmlns:mc="http://schemas.openxmlformats.org/markup-compatibility/2006" xmlns:hp="http://schemas.haansoft.com/office/presentation/8.0" kumimoji="0" lang="ko-KR" altLang="en-US" sz="1500" b="0" i="0" u="none" strike="noStrike" kern="0" cap="none" spc="0" normalizeH="0" baseline="0" mc:Ignorable="hp" hp:hslEmbossed="0">
+                <a:solidFill>
+                  <a:srgbClr val="343a40"/>
+                </a:solidFill>
+                <a:latin typeface="Lato"/>
+                <a:ea typeface="Lato"/>
+                <a:cs typeface="Lato"/>
+                <a:sym typeface="Lato"/>
+              </a:rPr>
+              <a:t> </a:t>
+            </a:r>
+            <a:r>
+              <a:rPr xmlns:mc="http://schemas.openxmlformats.org/markup-compatibility/2006" xmlns:hp="http://schemas.haansoft.com/office/presentation/8.0" kumimoji="0" lang="en-US" altLang="ko-KR" sz="1500" b="0" i="0" u="none" strike="noStrike" kern="0" cap="none" spc="0" normalizeH="0" baseline="0" mc:Ignorable="hp" hp:hslEmbossed="0">
+                <a:solidFill>
+                  <a:srgbClr val="343a40"/>
+                </a:solidFill>
+                <a:latin typeface="Lato"/>
+                <a:ea typeface="Lato"/>
+                <a:cs typeface="Lato"/>
+                <a:sym typeface="Lato"/>
+              </a:rPr>
+              <a:t>UI</a:t>
+            </a:r>
+            <a:r>
+              <a:rPr xmlns:mc="http://schemas.openxmlformats.org/markup-compatibility/2006" xmlns:hp="http://schemas.haansoft.com/office/presentation/8.0" kumimoji="0" lang="ko-KR" altLang="en-US" sz="1500" b="0" i="0" u="none" strike="noStrike" kern="0" cap="none" spc="0" normalizeH="0" baseline="0" mc:Ignorable="hp" hp:hslEmbossed="0">
+                <a:solidFill>
+                  <a:srgbClr val="343a40"/>
+                </a:solidFill>
+                <a:latin typeface="Lato"/>
+                <a:ea typeface="Lato"/>
+                <a:cs typeface="Lato"/>
+                <a:sym typeface="Lato"/>
+              </a:rPr>
+              <a:t> 셰이더 추가</a:t>
             </a:r>
             <a:endParaRPr xmlns:mc="http://schemas.openxmlformats.org/markup-compatibility/2006" xmlns:hp="http://schemas.haansoft.com/office/presentation/8.0" kumimoji="0" lang="ko-KR" altLang="en-US" sz="1500" b="0" i="0" u="none" strike="noStrike" kern="0" cap="none" spc="0" normalizeH="0" baseline="0" mc:Ignorable="hp" hp:hslEmbossed="0">
               <a:solidFill>
@@ -5888,9 +6536,57 @@
                 <a:cs typeface="Lato"/>
                 <a:sym typeface="Lato"/>
               </a:rPr>
-              <a:t>충돌처리 보완</a:t>
+              <a:t>클라이언트 간 싱크 조절</a:t>
             </a:r>
-            <a:endParaRPr xmlns:mc="http://schemas.openxmlformats.org/markup-compatibility/2006" xmlns:hp="http://schemas.haansoft.com/office/presentation/8.0" kumimoji="0" lang="en-US" altLang="ko-KR" sz="1500" b="0" i="0" u="none" strike="noStrike" kern="0" cap="none" spc="0" normalizeH="0" baseline="0" mc:Ignorable="hp" hp:hslEmbossed="0">
+            <a:r>
+              <a:rPr xmlns:mc="http://schemas.openxmlformats.org/markup-compatibility/2006" xmlns:hp="http://schemas.haansoft.com/office/presentation/8.0" kumimoji="0" lang="en-US" altLang="ko-KR" sz="1500" b="0" i="0" u="none" strike="noStrike" kern="0" cap="none" spc="0" normalizeH="0" baseline="0" mc:Ignorable="hp" hp:hslEmbossed="0">
+                <a:solidFill>
+                  <a:srgbClr val="343a40"/>
+                </a:solidFill>
+                <a:latin typeface="Lato"/>
+                <a:ea typeface="Lato"/>
+                <a:cs typeface="Lato"/>
+                <a:sym typeface="Lato"/>
+              </a:rPr>
+              <a:t>,</a:t>
+            </a:r>
+            <a:r>
+              <a:rPr xmlns:mc="http://schemas.openxmlformats.org/markup-compatibility/2006" xmlns:hp="http://schemas.haansoft.com/office/presentation/8.0" kumimoji="0" lang="ko-KR" altLang="en-US" sz="1500" b="0" i="0" u="none" strike="noStrike" kern="0" cap="none" spc="0" normalizeH="0" baseline="0" mc:Ignorable="hp" hp:hslEmbossed="0">
+                <a:solidFill>
+                  <a:srgbClr val="343a40"/>
+                </a:solidFill>
+                <a:latin typeface="Lato"/>
+                <a:ea typeface="Lato"/>
+                <a:cs typeface="Lato"/>
+                <a:sym typeface="Lato"/>
+              </a:rPr>
+              <a:t> 메인 게임</a:t>
+            </a:r>
+            <a:r>
+              <a:rPr xmlns:mc="http://schemas.openxmlformats.org/markup-compatibility/2006" xmlns:hp="http://schemas.haansoft.com/office/presentation/8.0" kumimoji="0" lang="en-US" altLang="ko-KR" sz="1500" b="0" i="0" u="none" strike="noStrike" kern="0" cap="none" spc="0" normalizeH="0" baseline="0" mc:Ignorable="hp" hp:hslEmbossed="0">
+                <a:solidFill>
+                  <a:srgbClr val="343a40"/>
+                </a:solidFill>
+                <a:latin typeface="Lato"/>
+                <a:ea typeface="Lato"/>
+                <a:cs typeface="Lato"/>
+                <a:sym typeface="Lato"/>
+              </a:rPr>
+              <a:t>,</a:t>
+            </a:r>
+            <a:r>
+              <a:rPr xmlns:mc="http://schemas.openxmlformats.org/markup-compatibility/2006" xmlns:hp="http://schemas.haansoft.com/office/presentation/8.0" kumimoji="0" lang="ko-KR" altLang="en-US" sz="1500" b="0" i="0" u="none" strike="noStrike" kern="0" cap="none" spc="0" normalizeH="0" baseline="0" mc:Ignorable="hp" hp:hslEmbossed="0">
+                <a:solidFill>
+                  <a:srgbClr val="343a40"/>
+                </a:solidFill>
+                <a:latin typeface="Lato"/>
+                <a:ea typeface="Lato"/>
+                <a:cs typeface="Lato"/>
+                <a:sym typeface="Lato"/>
+              </a:rPr>
+              <a:t> 충돌처리 보완</a:t>
+            </a:r>
+            <a:endParaRPr xmlns:mc="http://schemas.openxmlformats.org/markup-compatibility/2006" xmlns:hp="http://schemas.haansoft.com/office/presentation/8.0" kumimoji="0" lang="ko-KR" altLang="en-US" sz="1500" b="0" i="0" u="none" strike="noStrike" kern="0" cap="none" spc="0" normalizeH="0" baseline="0" mc:Ignorable="hp" hp:hslEmbossed="0">
               <a:solidFill>
                 <a:srgbClr val="343a40"/>
               </a:solidFill>
@@ -5931,930 +6627,6 @@
           </a:p>
         </p:txBody>
       </p:sp>
-    </p:spTree>
-  </p:cSld>
-  <p:clrMapOvr>
-    <a:masterClrMapping/>
-  </p:clrMapOvr>
-  <mc:AlternateContent xmlns:mc="http://schemas.openxmlformats.org/markup-compatibility/2006">
-    <mc:Choice xmlns:p14="http://schemas.microsoft.com/office/powerpoint/2010/main" Requires="p14">
-      <p:transition xmlns:mc="http://schemas.openxmlformats.org/markup-compatibility/2006" xmlns:p14="http://schemas.microsoft.com/office/powerpoint/2010/main" mc:Ignorable="p14" p14:dur="500"/>
-    </mc:Choice>
-    <mc:Fallback>
-      <p:transition/>
-    </mc:Fallback>
-  </mc:AlternateContent>
-</p:sld>
-</file>
-
-<file path=ppt/slides/slide11.xml><?xml version="1.0" encoding="utf-8"?>
-<p:sld xmlns:r="http://schemas.openxmlformats.org/officeDocument/2006/relationships" xmlns:c="http://schemas.openxmlformats.org/drawingml/2006/chart" xmlns:a="http://schemas.openxmlformats.org/drawingml/2006/main" xmlns:dgm="http://schemas.openxmlformats.org/drawingml/2006/diagram" xmlns:dsp="http://schemas.microsoft.com/office/drawing/2008/diagram" xmlns:p="http://schemas.openxmlformats.org/presentationml/2006/main">
-  <p:cSld>
-    <p:spTree>
-      <p:nvGrpSpPr>
-        <p:cNvPr id="1" name=""/>
-        <p:cNvGrpSpPr/>
-        <p:nvPr/>
-      </p:nvGrpSpPr>
-      <p:grpSpPr>
-        <a:xfrm>
-          <a:off x="0" y="0"/>
-          <a:ext cx="0" cy="0"/>
-          <a:chOff x="0" y="0"/>
-          <a:chExt cx="0" cy="0"/>
-        </a:xfrm>
-      </p:grpSpPr>
-      <p:sp>
-        <p:nvSpPr>
-          <p:cNvPr id="97" name="Google Shape;97;p13"/>
-          <p:cNvSpPr txBox="1">
-            <a:spLocks noGrp="1"/>
-          </p:cNvSpPr>
-          <p:nvPr>
-            <p:ph type="sldNum" idx="12"/>
-          </p:nvPr>
-        </p:nvSpPr>
-        <p:spPr>
-          <a:xfrm>
-            <a:off x="8480575" y="4696933"/>
-            <a:ext cx="548700" cy="313500"/>
-          </a:xfrm>
-          <a:prstGeom prst="rect">
-            <a:avLst/>
-          </a:prstGeom>
-        </p:spPr>
-        <p:txBody>
-          <a:bodyPr wrap="square" lIns="91424" tIns="91424" rIns="91424" bIns="91424" anchor="t" anchorCtr="0">
-            <a:noAutofit/>
-          </a:bodyPr>
-          <a:lstStyle/>
-          <a:p>
-            <a:pPr marL="0" lvl="0" indent="0" algn="r" rtl="0">
-              <a:spcBef>
-                <a:spcPts val="0"/>
-              </a:spcBef>
-              <a:spcAft>
-                <a:spcPts val="0"/>
-              </a:spcAft>
-              <a:buNone/>
-              <a:defRPr/>
-            </a:pPr>
-            <a:fld id="{00000000-1234-1234-1234-123412341234}" type="slidenum">
-              <a:rPr lang="en-US">
-                <a:solidFill>
-                  <a:schemeClr val="tx1">
-                    <a:lumMod val="50000"/>
-                  </a:schemeClr>
-                </a:solidFill>
-              </a:rPr>
-              <a:pPr marL="0" lvl="0" indent="0" algn="r" rtl="0">
-                <a:spcBef>
-                  <a:spcPts val="0"/>
-                </a:spcBef>
-                <a:spcAft>
-                  <a:spcPts val="0"/>
-                </a:spcAft>
-                <a:buNone/>
-                <a:defRPr/>
-              </a:pPr>
-              <a:t>12</a:t>
-            </a:fld>
-            <a:endParaRPr lang="en-US">
-              <a:solidFill>
-                <a:schemeClr val="tx1">
-                  <a:lumMod val="50000"/>
-                </a:schemeClr>
-              </a:solidFill>
-            </a:endParaRPr>
-          </a:p>
-        </p:txBody>
-      </p:sp>
-      <p:graphicFrame>
-        <p:nvGraphicFramePr>
-          <p:cNvPr id="22" name="Google Shape;223;p27"/>
-          <p:cNvGraphicFramePr/>
-          <p:nvPr/>
-        </p:nvGraphicFramePr>
-        <p:xfrm>
-          <a:off x="7167750" y="1393571"/>
-          <a:ext cx="1354050" cy="1226700"/>
-        </p:xfrm>
-        <a:graphic>
-          <a:graphicData uri="http://schemas.openxmlformats.org/drawingml/2006/table">
-            <a:tbl>
-              <a:tblPr>
-                <a:noFill/>
-              </a:tblPr>
-              <a:tblGrid>
-                <a:gridCol w="677025"/>
-                <a:gridCol w="677025"/>
-              </a:tblGrid>
-              <a:tr h="0">
-                <a:tc>
-                  <a:txBody>
-                    <a:bodyPr vert="horz" lIns="91424" tIns="91424" rIns="91424" bIns="91424" anchor="t" anchorCtr="0"/>
-                    <a:p>
-                      <a:pPr marL="0" lvl="0" indent="0" algn="l" rtl="0">
-                        <a:spcBef>
-                          <a:spcPts val="0"/>
-                        </a:spcBef>
-                        <a:spcAft>
-                          <a:spcPts val="0"/>
-                        </a:spcAft>
-                        <a:buNone/>
-                        <a:defRPr/>
-                      </a:pPr>
-                      <a:r>
-                        <a:rPr lang="ko-KR" altLang="en-US" sz="800" b="1" i="0">
-                          <a:solidFill>
-                            <a:schemeClr val="tx1">
-                              <a:lumMod val="50000"/>
-                            </a:schemeClr>
-                          </a:solidFill>
-                        </a:rPr>
-                        <a:t>우성준</a:t>
-                      </a:r>
-                      <a:endParaRPr sz="800" b="1" i="0">
-                        <a:solidFill>
-                          <a:schemeClr val="tx1">
-                            <a:lumMod val="50000"/>
-                          </a:schemeClr>
-                        </a:solidFill>
-                      </a:endParaRPr>
-                    </a:p>
-                  </a:txBody>
-                  <a:tcPr marL="91425" marR="91425" marT="91425" marB="91425"/>
-                </a:tc>
-                <a:tc>
-                  <a:txBody>
-                    <a:bodyPr vert="horz" lIns="91424" tIns="91424" rIns="91424" bIns="91424" anchor="t" anchorCtr="0"/>
-                    <a:p>
-                      <a:pPr marL="0" lvl="0" indent="0" algn="l" rtl="0">
-                        <a:spcBef>
-                          <a:spcPts val="0"/>
-                        </a:spcBef>
-                        <a:spcAft>
-                          <a:spcPts val="0"/>
-                        </a:spcAft>
-                        <a:buNone/>
-                        <a:defRPr/>
-                      </a:pPr>
-                      <a:endParaRPr sz="800">
-                        <a:solidFill>
-                          <a:schemeClr val="tx1">
-                            <a:lumMod val="50000"/>
-                          </a:schemeClr>
-                        </a:solidFill>
-                      </a:endParaRPr>
-                    </a:p>
-                  </a:txBody>
-                  <a:tcPr marL="91425" marR="91425" marT="91425" marB="91425"/>
-                </a:tc>
-              </a:tr>
-              <a:tr h="0">
-                <a:tc>
-                  <a:txBody>
-                    <a:bodyPr vert="horz" lIns="91424" tIns="91424" rIns="91424" bIns="91424" anchor="t" anchorCtr="0"/>
-                    <a:p>
-                      <a:pPr marL="0" lvl="0" indent="0" algn="l" rtl="0">
-                        <a:spcBef>
-                          <a:spcPts val="0"/>
-                        </a:spcBef>
-                        <a:spcAft>
-                          <a:spcPts val="0"/>
-                        </a:spcAft>
-                        <a:buNone/>
-                        <a:defRPr/>
-                      </a:pPr>
-                      <a:r>
-                        <a:rPr lang="ko-KR" altLang="en-US" sz="800" b="1" i="0">
-                          <a:solidFill>
-                            <a:schemeClr val="tx1">
-                              <a:lumMod val="50000"/>
-                            </a:schemeClr>
-                          </a:solidFill>
-                        </a:rPr>
-                        <a:t>박찬휘</a:t>
-                      </a:r>
-                      <a:endParaRPr sz="800" b="1" i="0">
-                        <a:solidFill>
-                          <a:schemeClr val="tx1">
-                            <a:lumMod val="50000"/>
-                          </a:schemeClr>
-                        </a:solidFill>
-                      </a:endParaRPr>
-                    </a:p>
-                  </a:txBody>
-                  <a:tcPr marL="91425" marR="91425" marT="91425" marB="91425"/>
-                </a:tc>
-                <a:tc>
-                  <a:txBody>
-                    <a:bodyPr vert="horz" lIns="91424" tIns="91424" rIns="91424" bIns="91424" anchor="t" anchorCtr="0"/>
-                    <a:p>
-                      <a:pPr marL="0" lvl="0" indent="0" algn="l" rtl="0">
-                        <a:spcBef>
-                          <a:spcPts val="0"/>
-                        </a:spcBef>
-                        <a:spcAft>
-                          <a:spcPts val="0"/>
-                        </a:spcAft>
-                        <a:buNone/>
-                        <a:defRPr/>
-                      </a:pPr>
-                      <a:endParaRPr sz="800">
-                        <a:solidFill>
-                          <a:schemeClr val="tx1">
-                            <a:lumMod val="50000"/>
-                          </a:schemeClr>
-                        </a:solidFill>
-                      </a:endParaRPr>
-                    </a:p>
-                  </a:txBody>
-                  <a:tcPr marL="91425" marR="91425" marT="91425" marB="91425"/>
-                </a:tc>
-              </a:tr>
-              <a:tr h="0">
-                <a:tc>
-                  <a:txBody>
-                    <a:bodyPr vert="horz" lIns="91424" tIns="91424" rIns="91424" bIns="91424" anchor="t" anchorCtr="0"/>
-                    <a:p>
-                      <a:pPr marL="0" lvl="0" indent="0" algn="l" rtl="0">
-                        <a:spcBef>
-                          <a:spcPts val="0"/>
-                        </a:spcBef>
-                        <a:spcAft>
-                          <a:spcPts val="0"/>
-                        </a:spcAft>
-                        <a:buNone/>
-                        <a:defRPr/>
-                      </a:pPr>
-                      <a:r>
-                        <a:rPr lang="ko-KR" altLang="en-US" sz="800" b="1" i="0">
-                          <a:solidFill>
-                            <a:schemeClr val="tx1">
-                              <a:lumMod val="50000"/>
-                            </a:schemeClr>
-                          </a:solidFill>
-                        </a:rPr>
-                        <a:t>함범호</a:t>
-                      </a:r>
-                      <a:endParaRPr sz="800" b="1" i="0">
-                        <a:solidFill>
-                          <a:schemeClr val="tx1">
-                            <a:lumMod val="50000"/>
-                          </a:schemeClr>
-                        </a:solidFill>
-                      </a:endParaRPr>
-                    </a:p>
-                  </a:txBody>
-                  <a:tcPr marL="91425" marR="91425" marT="91425" marB="91425"/>
-                </a:tc>
-                <a:tc>
-                  <a:txBody>
-                    <a:bodyPr vert="horz" lIns="91424" tIns="91424" rIns="91424" bIns="91424" anchor="t" anchorCtr="0"/>
-                    <a:p>
-                      <a:pPr marL="0" lvl="0" indent="0" algn="l" rtl="0">
-                        <a:spcBef>
-                          <a:spcPts val="0"/>
-                        </a:spcBef>
-                        <a:spcAft>
-                          <a:spcPts val="0"/>
-                        </a:spcAft>
-                        <a:buNone/>
-                        <a:defRPr/>
-                      </a:pPr>
-                      <a:endParaRPr sz="800">
-                        <a:solidFill>
-                          <a:schemeClr val="tx1">
-                            <a:lumMod val="50000"/>
-                          </a:schemeClr>
-                        </a:solidFill>
-                      </a:endParaRPr>
-                    </a:p>
-                  </a:txBody>
-                  <a:tcPr marL="91425" marR="91425" marT="91425" marB="91425"/>
-                </a:tc>
-              </a:tr>
-              <a:tr h="0">
-                <a:tc>
-                  <a:txBody>
-                    <a:bodyPr vert="horz" lIns="91424" tIns="91424" rIns="91424" bIns="91424" anchor="t" anchorCtr="0"/>
-                    <a:p>
-                      <a:pPr marL="0" lvl="0" indent="0" algn="l" rtl="0">
-                        <a:spcBef>
-                          <a:spcPts val="0"/>
-                        </a:spcBef>
-                        <a:spcAft>
-                          <a:spcPts val="0"/>
-                        </a:spcAft>
-                        <a:buNone/>
-                        <a:defRPr/>
-                      </a:pPr>
-                      <a:r>
-                        <a:rPr lang="ko-KR" altLang="en-US" sz="800" b="1" i="0">
-                          <a:solidFill>
-                            <a:schemeClr val="tx1">
-                              <a:lumMod val="50000"/>
-                            </a:schemeClr>
-                          </a:solidFill>
-                        </a:rPr>
-                        <a:t>전    원</a:t>
-                      </a:r>
-                      <a:endParaRPr sz="800" b="1" i="0">
-                        <a:solidFill>
-                          <a:schemeClr val="tx1">
-                            <a:lumMod val="50000"/>
-                          </a:schemeClr>
-                        </a:solidFill>
-                      </a:endParaRPr>
-                    </a:p>
-                  </a:txBody>
-                  <a:tcPr marL="91425" marR="91425" marT="91425" marB="91425"/>
-                </a:tc>
-                <a:tc>
-                  <a:txBody>
-                    <a:bodyPr vert="horz" lIns="91424" tIns="91424" rIns="91424" bIns="91424" anchor="t" anchorCtr="0"/>
-                    <a:p>
-                      <a:pPr marL="0" lvl="0" indent="0" algn="l" rtl="0">
-                        <a:spcBef>
-                          <a:spcPts val="0"/>
-                        </a:spcBef>
-                        <a:spcAft>
-                          <a:spcPts val="0"/>
-                        </a:spcAft>
-                        <a:buNone/>
-                        <a:defRPr/>
-                      </a:pPr>
-                      <a:endParaRPr sz="800">
-                        <a:solidFill>
-                          <a:schemeClr val="tx1">
-                            <a:lumMod val="50000"/>
-                          </a:schemeClr>
-                        </a:solidFill>
-                      </a:endParaRPr>
-                    </a:p>
-                  </a:txBody>
-                  <a:tcPr marL="91425" marR="91425" marT="91425" marB="91425"/>
-                </a:tc>
-              </a:tr>
-            </a:tbl>
-          </a:graphicData>
-        </a:graphic>
-      </p:graphicFrame>
-      <p:sp>
-        <p:nvSpPr>
-          <p:cNvPr id="41" name="Google Shape;224;p27"/>
-          <p:cNvSpPr/>
-          <p:nvPr/>
-        </p:nvSpPr>
-        <p:spPr>
-          <a:xfrm>
-            <a:off x="7972030" y="1797134"/>
-            <a:ext cx="388200" cy="118500"/>
-          </a:xfrm>
-          <a:prstGeom prst="rect">
-            <a:avLst/>
-          </a:prstGeom>
-          <a:solidFill>
-            <a:srgbClr val="92d050"/>
-          </a:solidFill>
-          <a:ln w="9525" cap="flat" cmpd="sng">
-            <a:solidFill>
-              <a:schemeClr val="tx2">
-                <a:lumMod val="10000"/>
-              </a:schemeClr>
-            </a:solidFill>
-            <a:prstDash val="solid"/>
-            <a:round/>
-          </a:ln>
-        </p:spPr>
-        <p:txBody>
-          <a:bodyPr wrap="square" lIns="91424" tIns="91424" rIns="91424" bIns="91424" anchor="ctr" anchorCtr="0">
-            <a:noAutofit/>
-          </a:bodyPr>
-          <a:lstStyle/>
-          <a:p>
-            <a:pPr marL="0" lvl="0" indent="0" algn="l" rtl="0">
-              <a:spcBef>
-                <a:spcPts val="0"/>
-              </a:spcBef>
-              <a:spcAft>
-                <a:spcPts val="0"/>
-              </a:spcAft>
-              <a:buNone/>
-              <a:defRPr/>
-            </a:pPr>
-            <a:endParaRPr/>
-          </a:p>
-        </p:txBody>
-      </p:sp>
-      <p:sp>
-        <p:nvSpPr>
-          <p:cNvPr id="42" name="Google Shape;225;p27"/>
-          <p:cNvSpPr/>
-          <p:nvPr/>
-        </p:nvSpPr>
-        <p:spPr>
-          <a:xfrm>
-            <a:off x="7972030" y="1497072"/>
-            <a:ext cx="388200" cy="118500"/>
-          </a:xfrm>
-          <a:prstGeom prst="rect">
-            <a:avLst/>
-          </a:prstGeom>
-          <a:solidFill>
-            <a:srgbClr val="ff0000"/>
-          </a:solidFill>
-          <a:ln w="9525" cap="flat" cmpd="sng">
-            <a:solidFill>
-              <a:schemeClr val="tx2">
-                <a:lumMod val="10000"/>
-              </a:schemeClr>
-            </a:solidFill>
-            <a:prstDash val="solid"/>
-            <a:round/>
-          </a:ln>
-        </p:spPr>
-        <p:txBody>
-          <a:bodyPr wrap="square" lIns="91424" tIns="91424" rIns="91424" bIns="91424" anchor="ctr" anchorCtr="0">
-            <a:noAutofit/>
-          </a:bodyPr>
-          <a:lstStyle/>
-          <a:p>
-            <a:pPr marL="0" lvl="0" indent="0" algn="l" rtl="0">
-              <a:spcBef>
-                <a:spcPts val="0"/>
-              </a:spcBef>
-              <a:spcAft>
-                <a:spcPts val="0"/>
-              </a:spcAft>
-              <a:buNone/>
-              <a:defRPr/>
-            </a:pPr>
-            <a:endParaRPr/>
-          </a:p>
-        </p:txBody>
-      </p:sp>
-      <p:sp>
-        <p:nvSpPr>
-          <p:cNvPr id="43" name="Google Shape;226;p27"/>
-          <p:cNvSpPr/>
-          <p:nvPr/>
-        </p:nvSpPr>
-        <p:spPr>
-          <a:xfrm>
-            <a:off x="7972030" y="2097184"/>
-            <a:ext cx="388200" cy="118500"/>
-          </a:xfrm>
-          <a:prstGeom prst="rect">
-            <a:avLst/>
-          </a:prstGeom>
-          <a:solidFill>
-            <a:srgbClr val="0070c0"/>
-          </a:solidFill>
-          <a:ln w="9525" cap="flat" cmpd="sng">
-            <a:solidFill>
-              <a:schemeClr val="tx2">
-                <a:lumMod val="10000"/>
-              </a:schemeClr>
-            </a:solidFill>
-            <a:prstDash val="solid"/>
-            <a:round/>
-          </a:ln>
-        </p:spPr>
-        <p:txBody>
-          <a:bodyPr wrap="square" lIns="91424" tIns="91424" rIns="91424" bIns="91424" anchor="ctr" anchorCtr="0">
-            <a:noAutofit/>
-          </a:bodyPr>
-          <a:lstStyle/>
-          <a:p>
-            <a:pPr marL="0" lvl="0" indent="0" algn="l" rtl="0">
-              <a:spcBef>
-                <a:spcPts val="0"/>
-              </a:spcBef>
-              <a:spcAft>
-                <a:spcPts val="0"/>
-              </a:spcAft>
-              <a:buNone/>
-              <a:defRPr/>
-            </a:pPr>
-            <a:endParaRPr/>
-          </a:p>
-        </p:txBody>
-      </p:sp>
-      <p:sp>
-        <p:nvSpPr>
-          <p:cNvPr id="44" name="Google Shape;227;p27"/>
-          <p:cNvSpPr/>
-          <p:nvPr/>
-        </p:nvSpPr>
-        <p:spPr>
-          <a:xfrm>
-            <a:off x="7972030" y="2397234"/>
-            <a:ext cx="388200" cy="118500"/>
-          </a:xfrm>
-          <a:prstGeom prst="rect">
-            <a:avLst/>
-          </a:prstGeom>
-          <a:solidFill>
-            <a:srgbClr val="ffc000"/>
-          </a:solidFill>
-          <a:ln w="9525" cap="flat" cmpd="sng">
-            <a:solidFill>
-              <a:schemeClr val="tx2">
-                <a:lumMod val="10000"/>
-              </a:schemeClr>
-            </a:solidFill>
-            <a:prstDash val="solid"/>
-            <a:round/>
-          </a:ln>
-        </p:spPr>
-        <p:txBody>
-          <a:bodyPr wrap="square" lIns="91424" tIns="91424" rIns="91424" bIns="91424" anchor="ctr" anchorCtr="0">
-            <a:noAutofit/>
-          </a:bodyPr>
-          <a:lstStyle/>
-          <a:p>
-            <a:pPr marL="0" lvl="0" indent="0" algn="l" rtl="0">
-              <a:spcBef>
-                <a:spcPts val="0"/>
-              </a:spcBef>
-              <a:spcAft>
-                <a:spcPts val="0"/>
-              </a:spcAft>
-              <a:buNone/>
-              <a:defRPr/>
-            </a:pPr>
-            <a:endParaRPr/>
-          </a:p>
-        </p:txBody>
-      </p:sp>
-      <p:sp>
-        <p:nvSpPr>
-          <p:cNvPr id="23" name="Google Shape;93;p13"/>
-          <p:cNvSpPr txBox="1"/>
-          <p:nvPr/>
-        </p:nvSpPr>
-        <p:spPr>
-          <a:xfrm>
-            <a:off x="893700" y="434588"/>
-            <a:ext cx="7628100" cy="857400"/>
-          </a:xfrm>
-          <a:prstGeom prst="rect">
-            <a:avLst/>
-          </a:prstGeom>
-          <a:solidFill>
-            <a:schemeClr val="bg1">
-              <a:lumMod val="95000"/>
-            </a:schemeClr>
-          </a:solidFill>
-          <a:ln w="25400" cap="flat" cmpd="sng" algn="ctr">
-            <a:solidFill>
-              <a:schemeClr val="tx2">
-                <a:lumMod val="10000"/>
-              </a:schemeClr>
-            </a:solidFill>
-            <a:prstDash val="solid"/>
-          </a:ln>
-        </p:spPr>
-        <p:style>
-          <a:lnRef idx="2">
-            <a:schemeClr val="dk1"/>
-          </a:lnRef>
-          <a:fillRef idx="1">
-            <a:schemeClr val="lt1"/>
-          </a:fillRef>
-          <a:effectRef idx="0">
-            <a:schemeClr val="dk1"/>
-          </a:effectRef>
-          <a:fontRef idx="minor">
-            <a:schemeClr val="dk1"/>
-          </a:fontRef>
-        </p:style>
-        <p:txBody>
-          <a:bodyPr wrap="square" lIns="91424" tIns="91424" rIns="91424" bIns="91424" anchor="ctr" anchorCtr="0">
-            <a:noAutofit/>
-          </a:bodyPr>
-          <a:lstStyle>
-            <a:defPPr marR="0" lvl="0" algn="l" rtl="0">
-              <a:lnSpc>
-                <a:spcPct val="100000"/>
-              </a:lnSpc>
-              <a:spcBef>
-                <a:spcPts val="0"/>
-              </a:spcBef>
-              <a:spcAft>
-                <a:spcPts val="0"/>
-              </a:spcAft>
-            </a:defPPr>
-            <a:lvl1pPr marR="0" lvl="0" algn="l" rtl="0">
-              <a:lnSpc>
-                <a:spcPct val="100000"/>
-              </a:lnSpc>
-              <a:spcBef>
-                <a:spcPts val="0"/>
-              </a:spcBef>
-              <a:spcAft>
-                <a:spcPts val="0"/>
-              </a:spcAft>
-              <a:buClr>
-                <a:schemeClr val="accent6"/>
-              </a:buClr>
-              <a:buSzPts val="3200"/>
-              <a:buFont typeface="Raleway"/>
-              <a:buNone/>
-              <a:defRPr sz="3200" b="0" i="0" u="none" strike="noStrike" cap="none">
-                <a:solidFill>
-                  <a:schemeClr val="accent6"/>
-                </a:solidFill>
-                <a:latin typeface="Raleway"/>
-                <a:ea typeface="Raleway"/>
-                <a:cs typeface="Raleway"/>
-                <a:sym typeface="Raleway"/>
-              </a:defRPr>
-            </a:lvl1pPr>
-            <a:lvl2pPr marR="0" lvl="1" algn="l" rtl="0">
-              <a:lnSpc>
-                <a:spcPct val="100000"/>
-              </a:lnSpc>
-              <a:spcBef>
-                <a:spcPts val="0"/>
-              </a:spcBef>
-              <a:spcAft>
-                <a:spcPts val="0"/>
-              </a:spcAft>
-              <a:buClr>
-                <a:schemeClr val="accent6"/>
-              </a:buClr>
-              <a:buSzPts val="3200"/>
-              <a:buFont typeface="Raleway"/>
-              <a:buNone/>
-              <a:defRPr sz="3200" b="0" i="0" u="none" strike="noStrike" cap="none">
-                <a:solidFill>
-                  <a:schemeClr val="accent6"/>
-                </a:solidFill>
-                <a:latin typeface="Raleway"/>
-                <a:ea typeface="Raleway"/>
-                <a:cs typeface="Raleway"/>
-                <a:sym typeface="Raleway"/>
-              </a:defRPr>
-            </a:lvl2pPr>
-            <a:lvl3pPr marR="0" lvl="2" algn="l" rtl="0">
-              <a:lnSpc>
-                <a:spcPct val="100000"/>
-              </a:lnSpc>
-              <a:spcBef>
-                <a:spcPts val="0"/>
-              </a:spcBef>
-              <a:spcAft>
-                <a:spcPts val="0"/>
-              </a:spcAft>
-              <a:buClr>
-                <a:schemeClr val="accent6"/>
-              </a:buClr>
-              <a:buSzPts val="3200"/>
-              <a:buFont typeface="Raleway"/>
-              <a:buNone/>
-              <a:defRPr sz="3200" b="0" i="0" u="none" strike="noStrike" cap="none">
-                <a:solidFill>
-                  <a:schemeClr val="accent6"/>
-                </a:solidFill>
-                <a:latin typeface="Raleway"/>
-                <a:ea typeface="Raleway"/>
-                <a:cs typeface="Raleway"/>
-                <a:sym typeface="Raleway"/>
-              </a:defRPr>
-            </a:lvl3pPr>
-            <a:lvl4pPr marR="0" lvl="3" algn="l" rtl="0">
-              <a:lnSpc>
-                <a:spcPct val="100000"/>
-              </a:lnSpc>
-              <a:spcBef>
-                <a:spcPts val="0"/>
-              </a:spcBef>
-              <a:spcAft>
-                <a:spcPts val="0"/>
-              </a:spcAft>
-              <a:buClr>
-                <a:schemeClr val="accent6"/>
-              </a:buClr>
-              <a:buSzPts val="3200"/>
-              <a:buFont typeface="Raleway"/>
-              <a:buNone/>
-              <a:defRPr sz="3200" b="0" i="0" u="none" strike="noStrike" cap="none">
-                <a:solidFill>
-                  <a:schemeClr val="accent6"/>
-                </a:solidFill>
-                <a:latin typeface="Raleway"/>
-                <a:ea typeface="Raleway"/>
-                <a:cs typeface="Raleway"/>
-                <a:sym typeface="Raleway"/>
-              </a:defRPr>
-            </a:lvl4pPr>
-            <a:lvl5pPr marR="0" lvl="4" algn="l" rtl="0">
-              <a:lnSpc>
-                <a:spcPct val="100000"/>
-              </a:lnSpc>
-              <a:spcBef>
-                <a:spcPts val="0"/>
-              </a:spcBef>
-              <a:spcAft>
-                <a:spcPts val="0"/>
-              </a:spcAft>
-              <a:buClr>
-                <a:schemeClr val="accent6"/>
-              </a:buClr>
-              <a:buSzPts val="3200"/>
-              <a:buFont typeface="Raleway"/>
-              <a:buNone/>
-              <a:defRPr sz="3200" b="0" i="0" u="none" strike="noStrike" cap="none">
-                <a:solidFill>
-                  <a:schemeClr val="accent6"/>
-                </a:solidFill>
-                <a:latin typeface="Raleway"/>
-                <a:ea typeface="Raleway"/>
-                <a:cs typeface="Raleway"/>
-                <a:sym typeface="Raleway"/>
-              </a:defRPr>
-            </a:lvl5pPr>
-            <a:lvl6pPr marR="0" lvl="5" algn="l" rtl="0">
-              <a:lnSpc>
-                <a:spcPct val="100000"/>
-              </a:lnSpc>
-              <a:spcBef>
-                <a:spcPts val="0"/>
-              </a:spcBef>
-              <a:spcAft>
-                <a:spcPts val="0"/>
-              </a:spcAft>
-              <a:buClr>
-                <a:schemeClr val="accent6"/>
-              </a:buClr>
-              <a:buSzPts val="3200"/>
-              <a:buFont typeface="Raleway"/>
-              <a:buNone/>
-              <a:defRPr sz="3200" b="0" i="0" u="none" strike="noStrike" cap="none">
-                <a:solidFill>
-                  <a:schemeClr val="accent6"/>
-                </a:solidFill>
-                <a:latin typeface="Raleway"/>
-                <a:ea typeface="Raleway"/>
-                <a:cs typeface="Raleway"/>
-                <a:sym typeface="Raleway"/>
-              </a:defRPr>
-            </a:lvl6pPr>
-            <a:lvl7pPr marR="0" lvl="6" algn="l" rtl="0">
-              <a:lnSpc>
-                <a:spcPct val="100000"/>
-              </a:lnSpc>
-              <a:spcBef>
-                <a:spcPts val="0"/>
-              </a:spcBef>
-              <a:spcAft>
-                <a:spcPts val="0"/>
-              </a:spcAft>
-              <a:buClr>
-                <a:schemeClr val="accent6"/>
-              </a:buClr>
-              <a:buSzPts val="3200"/>
-              <a:buFont typeface="Raleway"/>
-              <a:buNone/>
-              <a:defRPr sz="3200" b="0" i="0" u="none" strike="noStrike" cap="none">
-                <a:solidFill>
-                  <a:schemeClr val="accent6"/>
-                </a:solidFill>
-                <a:latin typeface="Raleway"/>
-                <a:ea typeface="Raleway"/>
-                <a:cs typeface="Raleway"/>
-                <a:sym typeface="Raleway"/>
-              </a:defRPr>
-            </a:lvl7pPr>
-            <a:lvl8pPr marR="0" lvl="7" algn="l" rtl="0">
-              <a:lnSpc>
-                <a:spcPct val="100000"/>
-              </a:lnSpc>
-              <a:spcBef>
-                <a:spcPts val="0"/>
-              </a:spcBef>
-              <a:spcAft>
-                <a:spcPts val="0"/>
-              </a:spcAft>
-              <a:buClr>
-                <a:schemeClr val="accent6"/>
-              </a:buClr>
-              <a:buSzPts val="3200"/>
-              <a:buFont typeface="Raleway"/>
-              <a:buNone/>
-              <a:defRPr sz="3200" b="0" i="0" u="none" strike="noStrike" cap="none">
-                <a:solidFill>
-                  <a:schemeClr val="accent6"/>
-                </a:solidFill>
-                <a:latin typeface="Raleway"/>
-                <a:ea typeface="Raleway"/>
-                <a:cs typeface="Raleway"/>
-                <a:sym typeface="Raleway"/>
-              </a:defRPr>
-            </a:lvl8pPr>
-            <a:lvl9pPr marR="0" lvl="8" algn="l" rtl="0">
-              <a:lnSpc>
-                <a:spcPct val="100000"/>
-              </a:lnSpc>
-              <a:spcBef>
-                <a:spcPts val="0"/>
-              </a:spcBef>
-              <a:spcAft>
-                <a:spcPts val="0"/>
-              </a:spcAft>
-              <a:buClr>
-                <a:schemeClr val="accent6"/>
-              </a:buClr>
-              <a:buSzPts val="3200"/>
-              <a:buFont typeface="Raleway"/>
-              <a:buNone/>
-              <a:defRPr sz="3200" b="0" i="0" u="none" strike="noStrike" cap="none">
-                <a:solidFill>
-                  <a:schemeClr val="accent6"/>
-                </a:solidFill>
-                <a:latin typeface="Raleway"/>
-                <a:ea typeface="Raleway"/>
-                <a:cs typeface="Raleway"/>
-                <a:sym typeface="Raleway"/>
-              </a:defRPr>
-            </a:lvl9pPr>
-          </a:lstStyle>
-          <a:p>
-            <a:pPr marL="0" lvl="0" indent="0" algn="l" rtl="0">
-              <a:spcBef>
-                <a:spcPts val="0"/>
-              </a:spcBef>
-              <a:spcAft>
-                <a:spcPts val="0"/>
-              </a:spcAft>
-              <a:buNone/>
-              <a:defRPr/>
-            </a:pPr>
-            <a:r>
-              <a:rPr lang="en-US" altLang="ko-KR">
-                <a:solidFill>
-                  <a:schemeClr val="tx1">
-                    <a:lumMod val="50000"/>
-                  </a:schemeClr>
-                </a:solidFill>
-                <a:latin typeface="+mj-ea"/>
-                <a:ea typeface="+mj-ea"/>
-              </a:rPr>
-              <a:t>7. </a:t>
-            </a:r>
-            <a:r>
-              <a:rPr lang="ko-KR" altLang="en-US">
-                <a:solidFill>
-                  <a:schemeClr val="tx1">
-                    <a:lumMod val="50000"/>
-                  </a:schemeClr>
-                </a:solidFill>
-                <a:latin typeface="+mj-ea"/>
-                <a:ea typeface="+mj-ea"/>
-              </a:rPr>
-              <a:t>향후 개발 일정</a:t>
-            </a:r>
-            <a:endParaRPr lang="ko-KR" altLang="en-US">
-              <a:solidFill>
-                <a:schemeClr val="tx1">
-                  <a:lumMod val="50000"/>
-                </a:schemeClr>
-              </a:solidFill>
-              <a:latin typeface="+mj-ea"/>
-              <a:ea typeface="+mj-ea"/>
-            </a:endParaRPr>
-          </a:p>
-        </p:txBody>
-      </p:sp>
-      <p:pic>
-        <p:nvPicPr>
-          <p:cNvPr id="1031" name="Picture 7" descr="C:\Users\박찬휘\Desktop\unknown.png"/>
-          <p:cNvPicPr>
-            <a:picLocks noChangeAspect="1" noChangeArrowheads="1"/>
-          </p:cNvPicPr>
-          <p:nvPr/>
-        </p:nvPicPr>
-        <p:blipFill rotWithShape="1">
-          <a:blip r:embed="rId3"/>
-          <a:srcRect/>
-          <a:stretch>
-            <a:fillRect/>
-          </a:stretch>
-        </p:blipFill>
-        <p:spPr>
-          <a:xfrm>
-            <a:off x="1551584" y="1347614"/>
-            <a:ext cx="4535065" cy="3592336"/>
-          </a:xfrm>
-          <a:prstGeom prst="rect">
-            <a:avLst/>
-          </a:prstGeom>
-          <a:noFill/>
-        </p:spPr>
-      </p:pic>
     </p:spTree>
   </p:cSld>
   <p:clrMapOvr>
@@ -7038,7 +6810,7 @@
                 <a:buNone/>
                 <a:defRPr/>
               </a:pPr>
-              <a:t>11</a:t>
+              <a:t>12</a:t>
             </a:fld>
             <a:endParaRPr lang="en-US">
               <a:solidFill>
@@ -9054,7 +8826,7 @@
               </a:rPr>
               <a:t>애니메이션</a:t>
             </a:r>
-            <a:endParaRPr xmlns:mc="http://schemas.openxmlformats.org/markup-compatibility/2006" xmlns:hp="http://schemas.haansoft.com/office/presentation/8.0" kumimoji="0" lang="ko-KR" altLang="en-US" sz="1800" b="1" i="0" u="none" strike="noStrike" kern="0" cap="none" spc="0" normalizeH="0" baseline="0" mc:Ignorable="hp" hp:hslEmbossed="0">
+            <a:endParaRPr xmlns:mc="http://schemas.openxmlformats.org/markup-compatibility/2006" xmlns:hp="http://schemas.haansoft.com/office/presentation/8.0" kumimoji="0" lang="ko-KR" altLang="en-US" sz="1600" b="1" i="0" u="none" strike="noStrike" kern="0" cap="none" spc="0" normalizeH="0" baseline="0" mc:Ignorable="hp" hp:hslEmbossed="0">
               <a:solidFill>
                 <a:srgbClr val="343a40"/>
               </a:solidFill>
@@ -9136,6 +8908,116 @@
               </a:rPr>
               <a:t>렉돌 애니메이션</a:t>
             </a:r>
+            <a:endParaRPr xmlns:mc="http://schemas.openxmlformats.org/markup-compatibility/2006" xmlns:hp="http://schemas.haansoft.com/office/presentation/8.0" kumimoji="0" lang="en-US" altLang="ko-KR" sz="1600" b="1" i="0" u="none" strike="noStrike" kern="0" cap="none" spc="0" normalizeH="0" baseline="0" mc:Ignorable="hp" hp:hslEmbossed="0">
+              <a:solidFill>
+                <a:srgbClr val="343a40"/>
+              </a:solidFill>
+              <a:latin typeface="Lato"/>
+              <a:ea typeface="Lato"/>
+              <a:cs typeface="Lato"/>
+              <a:sym typeface="Lato"/>
+            </a:endParaRPr>
+          </a:p>
+          <a:p>
+            <a:pPr marL="285750" marR="0" lvl="0" indent="-285750" algn="l" rtl="0" eaLnBrk="1" latinLnBrk="0" hangingPunct="1">
+              <a:lnSpc>
+                <a:spcPct val="100000"/>
+              </a:lnSpc>
+              <a:spcBef>
+                <a:spcPts val="600"/>
+              </a:spcBef>
+              <a:spcAft>
+                <a:spcPts val="0"/>
+              </a:spcAft>
+              <a:buClr>
+                <a:srgbClr val="000000"/>
+              </a:buClr>
+              <a:buFont typeface="Arial"/>
+              <a:buFontTx/>
+              <a:buChar char="-"/>
+              <a:defRPr/>
+            </a:pPr>
+            <a:endParaRPr xmlns:mc="http://schemas.openxmlformats.org/markup-compatibility/2006" xmlns:hp="http://schemas.haansoft.com/office/presentation/8.0" kumimoji="0" lang="en-US" altLang="ko-KR" sz="1600" b="1" i="0" u="none" strike="noStrike" kern="0" cap="none" spc="0" normalizeH="0" baseline="0" mc:Ignorable="hp" hp:hslEmbossed="0">
+              <a:solidFill>
+                <a:srgbClr val="343a40"/>
+              </a:solidFill>
+              <a:latin typeface="Lato"/>
+              <a:ea typeface="Lato"/>
+              <a:cs typeface="Lato"/>
+              <a:sym typeface="Lato"/>
+            </a:endParaRPr>
+          </a:p>
+          <a:p>
+            <a:pPr marL="0" marR="0" lvl="0" indent="0" algn="l" rtl="0" eaLnBrk="1" latinLnBrk="0" hangingPunct="1">
+              <a:lnSpc>
+                <a:spcPct val="100000"/>
+              </a:lnSpc>
+              <a:spcBef>
+                <a:spcPts val="600"/>
+              </a:spcBef>
+              <a:spcAft>
+                <a:spcPts val="0"/>
+              </a:spcAft>
+              <a:buClr>
+                <a:srgbClr val="000000"/>
+              </a:buClr>
+              <a:buFont typeface="Arial"/>
+              <a:buNone/>
+              <a:defRPr/>
+            </a:pPr>
+            <a:r>
+              <a:rPr xmlns:mc="http://schemas.openxmlformats.org/markup-compatibility/2006" xmlns:hp="http://schemas.haansoft.com/office/presentation/8.0" kumimoji="0" lang="ko-KR" altLang="en-US" sz="1800" b="1" i="0" u="none" strike="noStrike" kern="0" cap="none" spc="0" normalizeH="0" baseline="0" mc:Ignorable="hp" hp:hslEmbossed="0">
+                <a:solidFill>
+                  <a:srgbClr val="343a40"/>
+                </a:solidFill>
+                <a:latin typeface="Lato"/>
+                <a:ea typeface="Lato"/>
+                <a:cs typeface="Lato"/>
+                <a:sym typeface="Lato"/>
+              </a:rPr>
+              <a:t>충돌 처리</a:t>
+            </a:r>
+            <a:endParaRPr xmlns:mc="http://schemas.openxmlformats.org/markup-compatibility/2006" xmlns:hp="http://schemas.haansoft.com/office/presentation/8.0" kumimoji="0" lang="ko-KR" altLang="en-US" sz="1800" b="1" i="0" u="none" strike="noStrike" kern="0" cap="none" spc="0" normalizeH="0" baseline="0" mc:Ignorable="hp" hp:hslEmbossed="0">
+              <a:solidFill>
+                <a:srgbClr val="343a40"/>
+              </a:solidFill>
+              <a:latin typeface="Lato"/>
+              <a:ea typeface="Lato"/>
+              <a:cs typeface="Lato"/>
+              <a:sym typeface="Lato"/>
+            </a:endParaRPr>
+          </a:p>
+          <a:p>
+            <a:pPr marL="285750" marR="0" lvl="0" indent="-285750" algn="l" rtl="0" eaLnBrk="1" latinLnBrk="0" hangingPunct="1">
+              <a:lnSpc>
+                <a:spcPct val="100000"/>
+              </a:lnSpc>
+              <a:spcBef>
+                <a:spcPts val="600"/>
+              </a:spcBef>
+              <a:spcAft>
+                <a:spcPts val="0"/>
+              </a:spcAft>
+              <a:buClr>
+                <a:srgbClr val="000000"/>
+              </a:buClr>
+              <a:buFont typeface="Arial"/>
+              <a:buFontTx/>
+              <a:buChar char="-"/>
+              <a:defRPr/>
+            </a:pPr>
+            <a:r>
+              <a:rPr xmlns:mc="http://schemas.openxmlformats.org/markup-compatibility/2006" xmlns:hp="http://schemas.haansoft.com/office/presentation/8.0" kumimoji="0" lang="ko-KR" altLang="en-US" sz="1600" b="1" i="0" u="none" strike="noStrike" kern="0" cap="none" spc="0" normalizeH="0" baseline="0" mc:Ignorable="hp" hp:hslEmbossed="0">
+                <a:solidFill>
+                  <a:srgbClr val="343a40"/>
+                </a:solidFill>
+                <a:latin typeface="Lato"/>
+                <a:ea typeface="Lato"/>
+                <a:cs typeface="Lato"/>
+                <a:sym typeface="Lato"/>
+              </a:rPr>
+              <a:t>부위 별 충돌 처리</a:t>
+            </a:r>
             <a:endParaRPr xmlns:mc="http://schemas.openxmlformats.org/markup-compatibility/2006" xmlns:hp="http://schemas.haansoft.com/office/presentation/8.0" kumimoji="0" lang="ko-KR" altLang="en-US" sz="1600" b="1" i="0" u="none" strike="noStrike" kern="0" cap="none" spc="0" normalizeH="0" baseline="0" mc:Ignorable="hp" hp:hslEmbossed="0">
               <a:solidFill>
                 <a:srgbClr val="343a40"/>
@@ -9165,7 +9047,35 @@
               <a:buChar char="-"/>
               <a:defRPr/>
             </a:pPr>
-            <a:endParaRPr xmlns:mc="http://schemas.openxmlformats.org/markup-compatibility/2006" xmlns:hp="http://schemas.haansoft.com/office/presentation/8.0" kumimoji="0" lang="ko-KR" altLang="en-US" sz="1600" b="1" i="0" u="none" strike="noStrike" kern="0" cap="none" spc="0" normalizeH="0" baseline="0" mc:Ignorable="hp" hp:hslEmbossed="0">
+            <a:endParaRPr xmlns:mc="http://schemas.openxmlformats.org/markup-compatibility/2006" xmlns:hp="http://schemas.haansoft.com/office/presentation/8.0" kumimoji="0" lang="en-US" altLang="ko-KR" sz="1600" b="1" i="0" u="none" strike="noStrike" kern="0" cap="none" spc="0" normalizeH="0" baseline="0" mc:Ignorable="hp" hp:hslEmbossed="0">
+              <a:solidFill>
+                <a:srgbClr val="343a40"/>
+              </a:solidFill>
+              <a:latin typeface="Lato"/>
+              <a:ea typeface="Lato"/>
+              <a:cs typeface="Lato"/>
+              <a:sym typeface="Lato"/>
+            </a:endParaRPr>
+          </a:p>
+          <a:p>
+            <a:pPr marL="0" marR="0" lvl="0" indent="0" algn="l" rtl="0" eaLnBrk="1" latinLnBrk="0" hangingPunct="1">
+              <a:lnSpc>
+                <a:spcPct val="100000"/>
+              </a:lnSpc>
+              <a:spcBef>
+                <a:spcPts val="600"/>
+              </a:spcBef>
+              <a:spcAft>
+                <a:spcPts val="0"/>
+              </a:spcAft>
+              <a:buClr>
+                <a:srgbClr val="000000"/>
+              </a:buClr>
+              <a:buFont typeface="Arial"/>
+              <a:buNone/>
+              <a:defRPr/>
+            </a:pPr>
+            <a:endParaRPr xmlns:mc="http://schemas.openxmlformats.org/markup-compatibility/2006" xmlns:hp="http://schemas.haansoft.com/office/presentation/8.0" kumimoji="0" lang="en-US" altLang="ko-KR" sz="1600" b="1" i="0" u="none" strike="noStrike" kern="0" cap="none" spc="0" normalizeH="0" baseline="0" mc:Ignorable="hp" hp:hslEmbossed="0">
               <a:solidFill>
                 <a:srgbClr val="343a40"/>
               </a:solidFill>
@@ -9212,6 +9122,1287 @@
       </p:grpSpPr>
       <p:sp>
         <p:nvSpPr>
+          <p:cNvPr id="7" name="Google Shape;93;p13"/>
+          <p:cNvSpPr txBox="1"/>
+          <p:nvPr/>
+        </p:nvSpPr>
+        <p:spPr>
+          <a:xfrm>
+            <a:off x="893700" y="434588"/>
+            <a:ext cx="7628100" cy="857400"/>
+          </a:xfrm>
+          <a:prstGeom prst="rect">
+            <a:avLst/>
+          </a:prstGeom>
+          <a:solidFill>
+            <a:schemeClr val="bg1">
+              <a:lumMod val="95000"/>
+            </a:schemeClr>
+          </a:solidFill>
+          <a:ln w="25400" cap="flat" cmpd="sng" algn="ctr">
+            <a:solidFill>
+              <a:schemeClr val="tx2">
+                <a:lumMod val="10000"/>
+              </a:schemeClr>
+            </a:solidFill>
+            <a:prstDash val="solid"/>
+          </a:ln>
+        </p:spPr>
+        <p:style>
+          <a:lnRef idx="2">
+            <a:schemeClr val="dk1"/>
+          </a:lnRef>
+          <a:fillRef idx="1">
+            <a:schemeClr val="lt1"/>
+          </a:fillRef>
+          <a:effectRef idx="0">
+            <a:schemeClr val="dk1"/>
+          </a:effectRef>
+          <a:fontRef idx="minor">
+            <a:schemeClr val="dk1"/>
+          </a:fontRef>
+        </p:style>
+        <p:txBody>
+          <a:bodyPr wrap="square" lIns="91424" tIns="91424" rIns="91424" bIns="91424" anchor="ctr" anchorCtr="0">
+            <a:noAutofit/>
+          </a:bodyPr>
+          <a:lstStyle>
+            <a:defPPr marR="0" lvl="0" algn="l" rtl="0">
+              <a:lnSpc>
+                <a:spcPct val="100000"/>
+              </a:lnSpc>
+              <a:spcBef>
+                <a:spcPts val="0"/>
+              </a:spcBef>
+              <a:spcAft>
+                <a:spcPts val="0"/>
+              </a:spcAft>
+            </a:defPPr>
+            <a:lvl1pPr marR="0" lvl="0" algn="l" rtl="0">
+              <a:lnSpc>
+                <a:spcPct val="100000"/>
+              </a:lnSpc>
+              <a:spcBef>
+                <a:spcPts val="0"/>
+              </a:spcBef>
+              <a:spcAft>
+                <a:spcPts val="0"/>
+              </a:spcAft>
+              <a:buClr>
+                <a:schemeClr val="accent6"/>
+              </a:buClr>
+              <a:buSzPts val="3200"/>
+              <a:buFont typeface="Raleway"/>
+              <a:buNone/>
+              <a:defRPr sz="3200" b="0" i="0" u="none" strike="noStrike" cap="none">
+                <a:solidFill>
+                  <a:schemeClr val="accent6"/>
+                </a:solidFill>
+                <a:latin typeface="Raleway"/>
+                <a:ea typeface="Raleway"/>
+                <a:cs typeface="Raleway"/>
+                <a:sym typeface="Raleway"/>
+              </a:defRPr>
+            </a:lvl1pPr>
+            <a:lvl2pPr marR="0" lvl="1" algn="l" rtl="0">
+              <a:lnSpc>
+                <a:spcPct val="100000"/>
+              </a:lnSpc>
+              <a:spcBef>
+                <a:spcPts val="0"/>
+              </a:spcBef>
+              <a:spcAft>
+                <a:spcPts val="0"/>
+              </a:spcAft>
+              <a:buClr>
+                <a:schemeClr val="accent6"/>
+              </a:buClr>
+              <a:buSzPts val="3200"/>
+              <a:buFont typeface="Raleway"/>
+              <a:buNone/>
+              <a:defRPr sz="3200" b="0" i="0" u="none" strike="noStrike" cap="none">
+                <a:solidFill>
+                  <a:schemeClr val="accent6"/>
+                </a:solidFill>
+                <a:latin typeface="Raleway"/>
+                <a:ea typeface="Raleway"/>
+                <a:cs typeface="Raleway"/>
+                <a:sym typeface="Raleway"/>
+              </a:defRPr>
+            </a:lvl2pPr>
+            <a:lvl3pPr marR="0" lvl="2" algn="l" rtl="0">
+              <a:lnSpc>
+                <a:spcPct val="100000"/>
+              </a:lnSpc>
+              <a:spcBef>
+                <a:spcPts val="0"/>
+              </a:spcBef>
+              <a:spcAft>
+                <a:spcPts val="0"/>
+              </a:spcAft>
+              <a:buClr>
+                <a:schemeClr val="accent6"/>
+              </a:buClr>
+              <a:buSzPts val="3200"/>
+              <a:buFont typeface="Raleway"/>
+              <a:buNone/>
+              <a:defRPr sz="3200" b="0" i="0" u="none" strike="noStrike" cap="none">
+                <a:solidFill>
+                  <a:schemeClr val="accent6"/>
+                </a:solidFill>
+                <a:latin typeface="Raleway"/>
+                <a:ea typeface="Raleway"/>
+                <a:cs typeface="Raleway"/>
+                <a:sym typeface="Raleway"/>
+              </a:defRPr>
+            </a:lvl3pPr>
+            <a:lvl4pPr marR="0" lvl="3" algn="l" rtl="0">
+              <a:lnSpc>
+                <a:spcPct val="100000"/>
+              </a:lnSpc>
+              <a:spcBef>
+                <a:spcPts val="0"/>
+              </a:spcBef>
+              <a:spcAft>
+                <a:spcPts val="0"/>
+              </a:spcAft>
+              <a:buClr>
+                <a:schemeClr val="accent6"/>
+              </a:buClr>
+              <a:buSzPts val="3200"/>
+              <a:buFont typeface="Raleway"/>
+              <a:buNone/>
+              <a:defRPr sz="3200" b="0" i="0" u="none" strike="noStrike" cap="none">
+                <a:solidFill>
+                  <a:schemeClr val="accent6"/>
+                </a:solidFill>
+                <a:latin typeface="Raleway"/>
+                <a:ea typeface="Raleway"/>
+                <a:cs typeface="Raleway"/>
+                <a:sym typeface="Raleway"/>
+              </a:defRPr>
+            </a:lvl4pPr>
+            <a:lvl5pPr marR="0" lvl="4" algn="l" rtl="0">
+              <a:lnSpc>
+                <a:spcPct val="100000"/>
+              </a:lnSpc>
+              <a:spcBef>
+                <a:spcPts val="0"/>
+              </a:spcBef>
+              <a:spcAft>
+                <a:spcPts val="0"/>
+              </a:spcAft>
+              <a:buClr>
+                <a:schemeClr val="accent6"/>
+              </a:buClr>
+              <a:buSzPts val="3200"/>
+              <a:buFont typeface="Raleway"/>
+              <a:buNone/>
+              <a:defRPr sz="3200" b="0" i="0" u="none" strike="noStrike" cap="none">
+                <a:solidFill>
+                  <a:schemeClr val="accent6"/>
+                </a:solidFill>
+                <a:latin typeface="Raleway"/>
+                <a:ea typeface="Raleway"/>
+                <a:cs typeface="Raleway"/>
+                <a:sym typeface="Raleway"/>
+              </a:defRPr>
+            </a:lvl5pPr>
+            <a:lvl6pPr marR="0" lvl="5" algn="l" rtl="0">
+              <a:lnSpc>
+                <a:spcPct val="100000"/>
+              </a:lnSpc>
+              <a:spcBef>
+                <a:spcPts val="0"/>
+              </a:spcBef>
+              <a:spcAft>
+                <a:spcPts val="0"/>
+              </a:spcAft>
+              <a:buClr>
+                <a:schemeClr val="accent6"/>
+              </a:buClr>
+              <a:buSzPts val="3200"/>
+              <a:buFont typeface="Raleway"/>
+              <a:buNone/>
+              <a:defRPr sz="3200" b="0" i="0" u="none" strike="noStrike" cap="none">
+                <a:solidFill>
+                  <a:schemeClr val="accent6"/>
+                </a:solidFill>
+                <a:latin typeface="Raleway"/>
+                <a:ea typeface="Raleway"/>
+                <a:cs typeface="Raleway"/>
+                <a:sym typeface="Raleway"/>
+              </a:defRPr>
+            </a:lvl6pPr>
+            <a:lvl7pPr marR="0" lvl="6" algn="l" rtl="0">
+              <a:lnSpc>
+                <a:spcPct val="100000"/>
+              </a:lnSpc>
+              <a:spcBef>
+                <a:spcPts val="0"/>
+              </a:spcBef>
+              <a:spcAft>
+                <a:spcPts val="0"/>
+              </a:spcAft>
+              <a:buClr>
+                <a:schemeClr val="accent6"/>
+              </a:buClr>
+              <a:buSzPts val="3200"/>
+              <a:buFont typeface="Raleway"/>
+              <a:buNone/>
+              <a:defRPr sz="3200" b="0" i="0" u="none" strike="noStrike" cap="none">
+                <a:solidFill>
+                  <a:schemeClr val="accent6"/>
+                </a:solidFill>
+                <a:latin typeface="Raleway"/>
+                <a:ea typeface="Raleway"/>
+                <a:cs typeface="Raleway"/>
+                <a:sym typeface="Raleway"/>
+              </a:defRPr>
+            </a:lvl7pPr>
+            <a:lvl8pPr marR="0" lvl="7" algn="l" rtl="0">
+              <a:lnSpc>
+                <a:spcPct val="100000"/>
+              </a:lnSpc>
+              <a:spcBef>
+                <a:spcPts val="0"/>
+              </a:spcBef>
+              <a:spcAft>
+                <a:spcPts val="0"/>
+              </a:spcAft>
+              <a:buClr>
+                <a:schemeClr val="accent6"/>
+              </a:buClr>
+              <a:buSzPts val="3200"/>
+              <a:buFont typeface="Raleway"/>
+              <a:buNone/>
+              <a:defRPr sz="3200" b="0" i="0" u="none" strike="noStrike" cap="none">
+                <a:solidFill>
+                  <a:schemeClr val="accent6"/>
+                </a:solidFill>
+                <a:latin typeface="Raleway"/>
+                <a:ea typeface="Raleway"/>
+                <a:cs typeface="Raleway"/>
+                <a:sym typeface="Raleway"/>
+              </a:defRPr>
+            </a:lvl8pPr>
+            <a:lvl9pPr marR="0" lvl="8" algn="l" rtl="0">
+              <a:lnSpc>
+                <a:spcPct val="100000"/>
+              </a:lnSpc>
+              <a:spcBef>
+                <a:spcPts val="0"/>
+              </a:spcBef>
+              <a:spcAft>
+                <a:spcPts val="0"/>
+              </a:spcAft>
+              <a:buClr>
+                <a:schemeClr val="accent6"/>
+              </a:buClr>
+              <a:buSzPts val="3200"/>
+              <a:buFont typeface="Raleway"/>
+              <a:buNone/>
+              <a:defRPr sz="3200" b="0" i="0" u="none" strike="noStrike" cap="none">
+                <a:solidFill>
+                  <a:schemeClr val="accent6"/>
+                </a:solidFill>
+                <a:latin typeface="Raleway"/>
+                <a:ea typeface="Raleway"/>
+                <a:cs typeface="Raleway"/>
+                <a:sym typeface="Raleway"/>
+              </a:defRPr>
+            </a:lvl9pPr>
+          </a:lstStyle>
+          <a:p>
+            <a:pPr>
+              <a:defRPr/>
+            </a:pPr>
+            <a:r>
+              <a:rPr lang="en-US" altLang="ko-KR">
+                <a:solidFill>
+                  <a:schemeClr val="tx1">
+                    <a:lumMod val="50000"/>
+                  </a:schemeClr>
+                </a:solidFill>
+                <a:latin typeface="+mj-ea"/>
+                <a:ea typeface="+mj-ea"/>
+              </a:rPr>
+              <a:t>3. </a:t>
+            </a:r>
+            <a:r>
+              <a:rPr lang="ko-KR" altLang="en-US">
+                <a:solidFill>
+                  <a:schemeClr val="tx1">
+                    <a:lumMod val="50000"/>
+                  </a:schemeClr>
+                </a:solidFill>
+                <a:latin typeface="+mj-ea"/>
+                <a:ea typeface="+mj-ea"/>
+              </a:rPr>
+              <a:t>역할분담 및 일정</a:t>
+            </a:r>
+            <a:endParaRPr lang="ko-KR" altLang="en-US">
+              <a:solidFill>
+                <a:schemeClr val="tx1">
+                  <a:lumMod val="50000"/>
+                </a:schemeClr>
+              </a:solidFill>
+              <a:latin typeface="+mj-ea"/>
+              <a:ea typeface="+mj-ea"/>
+            </a:endParaRPr>
+          </a:p>
+        </p:txBody>
+      </p:sp>
+      <p:sp>
+        <p:nvSpPr>
+          <p:cNvPr id="9" name="Google Shape;97;p13"/>
+          <p:cNvSpPr txBox="1">
+            <a:spLocks noGrp="1"/>
+          </p:cNvSpPr>
+          <p:nvPr>
+            <p:ph type="sldNum" idx="12"/>
+          </p:nvPr>
+        </p:nvSpPr>
+        <p:spPr>
+          <a:xfrm>
+            <a:off x="8480575" y="4696933"/>
+            <a:ext cx="548700" cy="313500"/>
+          </a:xfrm>
+          <a:prstGeom prst="rect">
+            <a:avLst/>
+          </a:prstGeom>
+        </p:spPr>
+        <p:txBody>
+          <a:bodyPr wrap="square" lIns="91424" tIns="91424" rIns="91424" bIns="91424" anchor="t" anchorCtr="0">
+            <a:noAutofit/>
+          </a:bodyPr>
+          <a:lstStyle/>
+          <a:p>
+            <a:pPr marL="0" lvl="0" indent="0" algn="r" rtl="0">
+              <a:spcBef>
+                <a:spcPts val="0"/>
+              </a:spcBef>
+              <a:spcAft>
+                <a:spcPts val="0"/>
+              </a:spcAft>
+              <a:buNone/>
+              <a:defRPr/>
+            </a:pPr>
+            <a:fld id="{00000000-1234-1234-1234-123412341234}" type="slidenum">
+              <a:rPr lang="en-US">
+                <a:solidFill>
+                  <a:schemeClr val="tx1">
+                    <a:lumMod val="50000"/>
+                  </a:schemeClr>
+                </a:solidFill>
+              </a:rPr>
+              <a:pPr marL="0" lvl="0" indent="0" algn="r" rtl="0">
+                <a:spcBef>
+                  <a:spcPts val="0"/>
+                </a:spcBef>
+                <a:spcAft>
+                  <a:spcPts val="0"/>
+                </a:spcAft>
+                <a:buNone/>
+                <a:defRPr/>
+              </a:pPr>
+              <a:t>5</a:t>
+            </a:fld>
+            <a:endParaRPr lang="en-US">
+              <a:solidFill>
+                <a:schemeClr val="tx1">
+                  <a:lumMod val="50000"/>
+                </a:schemeClr>
+              </a:solidFill>
+            </a:endParaRPr>
+          </a:p>
+        </p:txBody>
+      </p:sp>
+      <p:graphicFrame>
+        <p:nvGraphicFramePr>
+          <p:cNvPr id="10" name="표 9"/>
+          <p:cNvGraphicFramePr>
+            <a:graphicFrameLocks noGrp="1"/>
+          </p:cNvGraphicFramePr>
+          <p:nvPr/>
+        </p:nvGraphicFramePr>
+        <p:xfrm>
+          <a:off x="899592" y="1526838"/>
+          <a:ext cx="7708515" cy="2917120"/>
+        </p:xfrm>
+        <a:graphic>
+          <a:graphicData uri="http://schemas.openxmlformats.org/drawingml/2006/table">
+            <a:tbl>
+              <a:tblPr firstRow="1" bandRow="1">
+                <a:tableStyleId>{77C95F03-0CCA-47FF-B4B6-37FC9320E24F}</a:tableStyleId>
+              </a:tblPr>
+              <a:tblGrid>
+                <a:gridCol w="2551725"/>
+                <a:gridCol w="2494575"/>
+                <a:gridCol w="2662215"/>
+              </a:tblGrid>
+              <a:tr h="529051">
+                <a:tc>
+                  <a:txBody>
+                    <a:bodyPr vert="horz" lIns="91440" tIns="45720" rIns="91440" bIns="45720" anchor="ctr" anchorCtr="0"/>
+                    <a:p>
+                      <a:pPr algn="ctr" latinLnBrk="1">
+                        <a:lnSpc>
+                          <a:spcPct val="150000"/>
+                        </a:lnSpc>
+                        <a:defRPr/>
+                      </a:pPr>
+                      <a:r>
+                        <a:rPr lang="ko-KR" altLang="en-US">
+                          <a:latin typeface="+mj-ea"/>
+                          <a:ea typeface="+mj-ea"/>
+                        </a:rPr>
+                        <a:t>우성준</a:t>
+                      </a:r>
+                      <a:endParaRPr lang="en-US" altLang="ko-KR">
+                        <a:latin typeface="+mj-ea"/>
+                        <a:ea typeface="+mj-ea"/>
+                      </a:endParaRPr>
+                    </a:p>
+                  </a:txBody>
+                  <a:tcPr marL="91440" marR="91440" anchor="ctr">
+                    <a:lnL w="12700" cap="flat" cmpd="sng" algn="ctr">
+                      <a:solidFill>
+                        <a:schemeClr val="tx2">
+                          <a:lumMod val="10000"/>
+                        </a:schemeClr>
+                      </a:solidFill>
+                      <a:prstDash val="solid"/>
+                      <a:round/>
+                    </a:lnL>
+                    <a:lnR w="12700" cap="flat" cmpd="sng" algn="ctr">
+                      <a:solidFill>
+                        <a:schemeClr val="tx2">
+                          <a:lumMod val="10000"/>
+                        </a:schemeClr>
+                      </a:solidFill>
+                      <a:prstDash val="solid"/>
+                      <a:round/>
+                    </a:lnR>
+                    <a:lnT w="12700" cap="flat" cmpd="sng" algn="ctr">
+                      <a:solidFill>
+                        <a:schemeClr val="tx2">
+                          <a:lumMod val="10000"/>
+                        </a:schemeClr>
+                      </a:solidFill>
+                      <a:prstDash val="solid"/>
+                      <a:round/>
+                    </a:lnT>
+                    <a:lnB w="12700" cap="flat" cmpd="sng" algn="ctr">
+                      <a:solidFill>
+                        <a:schemeClr val="tx2">
+                          <a:lumMod val="10000"/>
+                        </a:schemeClr>
+                      </a:solidFill>
+                      <a:prstDash val="solid"/>
+                      <a:round/>
+                    </a:lnB>
+                    <a:solidFill>
+                      <a:schemeClr val="bg1">
+                        <a:lumMod val="95000"/>
+                      </a:schemeClr>
+                    </a:solidFill>
+                  </a:tcPr>
+                </a:tc>
+                <a:tc>
+                  <a:txBody>
+                    <a:bodyPr vert="horz" lIns="91440" tIns="45720" rIns="91440" bIns="45720" anchor="ctr" anchorCtr="0"/>
+                    <a:p>
+                      <a:pPr algn="ctr" latinLnBrk="1">
+                        <a:lnSpc>
+                          <a:spcPct val="150000"/>
+                        </a:lnSpc>
+                        <a:defRPr/>
+                      </a:pPr>
+                      <a:r>
+                        <a:rPr lang="ko-KR" altLang="en-US">
+                          <a:latin typeface="+mj-ea"/>
+                          <a:ea typeface="+mj-ea"/>
+                        </a:rPr>
+                        <a:t>박찬휘</a:t>
+                      </a:r>
+                      <a:endParaRPr lang="en-US" altLang="ko-KR">
+                        <a:latin typeface="+mj-ea"/>
+                        <a:ea typeface="+mj-ea"/>
+                      </a:endParaRPr>
+                    </a:p>
+                  </a:txBody>
+                  <a:tcPr marL="91440" marR="91440" anchor="ctr">
+                    <a:lnL w="12700" cap="flat" cmpd="sng" algn="ctr">
+                      <a:solidFill>
+                        <a:schemeClr val="tx2">
+                          <a:lumMod val="10000"/>
+                        </a:schemeClr>
+                      </a:solidFill>
+                      <a:prstDash val="solid"/>
+                      <a:round/>
+                    </a:lnL>
+                    <a:lnR w="12700" cap="flat" cmpd="sng" algn="ctr">
+                      <a:solidFill>
+                        <a:schemeClr val="tx2">
+                          <a:lumMod val="10000"/>
+                        </a:schemeClr>
+                      </a:solidFill>
+                      <a:prstDash val="solid"/>
+                      <a:round/>
+                    </a:lnR>
+                    <a:lnT w="12700" cap="flat" cmpd="sng" algn="ctr">
+                      <a:solidFill>
+                        <a:schemeClr val="tx2">
+                          <a:lumMod val="10000"/>
+                        </a:schemeClr>
+                      </a:solidFill>
+                      <a:prstDash val="solid"/>
+                      <a:round/>
+                    </a:lnT>
+                    <a:lnB w="12700" cap="flat" cmpd="sng" algn="ctr">
+                      <a:solidFill>
+                        <a:schemeClr val="tx2">
+                          <a:lumMod val="10000"/>
+                        </a:schemeClr>
+                      </a:solidFill>
+                      <a:prstDash val="solid"/>
+                      <a:round/>
+                    </a:lnB>
+                    <a:solidFill>
+                      <a:schemeClr val="bg1">
+                        <a:lumMod val="95000"/>
+                      </a:schemeClr>
+                    </a:solidFill>
+                  </a:tcPr>
+                </a:tc>
+                <a:tc>
+                  <a:txBody>
+                    <a:bodyPr vert="horz" lIns="91440" tIns="45720" rIns="91440" bIns="45720" anchor="ctr" anchorCtr="0"/>
+                    <a:p>
+                      <a:pPr algn="ctr" latinLnBrk="1">
+                        <a:lnSpc>
+                          <a:spcPct val="150000"/>
+                        </a:lnSpc>
+                        <a:defRPr/>
+                      </a:pPr>
+                      <a:r>
+                        <a:rPr lang="ko-KR" altLang="en-US">
+                          <a:latin typeface="+mj-ea"/>
+                          <a:ea typeface="+mj-ea"/>
+                        </a:rPr>
+                        <a:t>함범호</a:t>
+                      </a:r>
+                      <a:endParaRPr lang="en-US" altLang="ko-KR">
+                        <a:latin typeface="+mj-ea"/>
+                        <a:ea typeface="+mj-ea"/>
+                      </a:endParaRPr>
+                    </a:p>
+                  </a:txBody>
+                  <a:tcPr marL="91440" marR="91440" anchor="ctr">
+                    <a:lnL w="12700" cap="flat" cmpd="sng" algn="ctr">
+                      <a:solidFill>
+                        <a:schemeClr val="tx2">
+                          <a:lumMod val="10000"/>
+                        </a:schemeClr>
+                      </a:solidFill>
+                      <a:prstDash val="solid"/>
+                      <a:round/>
+                    </a:lnL>
+                    <a:lnR w="12700" cap="flat" cmpd="sng" algn="ctr">
+                      <a:solidFill>
+                        <a:schemeClr val="tx2">
+                          <a:lumMod val="10000"/>
+                        </a:schemeClr>
+                      </a:solidFill>
+                      <a:prstDash val="solid"/>
+                      <a:round/>
+                    </a:lnR>
+                    <a:lnT w="12700" cap="flat" cmpd="sng" algn="ctr">
+                      <a:solidFill>
+                        <a:schemeClr val="tx2">
+                          <a:lumMod val="10000"/>
+                        </a:schemeClr>
+                      </a:solidFill>
+                      <a:prstDash val="solid"/>
+                      <a:round/>
+                    </a:lnT>
+                    <a:lnB w="12700" cap="flat" cmpd="sng" algn="ctr">
+                      <a:solidFill>
+                        <a:schemeClr val="tx2">
+                          <a:lumMod val="10000"/>
+                        </a:schemeClr>
+                      </a:solidFill>
+                      <a:prstDash val="solid"/>
+                      <a:round/>
+                    </a:lnB>
+                    <a:solidFill>
+                      <a:schemeClr val="bg1">
+                        <a:lumMod val="95000"/>
+                      </a:schemeClr>
+                    </a:solidFill>
+                  </a:tcPr>
+                </a:tc>
+              </a:tr>
+              <a:tr h="399694">
+                <a:tc>
+                  <a:txBody>
+                    <a:bodyPr vert="horz" lIns="91440" tIns="45720" rIns="91440" bIns="45720" anchor="ctr" anchorCtr="0"/>
+                    <a:p>
+                      <a:pPr algn="ctr" latinLnBrk="1">
+                        <a:lnSpc>
+                          <a:spcPct val="150000"/>
+                        </a:lnSpc>
+                        <a:defRPr/>
+                      </a:pPr>
+                      <a:r>
+                        <a:rPr lang="ko-KR" altLang="en-US" sz="1200">
+                          <a:latin typeface="+mj-ea"/>
+                          <a:ea typeface="+mj-ea"/>
+                        </a:rPr>
+                        <a:t>클라이언트</a:t>
+                      </a:r>
+                      <a:endParaRPr lang="ko-KR" altLang="en-US" sz="1200">
+                        <a:latin typeface="+mj-ea"/>
+                        <a:ea typeface="+mj-ea"/>
+                      </a:endParaRPr>
+                    </a:p>
+                  </a:txBody>
+                  <a:tcPr marL="91440" marR="91440" anchor="ctr">
+                    <a:lnL w="12700" cap="flat" cmpd="sng" algn="ctr">
+                      <a:solidFill>
+                        <a:schemeClr val="tx2">
+                          <a:lumMod val="10000"/>
+                        </a:schemeClr>
+                      </a:solidFill>
+                      <a:prstDash val="solid"/>
+                      <a:round/>
+                    </a:lnL>
+                    <a:lnR w="12700" cap="flat" cmpd="sng" algn="ctr">
+                      <a:solidFill>
+                        <a:schemeClr val="tx2">
+                          <a:lumMod val="10000"/>
+                        </a:schemeClr>
+                      </a:solidFill>
+                      <a:prstDash val="solid"/>
+                      <a:round/>
+                    </a:lnR>
+                    <a:lnT w="12700" cap="flat" cmpd="sng" algn="ctr">
+                      <a:solidFill>
+                        <a:schemeClr val="tx2">
+                          <a:lumMod val="10000"/>
+                        </a:schemeClr>
+                      </a:solidFill>
+                      <a:prstDash val="solid"/>
+                      <a:round/>
+                    </a:lnT>
+                    <a:lnB w="12700" cap="flat" cmpd="sng" algn="ctr">
+                      <a:solidFill>
+                        <a:schemeClr val="tx2">
+                          <a:lumMod val="10000"/>
+                        </a:schemeClr>
+                      </a:solidFill>
+                      <a:prstDash val="solid"/>
+                      <a:round/>
+                    </a:lnB>
+                    <a:noFill/>
+                  </a:tcPr>
+                </a:tc>
+                <a:tc>
+                  <a:txBody>
+                    <a:bodyPr vert="horz" lIns="91440" tIns="45720" rIns="91440" bIns="45720" anchor="ctr" anchorCtr="0"/>
+                    <a:p>
+                      <a:pPr algn="ctr" latinLnBrk="1">
+                        <a:lnSpc>
+                          <a:spcPct val="150000"/>
+                        </a:lnSpc>
+                        <a:defRPr/>
+                      </a:pPr>
+                      <a:r>
+                        <a:rPr lang="ko-KR" altLang="en-US" sz="1200">
+                          <a:latin typeface="+mj-ea"/>
+                          <a:ea typeface="+mj-ea"/>
+                        </a:rPr>
+                        <a:t>클라이언트</a:t>
+                      </a:r>
+                      <a:endParaRPr lang="ko-KR" altLang="en-US" sz="1200">
+                        <a:latin typeface="+mj-ea"/>
+                        <a:ea typeface="+mj-ea"/>
+                      </a:endParaRPr>
+                    </a:p>
+                  </a:txBody>
+                  <a:tcPr marL="91440" marR="91440" anchor="ctr">
+                    <a:lnL w="12700" cap="flat" cmpd="sng" algn="ctr">
+                      <a:solidFill>
+                        <a:schemeClr val="tx2">
+                          <a:lumMod val="10000"/>
+                        </a:schemeClr>
+                      </a:solidFill>
+                      <a:prstDash val="solid"/>
+                      <a:round/>
+                    </a:lnL>
+                    <a:lnR w="12700" cap="flat" cmpd="sng" algn="ctr">
+                      <a:solidFill>
+                        <a:schemeClr val="tx2">
+                          <a:lumMod val="10000"/>
+                        </a:schemeClr>
+                      </a:solidFill>
+                      <a:prstDash val="solid"/>
+                      <a:round/>
+                    </a:lnR>
+                    <a:lnT w="12700" cap="flat" cmpd="sng" algn="ctr">
+                      <a:solidFill>
+                        <a:schemeClr val="tx2">
+                          <a:lumMod val="10000"/>
+                        </a:schemeClr>
+                      </a:solidFill>
+                      <a:prstDash val="solid"/>
+                      <a:round/>
+                    </a:lnT>
+                    <a:lnB w="12700" cap="flat" cmpd="sng" algn="ctr">
+                      <a:solidFill>
+                        <a:schemeClr val="tx2">
+                          <a:lumMod val="10000"/>
+                        </a:schemeClr>
+                      </a:solidFill>
+                      <a:prstDash val="solid"/>
+                      <a:round/>
+                    </a:lnB>
+                  </a:tcPr>
+                </a:tc>
+                <a:tc>
+                  <a:txBody>
+                    <a:bodyPr vert="horz" lIns="91440" tIns="45720" rIns="91440" bIns="45720" anchor="ctr" anchorCtr="0"/>
+                    <a:p>
+                      <a:pPr algn="ctr" latinLnBrk="1">
+                        <a:lnSpc>
+                          <a:spcPct val="150000"/>
+                        </a:lnSpc>
+                        <a:defRPr/>
+                      </a:pPr>
+                      <a:r>
+                        <a:rPr lang="ko-KR" altLang="en-US" sz="1200">
+                          <a:latin typeface="+mj-ea"/>
+                          <a:ea typeface="+mj-ea"/>
+                        </a:rPr>
+                        <a:t>서버</a:t>
+                      </a:r>
+                      <a:endParaRPr lang="ko-KR" altLang="en-US" sz="1200">
+                        <a:latin typeface="+mj-ea"/>
+                        <a:ea typeface="+mj-ea"/>
+                      </a:endParaRPr>
+                    </a:p>
+                  </a:txBody>
+                  <a:tcPr marL="91440" marR="91440" anchor="ctr">
+                    <a:lnL w="12700" cap="flat" cmpd="sng" algn="ctr">
+                      <a:solidFill>
+                        <a:schemeClr val="tx2">
+                          <a:lumMod val="10000"/>
+                        </a:schemeClr>
+                      </a:solidFill>
+                      <a:prstDash val="solid"/>
+                      <a:round/>
+                    </a:lnL>
+                    <a:lnR w="12700" cap="flat" cmpd="sng" algn="ctr">
+                      <a:solidFill>
+                        <a:schemeClr val="tx2">
+                          <a:lumMod val="10000"/>
+                        </a:schemeClr>
+                      </a:solidFill>
+                      <a:prstDash val="solid"/>
+                      <a:round/>
+                    </a:lnR>
+                    <a:lnT w="12700" cap="flat" cmpd="sng" algn="ctr">
+                      <a:solidFill>
+                        <a:schemeClr val="tx2">
+                          <a:lumMod val="10000"/>
+                        </a:schemeClr>
+                      </a:solidFill>
+                      <a:prstDash val="solid"/>
+                      <a:round/>
+                    </a:lnT>
+                    <a:lnB w="12700" cap="flat" cmpd="sng" algn="ctr">
+                      <a:solidFill>
+                        <a:schemeClr val="tx2">
+                          <a:lumMod val="10000"/>
+                        </a:schemeClr>
+                      </a:solidFill>
+                      <a:prstDash val="solid"/>
+                      <a:round/>
+                    </a:lnB>
+                  </a:tcPr>
+                </a:tc>
+              </a:tr>
+              <a:tr h="1988373">
+                <a:tc>
+                  <a:txBody>
+                    <a:bodyPr vert="horz" lIns="89999" tIns="46800" rIns="89999" bIns="45720" anchor="ctr" anchorCtr="0"/>
+                    <a:p>
+                      <a:pPr marL="0" indent="0" algn="l" latinLnBrk="1">
+                        <a:buFontTx/>
+                        <a:buNone/>
+                        <a:defRPr/>
+                      </a:pPr>
+                      <a:r>
+                        <a:rPr lang="en-US" altLang="ko-KR" sz="1200">
+                          <a:latin typeface="+mj-ea"/>
+                          <a:ea typeface="+mj-ea"/>
+                        </a:rPr>
+                        <a:t>-</a:t>
+                      </a:r>
+                      <a:r>
+                        <a:rPr lang="ko-KR" altLang="en-US" sz="1200">
+                          <a:latin typeface="+mj-ea"/>
+                          <a:ea typeface="+mj-ea"/>
+                        </a:rPr>
+                        <a:t>  프레임워크 제작</a:t>
+                      </a:r>
+                      <a:endParaRPr lang="ko-KR" altLang="en-US" sz="1200">
+                        <a:latin typeface="+mj-ea"/>
+                        <a:ea typeface="+mj-ea"/>
+                      </a:endParaRPr>
+                    </a:p>
+                    <a:p>
+                      <a:pPr marL="0" indent="0" algn="l" latinLnBrk="1">
+                        <a:buFontTx/>
+                        <a:buNone/>
+                        <a:defRPr/>
+                      </a:pPr>
+                      <a:r>
+                        <a:rPr lang="en-US" altLang="ko-KR" sz="1200" baseline="0">
+                          <a:latin typeface="+mj-ea"/>
+                          <a:ea typeface="+mj-ea"/>
+                        </a:rPr>
+                        <a:t>-</a:t>
+                      </a:r>
+                      <a:r>
+                        <a:rPr lang="ko-KR" altLang="en-US" sz="1200" baseline="0">
+                          <a:latin typeface="+mj-ea"/>
+                          <a:ea typeface="+mj-ea"/>
+                        </a:rPr>
+                        <a:t>  게임 로직</a:t>
+                      </a:r>
+                      <a:r>
+                        <a:rPr lang="en-US" altLang="ko-KR" sz="1200" baseline="0">
+                          <a:latin typeface="+mj-ea"/>
+                          <a:ea typeface="+mj-ea"/>
+                        </a:rPr>
+                        <a:t> </a:t>
+                      </a:r>
+                      <a:r>
+                        <a:rPr lang="ko-KR" altLang="en-US" sz="1200" baseline="0">
+                          <a:latin typeface="+mj-ea"/>
+                          <a:ea typeface="+mj-ea"/>
+                        </a:rPr>
+                        <a:t>구현</a:t>
+                      </a:r>
+                      <a:endParaRPr lang="ko-KR" altLang="en-US" sz="1200" baseline="0">
+                        <a:latin typeface="+mj-ea"/>
+                        <a:ea typeface="+mj-ea"/>
+                      </a:endParaRPr>
+                    </a:p>
+                    <a:p>
+                      <a:pPr marL="0" indent="0" algn="l" latinLnBrk="1">
+                        <a:buFontTx/>
+                        <a:buNone/>
+                        <a:defRPr/>
+                      </a:pPr>
+                      <a:r>
+                        <a:rPr lang="en-US" altLang="ko-KR" sz="1200" baseline="0">
+                          <a:latin typeface="+mj-ea"/>
+                          <a:ea typeface="+mj-ea"/>
+                        </a:rPr>
+                        <a:t>-</a:t>
+                      </a:r>
+                      <a:r>
+                        <a:rPr lang="ko-KR" altLang="en-US" sz="1200" baseline="0">
+                          <a:latin typeface="+mj-ea"/>
+                          <a:ea typeface="+mj-ea"/>
+                        </a:rPr>
+                        <a:t>  조명 연출</a:t>
+                      </a:r>
+                      <a:endParaRPr lang="ko-KR" altLang="en-US" sz="1200" baseline="0">
+                        <a:latin typeface="+mj-ea"/>
+                        <a:ea typeface="+mj-ea"/>
+                      </a:endParaRPr>
+                    </a:p>
+                    <a:p>
+                      <a:pPr marL="0" indent="0" algn="l" latinLnBrk="1">
+                        <a:buFontTx/>
+                        <a:buNone/>
+                        <a:defRPr/>
+                      </a:pPr>
+                      <a:r>
+                        <a:rPr lang="en-US" altLang="ko-KR" sz="1200" baseline="0">
+                          <a:latin typeface="+mj-ea"/>
+                          <a:ea typeface="+mj-ea"/>
+                        </a:rPr>
+                        <a:t>-</a:t>
+                      </a:r>
+                      <a:r>
+                        <a:rPr lang="ko-KR" altLang="en-US" sz="1200" baseline="0">
+                          <a:latin typeface="+mj-ea"/>
+                          <a:ea typeface="+mj-ea"/>
+                        </a:rPr>
+                        <a:t>  타격 이펙트 제작</a:t>
+                      </a:r>
+                      <a:endParaRPr lang="ko-KR" altLang="en-US" sz="1200" baseline="0">
+                        <a:latin typeface="+mj-ea"/>
+                        <a:ea typeface="+mj-ea"/>
+                      </a:endParaRPr>
+                    </a:p>
+                  </a:txBody>
+                  <a:tcPr marL="90000" marR="90000" marT="46800" anchor="ctr">
+                    <a:lnL w="12700" cap="flat" cmpd="sng" algn="ctr">
+                      <a:solidFill>
+                        <a:schemeClr val="tx2">
+                          <a:lumMod val="10000"/>
+                        </a:schemeClr>
+                      </a:solidFill>
+                      <a:prstDash val="solid"/>
+                      <a:round/>
+                    </a:lnL>
+                    <a:lnR w="12700" cap="flat" cmpd="sng" algn="ctr">
+                      <a:solidFill>
+                        <a:schemeClr val="tx2">
+                          <a:lumMod val="10000"/>
+                        </a:schemeClr>
+                      </a:solidFill>
+                      <a:prstDash val="solid"/>
+                      <a:round/>
+                    </a:lnR>
+                    <a:lnT w="12700" cap="flat" cmpd="sng" algn="ctr">
+                      <a:solidFill>
+                        <a:schemeClr val="tx2">
+                          <a:lumMod val="10000"/>
+                        </a:schemeClr>
+                      </a:solidFill>
+                      <a:prstDash val="solid"/>
+                      <a:round/>
+                    </a:lnT>
+                    <a:lnB w="12700" cap="flat" cmpd="sng" algn="ctr">
+                      <a:solidFill>
+                        <a:schemeClr val="tx2">
+                          <a:lumMod val="10000"/>
+                        </a:schemeClr>
+                      </a:solidFill>
+                      <a:prstDash val="solid"/>
+                      <a:round/>
+                    </a:lnB>
+                  </a:tcPr>
+                </a:tc>
+                <a:tc>
+                  <a:txBody>
+                    <a:bodyPr vert="horz" lIns="89999" tIns="46800" rIns="89999" bIns="45720" anchor="ctr" anchorCtr="0"/>
+                    <a:p>
+                      <a:pPr marL="0" indent="0" algn="l" latinLnBrk="1">
+                        <a:buFontTx/>
+                        <a:buNone/>
+                        <a:defRPr/>
+                      </a:pPr>
+                      <a:r>
+                        <a:rPr lang="en-US" altLang="ko-KR" sz="1200" baseline="0">
+                          <a:latin typeface="+mj-ea"/>
+                          <a:ea typeface="+mj-ea"/>
+                        </a:rPr>
+                        <a:t>-</a:t>
+                      </a:r>
+                      <a:r>
+                        <a:rPr lang="ko-KR" altLang="en-US" sz="1200" baseline="0">
+                          <a:latin typeface="+mj-ea"/>
+                          <a:ea typeface="+mj-ea"/>
+                        </a:rPr>
+                        <a:t>  게임 로직</a:t>
+                      </a:r>
+                      <a:r>
+                        <a:rPr lang="en-US" altLang="ko-KR" sz="1200" baseline="0">
+                          <a:latin typeface="+mj-ea"/>
+                          <a:ea typeface="+mj-ea"/>
+                        </a:rPr>
+                        <a:t> </a:t>
+                      </a:r>
+                      <a:r>
+                        <a:rPr lang="ko-KR" altLang="en-US" sz="1200" baseline="0">
+                          <a:latin typeface="+mj-ea"/>
+                          <a:ea typeface="+mj-ea"/>
+                        </a:rPr>
+                        <a:t>구현</a:t>
+                      </a:r>
+                      <a:endParaRPr lang="ko-KR" altLang="en-US" sz="1200" baseline="0">
+                        <a:latin typeface="+mj-ea"/>
+                        <a:ea typeface="+mj-ea"/>
+                      </a:endParaRPr>
+                    </a:p>
+                    <a:p>
+                      <a:pPr marL="0" indent="0" algn="l" latinLnBrk="1">
+                        <a:buFontTx/>
+                        <a:buNone/>
+                        <a:defRPr/>
+                      </a:pPr>
+                      <a:r>
+                        <a:rPr lang="en-US" altLang="ko-KR" sz="1200" baseline="0">
+                          <a:latin typeface="+mj-ea"/>
+                          <a:ea typeface="+mj-ea"/>
+                        </a:rPr>
+                        <a:t>-</a:t>
+                      </a:r>
+                      <a:r>
+                        <a:rPr lang="ko-KR" altLang="en-US" sz="1200" baseline="0">
+                          <a:latin typeface="+mj-ea"/>
+                          <a:ea typeface="+mj-ea"/>
+                        </a:rPr>
+                        <a:t>  내부 충돌 처리 구현</a:t>
+                      </a:r>
+                      <a:endParaRPr lang="ko-KR" altLang="en-US" sz="1200" baseline="0">
+                        <a:latin typeface="+mj-ea"/>
+                        <a:ea typeface="+mj-ea"/>
+                      </a:endParaRPr>
+                    </a:p>
+                    <a:p>
+                      <a:pPr marL="0" indent="0" algn="l" latinLnBrk="1">
+                        <a:buFontTx/>
+                        <a:buNone/>
+                        <a:defRPr/>
+                      </a:pPr>
+                      <a:r>
+                        <a:rPr lang="en-US" altLang="ko-KR" sz="1200" baseline="0">
+                          <a:latin typeface="+mj-ea"/>
+                          <a:ea typeface="+mj-ea"/>
+                        </a:rPr>
+                        <a:t>-</a:t>
+                      </a:r>
+                      <a:r>
+                        <a:rPr lang="ko-KR" altLang="en-US" sz="1200" baseline="0">
+                          <a:latin typeface="+mj-ea"/>
+                          <a:ea typeface="+mj-ea"/>
+                        </a:rPr>
+                        <a:t>  애니메이션 컨트롤러</a:t>
+                      </a:r>
+                      <a:endParaRPr lang="ko-KR" altLang="en-US" sz="1200" baseline="0">
+                        <a:latin typeface="+mj-ea"/>
+                        <a:ea typeface="+mj-ea"/>
+                      </a:endParaRPr>
+                    </a:p>
+                    <a:p>
+                      <a:pPr marL="0" indent="0" algn="l" latinLnBrk="1">
+                        <a:buFontTx/>
+                        <a:buNone/>
+                        <a:defRPr/>
+                      </a:pPr>
+                      <a:endParaRPr lang="ko-KR" altLang="en-US" sz="1200" baseline="0">
+                        <a:latin typeface="+mj-ea"/>
+                        <a:ea typeface="+mj-ea"/>
+                      </a:endParaRPr>
+                    </a:p>
+                  </a:txBody>
+                  <a:tcPr marL="90000" marR="90000" marT="46800" anchor="ctr">
+                    <a:lnL w="12700" cap="flat" cmpd="sng" algn="ctr">
+                      <a:solidFill>
+                        <a:schemeClr val="tx2">
+                          <a:lumMod val="10000"/>
+                        </a:schemeClr>
+                      </a:solidFill>
+                      <a:prstDash val="solid"/>
+                      <a:round/>
+                    </a:lnL>
+                    <a:lnR w="12700" cap="flat" cmpd="sng" algn="ctr">
+                      <a:solidFill>
+                        <a:schemeClr val="tx2">
+                          <a:lumMod val="10000"/>
+                        </a:schemeClr>
+                      </a:solidFill>
+                      <a:prstDash val="solid"/>
+                      <a:round/>
+                    </a:lnR>
+                    <a:lnT w="12700" cap="flat" cmpd="sng" algn="ctr">
+                      <a:solidFill>
+                        <a:schemeClr val="tx2">
+                          <a:lumMod val="10000"/>
+                        </a:schemeClr>
+                      </a:solidFill>
+                      <a:prstDash val="solid"/>
+                      <a:round/>
+                    </a:lnT>
+                    <a:lnB w="12700" cap="flat" cmpd="sng" algn="ctr">
+                      <a:solidFill>
+                        <a:schemeClr val="tx2">
+                          <a:lumMod val="10000"/>
+                        </a:schemeClr>
+                      </a:solidFill>
+                      <a:prstDash val="solid"/>
+                      <a:round/>
+                    </a:lnB>
+                  </a:tcPr>
+                </a:tc>
+                <a:tc>
+                  <a:txBody>
+                    <a:bodyPr vert="horz" lIns="89999" tIns="190800" rIns="89999" bIns="190800" anchor="ctr" anchorCtr="0"/>
+                    <a:p>
+                      <a:pPr marL="171450" indent="-171450" algn="l" latinLnBrk="1">
+                        <a:buFontTx/>
+                        <a:buChar char="-"/>
+                        <a:defRPr/>
+                      </a:pPr>
+                      <a:r>
+                        <a:rPr lang="ko-KR" altLang="en-US" sz="1200">
+                          <a:latin typeface="+mj-ea"/>
+                          <a:ea typeface="+mj-ea"/>
+                        </a:rPr>
+                        <a:t>멀티 스레드</a:t>
+                      </a:r>
+                      <a:r>
+                        <a:rPr lang="en-US" altLang="ko-KR" sz="1200" baseline="0">
+                          <a:latin typeface="+mj-ea"/>
+                          <a:ea typeface="+mj-ea"/>
+                        </a:rPr>
+                        <a:t> </a:t>
+                      </a:r>
+                      <a:r>
+                        <a:rPr lang="ko-KR" altLang="en-US" sz="1200">
+                          <a:latin typeface="+mj-ea"/>
+                          <a:ea typeface="+mj-ea"/>
+                        </a:rPr>
+                        <a:t>서버 구현</a:t>
+                      </a:r>
+                      <a:endParaRPr lang="ko-KR" altLang="en-US" sz="1200">
+                        <a:latin typeface="+mj-ea"/>
+                        <a:ea typeface="+mj-ea"/>
+                      </a:endParaRPr>
+                    </a:p>
+                    <a:p>
+                      <a:pPr marL="171450" indent="-171450" algn="l" latinLnBrk="1">
+                        <a:buFontTx/>
+                        <a:buChar char="-"/>
+                        <a:defRPr/>
+                      </a:pPr>
+                      <a:r>
+                        <a:rPr lang="ko-KR" altLang="en-US" sz="1200">
+                          <a:latin typeface="+mj-ea"/>
+                          <a:ea typeface="+mj-ea"/>
+                        </a:rPr>
+                        <a:t>부위별 충돌 처리 구현</a:t>
+                      </a:r>
+                      <a:endParaRPr lang="ko-KR" altLang="en-US" sz="1200">
+                        <a:latin typeface="+mj-ea"/>
+                        <a:ea typeface="+mj-ea"/>
+                      </a:endParaRPr>
+                    </a:p>
+                    <a:p>
+                      <a:pPr marL="171450" indent="-171450" algn="l" latinLnBrk="1">
+                        <a:buFontTx/>
+                        <a:buChar char="-"/>
+                        <a:defRPr/>
+                      </a:pPr>
+                      <a:r>
+                        <a:rPr lang="ko-KR" altLang="en-US" sz="1200">
+                          <a:latin typeface="+mj-ea"/>
+                          <a:ea typeface="+mj-ea"/>
+                        </a:rPr>
+                        <a:t>클라이언트 간 싱크 조절</a:t>
+                      </a:r>
+                      <a:endParaRPr lang="ko-KR" altLang="en-US" sz="1200">
+                        <a:latin typeface="+mj-ea"/>
+                        <a:ea typeface="+mj-ea"/>
+                      </a:endParaRPr>
+                    </a:p>
+                    <a:p>
+                      <a:pPr marL="171450" indent="-171450" algn="l" latinLnBrk="1">
+                        <a:buFontTx/>
+                        <a:buChar char="-"/>
+                        <a:defRPr/>
+                      </a:pPr>
+                      <a:endParaRPr lang="ko-KR" altLang="en-US" sz="1200">
+                        <a:latin typeface="+mj-ea"/>
+                        <a:ea typeface="+mj-ea"/>
+                      </a:endParaRPr>
+                    </a:p>
+                  </a:txBody>
+                  <a:tcPr marL="90000" marR="90000" marT="190800" marB="190800" anchor="ctr">
+                    <a:lnL w="12700" cap="flat" cmpd="sng" algn="ctr">
+                      <a:solidFill>
+                        <a:schemeClr val="tx2">
+                          <a:lumMod val="10000"/>
+                        </a:schemeClr>
+                      </a:solidFill>
+                      <a:prstDash val="solid"/>
+                      <a:round/>
+                    </a:lnL>
+                    <a:lnR w="12700" cap="flat" cmpd="sng" algn="ctr">
+                      <a:solidFill>
+                        <a:schemeClr val="tx2">
+                          <a:lumMod val="10000"/>
+                        </a:schemeClr>
+                      </a:solidFill>
+                      <a:prstDash val="solid"/>
+                      <a:round/>
+                    </a:lnR>
+                    <a:lnT w="12700" cap="flat" cmpd="sng" algn="ctr">
+                      <a:solidFill>
+                        <a:schemeClr val="tx2">
+                          <a:lumMod val="10000"/>
+                        </a:schemeClr>
+                      </a:solidFill>
+                      <a:prstDash val="solid"/>
+                      <a:round/>
+                    </a:lnT>
+                    <a:lnB w="12700" cap="flat" cmpd="sng" algn="ctr">
+                      <a:solidFill>
+                        <a:schemeClr val="tx2">
+                          <a:lumMod val="10000"/>
+                        </a:schemeClr>
+                      </a:solidFill>
+                      <a:prstDash val="solid"/>
+                      <a:round/>
+                    </a:lnB>
+                  </a:tcPr>
+                </a:tc>
+              </a:tr>
+            </a:tbl>
+          </a:graphicData>
+        </a:graphic>
+      </p:graphicFrame>
+    </p:spTree>
+  </p:cSld>
+  <p:clrMapOvr>
+    <a:masterClrMapping/>
+  </p:clrMapOvr>
+  <mc:AlternateContent xmlns:mc="http://schemas.openxmlformats.org/markup-compatibility/2006">
+    <mc:Choice xmlns:p14="http://schemas.microsoft.com/office/powerpoint/2010/main" Requires="p14">
+      <p:transition xmlns:mc="http://schemas.openxmlformats.org/markup-compatibility/2006" xmlns:p14="http://schemas.microsoft.com/office/powerpoint/2010/main" mc:Ignorable="p14" p14:dur="500"/>
+    </mc:Choice>
+    <mc:Fallback>
+      <p:transition/>
+    </mc:Fallback>
+  </mc:AlternateContent>
+  <p:timing>
+    <p:tnLst>
+      <p:par>
+        <p:cTn id="1" dur="indefinite" restart="never" nodeType="tmRoot"/>
+      </p:par>
+    </p:tnLst>
+  </p:timing>
+</p:sld>
+</file>
+
+<file path=ppt/slides/slide6.xml><?xml version="1.0" encoding="utf-8"?>
+<p:sld xmlns:r="http://schemas.openxmlformats.org/officeDocument/2006/relationships" xmlns:c="http://schemas.openxmlformats.org/drawingml/2006/chart" xmlns:a="http://schemas.openxmlformats.org/drawingml/2006/main" xmlns:dgm="http://schemas.openxmlformats.org/drawingml/2006/diagram" xmlns:dsp="http://schemas.microsoft.com/office/drawing/2008/diagram" xmlns:p="http://schemas.openxmlformats.org/presentationml/2006/main">
+  <p:cSld>
+    <p:spTree>
+      <p:nvGrpSpPr>
+        <p:cNvPr id="1" name=""/>
+        <p:cNvGrpSpPr/>
+        <p:nvPr/>
+      </p:nvGrpSpPr>
+      <p:grpSpPr>
+        <a:xfrm>
+          <a:off x="0" y="0"/>
+          <a:ext cx="0" cy="0"/>
+          <a:chOff x="0" y="0"/>
+          <a:chExt cx="0" cy="0"/>
+        </a:xfrm>
+      </p:grpSpPr>
+      <p:sp>
+        <p:nvSpPr>
           <p:cNvPr id="97" name="Google Shape;97;p13"/>
           <p:cNvSpPr txBox="1">
             <a:spLocks noGrp="1"/>
@@ -9263,7 +10454,7 @@
                 <a:buNone/>
                 <a:defRPr/>
               </a:pPr>
-              <a:t>5</a:t>
+              <a:t>6</a:t>
             </a:fld>
             <a:endParaRPr lang="en-US">
               <a:solidFill>
@@ -9609,7 +10800,7 @@
             <a:avLst/>
           </a:prstGeom>
           <a:solidFill>
-            <a:srgbClr val="ff0000"/>
+            <a:srgbClr val="42c7f1"/>
           </a:solidFill>
           <a:ln w="9525" cap="flat" cmpd="sng">
             <a:solidFill>
@@ -10070,28 +11261,26 @@
       </p:sp>
       <p:pic>
         <p:nvPicPr>
-          <p:cNvPr id="1031" name="Picture 7" descr="C:\Users\박찬휘\Desktop\unknown.png"/>
+          <p:cNvPr id="1035" name=""/>
           <p:cNvPicPr>
-            <a:picLocks noChangeAspect="1" noChangeArrowheads="1"/>
+            <a:picLocks noChangeAspect="1"/>
           </p:cNvPicPr>
           <p:nvPr/>
         </p:nvPicPr>
         <p:blipFill rotWithShape="1">
           <a:blip r:embed="rId3"/>
-          <a:srcRect/>
           <a:stretch>
             <a:fillRect/>
           </a:stretch>
         </p:blipFill>
         <p:spPr>
           <a:xfrm>
-            <a:off x="1263985" y="1347614"/>
-            <a:ext cx="5110261" cy="3592336"/>
+            <a:off x="890067" y="1391047"/>
+            <a:ext cx="6005335" cy="3168352"/>
           </a:xfrm>
           <a:prstGeom prst="rect">
             <a:avLst/>
           </a:prstGeom>
-          <a:noFill/>
         </p:spPr>
       </p:pic>
     </p:spTree>
@@ -10110,7 +11299,7 @@
 </p:sld>
 </file>
 
-<file path=ppt/slides/slide6.xml><?xml version="1.0" encoding="utf-8"?>
+<file path=ppt/slides/slide7.xml><?xml version="1.0" encoding="utf-8"?>
 <p:sld xmlns:r="http://schemas.openxmlformats.org/officeDocument/2006/relationships" xmlns:c="http://schemas.openxmlformats.org/drawingml/2006/chart" xmlns:a="http://schemas.openxmlformats.org/drawingml/2006/main" xmlns:dgm="http://schemas.openxmlformats.org/drawingml/2006/diagram" xmlns:dsp="http://schemas.microsoft.com/office/drawing/2008/diagram" xmlns:p="http://schemas.openxmlformats.org/presentationml/2006/main">
   <p:cSld>
     <p:spTree>
@@ -10129,7 +11318,532 @@
       </p:grpSpPr>
       <p:sp>
         <p:nvSpPr>
-          <p:cNvPr id="7" name="Google Shape;93;p13"/>
+          <p:cNvPr id="97" name="Google Shape;97;p13"/>
+          <p:cNvSpPr txBox="1">
+            <a:spLocks noGrp="1"/>
+          </p:cNvSpPr>
+          <p:nvPr>
+            <p:ph type="sldNum" idx="12"/>
+          </p:nvPr>
+        </p:nvSpPr>
+        <p:spPr>
+          <a:xfrm>
+            <a:off x="8480575" y="4696933"/>
+            <a:ext cx="548700" cy="313500"/>
+          </a:xfrm>
+          <a:prstGeom prst="rect">
+            <a:avLst/>
+          </a:prstGeom>
+        </p:spPr>
+        <p:txBody>
+          <a:bodyPr wrap="square" lIns="91424" tIns="91424" rIns="91424" bIns="91424" anchor="t" anchorCtr="0">
+            <a:noAutofit/>
+          </a:bodyPr>
+          <a:lstStyle/>
+          <a:p>
+            <a:pPr marL="0" lvl="0" indent="0" algn="r" rtl="0">
+              <a:spcBef>
+                <a:spcPts val="0"/>
+              </a:spcBef>
+              <a:spcAft>
+                <a:spcPts val="0"/>
+              </a:spcAft>
+              <a:buNone/>
+              <a:defRPr/>
+            </a:pPr>
+            <a:fld id="{00000000-1234-1234-1234-123412341234}" type="slidenum">
+              <a:rPr lang="en-US">
+                <a:solidFill>
+                  <a:schemeClr val="tx1">
+                    <a:lumMod val="50000"/>
+                  </a:schemeClr>
+                </a:solidFill>
+              </a:rPr>
+              <a:pPr marL="0" lvl="0" indent="0" algn="r" rtl="0">
+                <a:spcBef>
+                  <a:spcPts val="0"/>
+                </a:spcBef>
+                <a:spcAft>
+                  <a:spcPts val="0"/>
+                </a:spcAft>
+                <a:buNone/>
+                <a:defRPr/>
+              </a:pPr>
+              <a:t>7</a:t>
+            </a:fld>
+            <a:endParaRPr lang="en-US">
+              <a:solidFill>
+                <a:schemeClr val="tx1">
+                  <a:lumMod val="50000"/>
+                </a:schemeClr>
+              </a:solidFill>
+            </a:endParaRPr>
+          </a:p>
+        </p:txBody>
+      </p:sp>
+      <p:graphicFrame>
+        <p:nvGraphicFramePr>
+          <p:cNvPr id="22" name="Google Shape;223;p27"/>
+          <p:cNvGraphicFramePr/>
+          <p:nvPr/>
+        </p:nvGraphicFramePr>
+        <p:xfrm>
+          <a:off x="7167750" y="1393571"/>
+          <a:ext cx="1354050" cy="1226700"/>
+        </p:xfrm>
+        <a:graphic>
+          <a:graphicData uri="http://schemas.openxmlformats.org/drawingml/2006/table">
+            <a:tbl>
+              <a:tblPr>
+                <a:noFill/>
+              </a:tblPr>
+              <a:tblGrid>
+                <a:gridCol w="677025"/>
+                <a:gridCol w="677025"/>
+              </a:tblGrid>
+              <a:tr h="0">
+                <a:tc>
+                  <a:txBody>
+                    <a:bodyPr vert="horz" lIns="91424" tIns="91424" rIns="91424" bIns="91424" anchor="t" anchorCtr="0"/>
+                    <a:p>
+                      <a:pPr marL="0" lvl="0" indent="0" algn="l" rtl="0">
+                        <a:spcBef>
+                          <a:spcPts val="0"/>
+                        </a:spcBef>
+                        <a:spcAft>
+                          <a:spcPts val="0"/>
+                        </a:spcAft>
+                        <a:buNone/>
+                        <a:defRPr/>
+                      </a:pPr>
+                      <a:r>
+                        <a:rPr lang="ko-KR" altLang="en-US" sz="800" b="1" i="0">
+                          <a:solidFill>
+                            <a:schemeClr val="tx1">
+                              <a:lumMod val="50000"/>
+                            </a:schemeClr>
+                          </a:solidFill>
+                        </a:rPr>
+                        <a:t>우성준</a:t>
+                      </a:r>
+                      <a:endParaRPr sz="800" b="1" i="0">
+                        <a:solidFill>
+                          <a:schemeClr val="tx1">
+                            <a:lumMod val="50000"/>
+                          </a:schemeClr>
+                        </a:solidFill>
+                      </a:endParaRPr>
+                    </a:p>
+                  </a:txBody>
+                  <a:tcPr marL="91425" marR="91425" marT="91425" marB="91425"/>
+                </a:tc>
+                <a:tc>
+                  <a:txBody>
+                    <a:bodyPr vert="horz" lIns="91424" tIns="91424" rIns="91424" bIns="91424" anchor="t" anchorCtr="0"/>
+                    <a:p>
+                      <a:pPr marL="0" lvl="0" indent="0" algn="l" rtl="0">
+                        <a:spcBef>
+                          <a:spcPts val="0"/>
+                        </a:spcBef>
+                        <a:spcAft>
+                          <a:spcPts val="0"/>
+                        </a:spcAft>
+                        <a:buNone/>
+                        <a:defRPr/>
+                      </a:pPr>
+                      <a:endParaRPr sz="800">
+                        <a:solidFill>
+                          <a:schemeClr val="tx1">
+                            <a:lumMod val="50000"/>
+                          </a:schemeClr>
+                        </a:solidFill>
+                      </a:endParaRPr>
+                    </a:p>
+                  </a:txBody>
+                  <a:tcPr marL="91425" marR="91425" marT="91425" marB="91425"/>
+                </a:tc>
+              </a:tr>
+              <a:tr h="0">
+                <a:tc>
+                  <a:txBody>
+                    <a:bodyPr vert="horz" lIns="91424" tIns="91424" rIns="91424" bIns="91424" anchor="t" anchorCtr="0"/>
+                    <a:p>
+                      <a:pPr marL="0" lvl="0" indent="0" algn="l" rtl="0">
+                        <a:spcBef>
+                          <a:spcPts val="0"/>
+                        </a:spcBef>
+                        <a:spcAft>
+                          <a:spcPts val="0"/>
+                        </a:spcAft>
+                        <a:buNone/>
+                        <a:defRPr/>
+                      </a:pPr>
+                      <a:r>
+                        <a:rPr lang="ko-KR" altLang="en-US" sz="800" b="1" i="0">
+                          <a:solidFill>
+                            <a:schemeClr val="tx1">
+                              <a:lumMod val="50000"/>
+                            </a:schemeClr>
+                          </a:solidFill>
+                        </a:rPr>
+                        <a:t>박찬휘</a:t>
+                      </a:r>
+                      <a:endParaRPr sz="800" b="1" i="0">
+                        <a:solidFill>
+                          <a:schemeClr val="tx1">
+                            <a:lumMod val="50000"/>
+                          </a:schemeClr>
+                        </a:solidFill>
+                      </a:endParaRPr>
+                    </a:p>
+                  </a:txBody>
+                  <a:tcPr marL="91425" marR="91425" marT="91425" marB="91425"/>
+                </a:tc>
+                <a:tc>
+                  <a:txBody>
+                    <a:bodyPr vert="horz" lIns="91424" tIns="91424" rIns="91424" bIns="91424" anchor="t" anchorCtr="0"/>
+                    <a:p>
+                      <a:pPr marL="0" lvl="0" indent="0" algn="l" rtl="0">
+                        <a:spcBef>
+                          <a:spcPts val="0"/>
+                        </a:spcBef>
+                        <a:spcAft>
+                          <a:spcPts val="0"/>
+                        </a:spcAft>
+                        <a:buNone/>
+                        <a:defRPr/>
+                      </a:pPr>
+                      <a:endParaRPr sz="800">
+                        <a:solidFill>
+                          <a:schemeClr val="tx1">
+                            <a:lumMod val="50000"/>
+                          </a:schemeClr>
+                        </a:solidFill>
+                      </a:endParaRPr>
+                    </a:p>
+                  </a:txBody>
+                  <a:tcPr marL="91425" marR="91425" marT="91425" marB="91425"/>
+                </a:tc>
+              </a:tr>
+              <a:tr h="0">
+                <a:tc>
+                  <a:txBody>
+                    <a:bodyPr vert="horz" lIns="91424" tIns="91424" rIns="91424" bIns="91424" anchor="t" anchorCtr="0"/>
+                    <a:p>
+                      <a:pPr marL="0" lvl="0" indent="0" algn="l" rtl="0">
+                        <a:spcBef>
+                          <a:spcPts val="0"/>
+                        </a:spcBef>
+                        <a:spcAft>
+                          <a:spcPts val="0"/>
+                        </a:spcAft>
+                        <a:buNone/>
+                        <a:defRPr/>
+                      </a:pPr>
+                      <a:r>
+                        <a:rPr lang="ko-KR" altLang="en-US" sz="800" b="1" i="0">
+                          <a:solidFill>
+                            <a:schemeClr val="tx1">
+                              <a:lumMod val="50000"/>
+                            </a:schemeClr>
+                          </a:solidFill>
+                        </a:rPr>
+                        <a:t>함범호</a:t>
+                      </a:r>
+                      <a:endParaRPr sz="800" b="1" i="0">
+                        <a:solidFill>
+                          <a:schemeClr val="tx1">
+                            <a:lumMod val="50000"/>
+                          </a:schemeClr>
+                        </a:solidFill>
+                      </a:endParaRPr>
+                    </a:p>
+                  </a:txBody>
+                  <a:tcPr marL="91425" marR="91425" marT="91425" marB="91425"/>
+                </a:tc>
+                <a:tc>
+                  <a:txBody>
+                    <a:bodyPr vert="horz" lIns="91424" tIns="91424" rIns="91424" bIns="91424" anchor="t" anchorCtr="0"/>
+                    <a:p>
+                      <a:pPr marL="0" lvl="0" indent="0" algn="l" rtl="0">
+                        <a:spcBef>
+                          <a:spcPts val="0"/>
+                        </a:spcBef>
+                        <a:spcAft>
+                          <a:spcPts val="0"/>
+                        </a:spcAft>
+                        <a:buNone/>
+                        <a:defRPr/>
+                      </a:pPr>
+                      <a:endParaRPr sz="800">
+                        <a:solidFill>
+                          <a:schemeClr val="tx1">
+                            <a:lumMod val="50000"/>
+                          </a:schemeClr>
+                        </a:solidFill>
+                      </a:endParaRPr>
+                    </a:p>
+                  </a:txBody>
+                  <a:tcPr marL="91425" marR="91425" marT="91425" marB="91425"/>
+                </a:tc>
+              </a:tr>
+              <a:tr h="0">
+                <a:tc>
+                  <a:txBody>
+                    <a:bodyPr vert="horz" lIns="91424" tIns="91424" rIns="91424" bIns="91424" anchor="t" anchorCtr="0"/>
+                    <a:p>
+                      <a:pPr marL="0" lvl="0" indent="0" algn="l" rtl="0">
+                        <a:spcBef>
+                          <a:spcPts val="0"/>
+                        </a:spcBef>
+                        <a:spcAft>
+                          <a:spcPts val="0"/>
+                        </a:spcAft>
+                        <a:buNone/>
+                        <a:defRPr/>
+                      </a:pPr>
+                      <a:r>
+                        <a:rPr lang="ko-KR" altLang="en-US" sz="800" b="1" i="0">
+                          <a:solidFill>
+                            <a:schemeClr val="tx1">
+                              <a:lumMod val="50000"/>
+                            </a:schemeClr>
+                          </a:solidFill>
+                        </a:rPr>
+                        <a:t>전    원</a:t>
+                      </a:r>
+                      <a:endParaRPr sz="800" b="1" i="0">
+                        <a:solidFill>
+                          <a:schemeClr val="tx1">
+                            <a:lumMod val="50000"/>
+                          </a:schemeClr>
+                        </a:solidFill>
+                      </a:endParaRPr>
+                    </a:p>
+                  </a:txBody>
+                  <a:tcPr marL="91425" marR="91425" marT="91425" marB="91425"/>
+                </a:tc>
+                <a:tc>
+                  <a:txBody>
+                    <a:bodyPr vert="horz" lIns="91424" tIns="91424" rIns="91424" bIns="91424" anchor="t" anchorCtr="0"/>
+                    <a:p>
+                      <a:pPr marL="0" lvl="0" indent="0" algn="l" rtl="0">
+                        <a:spcBef>
+                          <a:spcPts val="0"/>
+                        </a:spcBef>
+                        <a:spcAft>
+                          <a:spcPts val="0"/>
+                        </a:spcAft>
+                        <a:buNone/>
+                        <a:defRPr/>
+                      </a:pPr>
+                      <a:endParaRPr sz="800">
+                        <a:solidFill>
+                          <a:schemeClr val="tx1">
+                            <a:lumMod val="50000"/>
+                          </a:schemeClr>
+                        </a:solidFill>
+                      </a:endParaRPr>
+                    </a:p>
+                  </a:txBody>
+                  <a:tcPr marL="91425" marR="91425" marT="91425" marB="91425"/>
+                </a:tc>
+              </a:tr>
+            </a:tbl>
+          </a:graphicData>
+        </a:graphic>
+      </p:graphicFrame>
+      <p:sp>
+        <p:nvSpPr>
+          <p:cNvPr id="41" name="Google Shape;224;p27"/>
+          <p:cNvSpPr/>
+          <p:nvPr/>
+        </p:nvSpPr>
+        <p:spPr>
+          <a:xfrm>
+            <a:off x="7972030" y="1797134"/>
+            <a:ext cx="388200" cy="118500"/>
+          </a:xfrm>
+          <a:prstGeom prst="rect">
+            <a:avLst/>
+          </a:prstGeom>
+          <a:solidFill>
+            <a:srgbClr val="92d050"/>
+          </a:solidFill>
+          <a:ln w="9525" cap="flat" cmpd="sng">
+            <a:solidFill>
+              <a:schemeClr val="tx2">
+                <a:lumMod val="10000"/>
+              </a:schemeClr>
+            </a:solidFill>
+            <a:prstDash val="solid"/>
+            <a:round/>
+          </a:ln>
+        </p:spPr>
+        <p:txBody>
+          <a:bodyPr wrap="square" lIns="91424" tIns="91424" rIns="91424" bIns="91424" anchor="ctr" anchorCtr="0">
+            <a:noAutofit/>
+          </a:bodyPr>
+          <a:lstStyle/>
+          <a:p>
+            <a:pPr marL="0" lvl="0" indent="0" algn="l" rtl="0">
+              <a:spcBef>
+                <a:spcPts val="0"/>
+              </a:spcBef>
+              <a:spcAft>
+                <a:spcPts val="0"/>
+              </a:spcAft>
+              <a:buNone/>
+              <a:defRPr/>
+            </a:pPr>
+            <a:endParaRPr/>
+          </a:p>
+        </p:txBody>
+      </p:sp>
+      <p:sp>
+        <p:nvSpPr>
+          <p:cNvPr id="42" name="Google Shape;225;p27"/>
+          <p:cNvSpPr/>
+          <p:nvPr/>
+        </p:nvSpPr>
+        <p:spPr>
+          <a:xfrm>
+            <a:off x="7972030" y="1497072"/>
+            <a:ext cx="388200" cy="118500"/>
+          </a:xfrm>
+          <a:prstGeom prst="rect">
+            <a:avLst/>
+          </a:prstGeom>
+          <a:solidFill>
+            <a:srgbClr val="42c7f1"/>
+          </a:solidFill>
+          <a:ln w="9525" cap="flat" cmpd="sng">
+            <a:solidFill>
+              <a:schemeClr val="tx2">
+                <a:lumMod val="10000"/>
+              </a:schemeClr>
+            </a:solidFill>
+            <a:prstDash val="solid"/>
+            <a:round/>
+          </a:ln>
+        </p:spPr>
+        <p:txBody>
+          <a:bodyPr wrap="square" lIns="91424" tIns="91424" rIns="91424" bIns="91424" anchor="ctr" anchorCtr="0">
+            <a:noAutofit/>
+          </a:bodyPr>
+          <a:lstStyle/>
+          <a:p>
+            <a:pPr marL="0" lvl="0" indent="0" algn="l" rtl="0">
+              <a:spcBef>
+                <a:spcPts val="0"/>
+              </a:spcBef>
+              <a:spcAft>
+                <a:spcPts val="0"/>
+              </a:spcAft>
+              <a:buNone/>
+              <a:defRPr/>
+            </a:pPr>
+            <a:endParaRPr/>
+          </a:p>
+        </p:txBody>
+      </p:sp>
+      <p:sp>
+        <p:nvSpPr>
+          <p:cNvPr id="43" name="Google Shape;226;p27"/>
+          <p:cNvSpPr/>
+          <p:nvPr/>
+        </p:nvSpPr>
+        <p:spPr>
+          <a:xfrm>
+            <a:off x="7972030" y="2097184"/>
+            <a:ext cx="388200" cy="118500"/>
+          </a:xfrm>
+          <a:prstGeom prst="rect">
+            <a:avLst/>
+          </a:prstGeom>
+          <a:solidFill>
+            <a:srgbClr val="0070c0"/>
+          </a:solidFill>
+          <a:ln w="9525" cap="flat" cmpd="sng">
+            <a:solidFill>
+              <a:schemeClr val="tx2">
+                <a:lumMod val="10000"/>
+              </a:schemeClr>
+            </a:solidFill>
+            <a:prstDash val="solid"/>
+            <a:round/>
+          </a:ln>
+        </p:spPr>
+        <p:txBody>
+          <a:bodyPr wrap="square" lIns="91424" tIns="91424" rIns="91424" bIns="91424" anchor="ctr" anchorCtr="0">
+            <a:noAutofit/>
+          </a:bodyPr>
+          <a:lstStyle/>
+          <a:p>
+            <a:pPr marL="0" lvl="0" indent="0" algn="l" rtl="0">
+              <a:spcBef>
+                <a:spcPts val="0"/>
+              </a:spcBef>
+              <a:spcAft>
+                <a:spcPts val="0"/>
+              </a:spcAft>
+              <a:buNone/>
+              <a:defRPr/>
+            </a:pPr>
+            <a:endParaRPr/>
+          </a:p>
+        </p:txBody>
+      </p:sp>
+      <p:sp>
+        <p:nvSpPr>
+          <p:cNvPr id="44" name="Google Shape;227;p27"/>
+          <p:cNvSpPr/>
+          <p:nvPr/>
+        </p:nvSpPr>
+        <p:spPr>
+          <a:xfrm>
+            <a:off x="7972030" y="2397234"/>
+            <a:ext cx="388200" cy="118500"/>
+          </a:xfrm>
+          <a:prstGeom prst="rect">
+            <a:avLst/>
+          </a:prstGeom>
+          <a:solidFill>
+            <a:srgbClr val="ffc000"/>
+          </a:solidFill>
+          <a:ln w="9525" cap="flat" cmpd="sng">
+            <a:solidFill>
+              <a:schemeClr val="tx2">
+                <a:lumMod val="10000"/>
+              </a:schemeClr>
+            </a:solidFill>
+            <a:prstDash val="solid"/>
+            <a:round/>
+          </a:ln>
+        </p:spPr>
+        <p:txBody>
+          <a:bodyPr wrap="square" lIns="91424" tIns="91424" rIns="91424" bIns="91424" anchor="ctr" anchorCtr="0">
+            <a:noAutofit/>
+          </a:bodyPr>
+          <a:lstStyle/>
+          <a:p>
+            <a:pPr marL="0" lvl="0" indent="0" algn="l" rtl="0">
+              <a:spcBef>
+                <a:spcPts val="0"/>
+              </a:spcBef>
+              <a:spcAft>
+                <a:spcPts val="0"/>
+              </a:spcAft>
+              <a:buNone/>
+              <a:defRPr/>
+            </a:pPr>
+            <a:endParaRPr/>
+          </a:p>
+        </p:txBody>
+      </p:sp>
+      <p:sp>
+        <p:nvSpPr>
+          <p:cNvPr id="23" name="Google Shape;93;p13"/>
           <p:cNvSpPr txBox="1"/>
           <p:nvPr/>
         </p:nvSpPr>
@@ -10460,1552 +12174,31 @@
           </a:p>
         </p:txBody>
       </p:sp>
-      <p:sp>
-        <p:nvSpPr>
-          <p:cNvPr id="9" name="Google Shape;97;p13"/>
-          <p:cNvSpPr txBox="1">
-            <a:spLocks noGrp="1"/>
-          </p:cNvSpPr>
-          <p:nvPr>
-            <p:ph type="sldNum" idx="12"/>
-          </p:nvPr>
-        </p:nvSpPr>
+      <p:pic>
+        <p:nvPicPr>
+          <p:cNvPr id="1035" name=""/>
+          <p:cNvPicPr>
+            <a:picLocks noChangeAspect="1"/>
+          </p:cNvPicPr>
+          <p:nvPr/>
+        </p:nvPicPr>
+        <p:blipFill rotWithShape="1">
+          <a:blip r:embed="rId3"/>
+          <a:srcRect/>
+          <a:stretch>
+            <a:fillRect/>
+          </a:stretch>
+        </p:blipFill>
         <p:spPr>
           <a:xfrm>
-            <a:off x="8480575" y="4696933"/>
-            <a:ext cx="548700" cy="313500"/>
+            <a:off x="899592" y="1417937"/>
+            <a:ext cx="6141317" cy="2455338"/>
           </a:xfrm>
           <a:prstGeom prst="rect">
             <a:avLst/>
           </a:prstGeom>
         </p:spPr>
-        <p:txBody>
-          <a:bodyPr wrap="square" lIns="91424" tIns="91424" rIns="91424" bIns="91424" anchor="t" anchorCtr="0">
-            <a:noAutofit/>
-          </a:bodyPr>
-          <a:lstStyle/>
-          <a:p>
-            <a:pPr marL="0" lvl="0" indent="0" algn="r" rtl="0">
-              <a:spcBef>
-                <a:spcPts val="0"/>
-              </a:spcBef>
-              <a:spcAft>
-                <a:spcPts val="0"/>
-              </a:spcAft>
-              <a:buNone/>
-              <a:defRPr/>
-            </a:pPr>
-            <a:fld id="{00000000-1234-1234-1234-123412341234}" type="slidenum">
-              <a:rPr lang="en-US">
-                <a:solidFill>
-                  <a:schemeClr val="tx1">
-                    <a:lumMod val="50000"/>
-                  </a:schemeClr>
-                </a:solidFill>
-              </a:rPr>
-              <a:pPr marL="0" lvl="0" indent="0" algn="r" rtl="0">
-                <a:spcBef>
-                  <a:spcPts val="0"/>
-                </a:spcBef>
-                <a:spcAft>
-                  <a:spcPts val="0"/>
-                </a:spcAft>
-                <a:buNone/>
-                <a:defRPr/>
-              </a:pPr>
-              <a:t>6</a:t>
-            </a:fld>
-            <a:endParaRPr lang="en-US">
-              <a:solidFill>
-                <a:schemeClr val="tx1">
-                  <a:lumMod val="50000"/>
-                </a:schemeClr>
-              </a:solidFill>
-            </a:endParaRPr>
-          </a:p>
-        </p:txBody>
-      </p:sp>
-      <p:graphicFrame>
-        <p:nvGraphicFramePr>
-          <p:cNvPr id="10" name="표 9"/>
-          <p:cNvGraphicFramePr>
-            <a:graphicFrameLocks noGrp="1"/>
-          </p:cNvGraphicFramePr>
-          <p:nvPr/>
-        </p:nvGraphicFramePr>
-        <p:xfrm>
-          <a:off x="899592" y="1526838"/>
-          <a:ext cx="7630385" cy="3269411"/>
-        </p:xfrm>
-        <a:graphic>
-          <a:graphicData uri="http://schemas.openxmlformats.org/drawingml/2006/table">
-            <a:tbl>
-              <a:tblPr firstRow="1" bandRow="1">
-                <a:tableStyleId>{77C95F03-0CCA-47FF-B4B6-37FC9320E24F}</a:tableStyleId>
-              </a:tblPr>
-              <a:tblGrid>
-                <a:gridCol w="2544283"/>
-                <a:gridCol w="2496277"/>
-                <a:gridCol w="2589825"/>
-              </a:tblGrid>
-              <a:tr h="486656">
-                <a:tc>
-                  <a:txBody>
-                    <a:bodyPr vert="horz" lIns="91440" tIns="45720" rIns="91440" bIns="45720" anchor="ctr" anchorCtr="0"/>
-                    <a:p>
-                      <a:pPr algn="ctr" latinLnBrk="1">
-                        <a:lnSpc>
-                          <a:spcPct val="150000"/>
-                        </a:lnSpc>
-                        <a:defRPr/>
-                      </a:pPr>
-                      <a:r>
-                        <a:rPr lang="ko-KR" altLang="en-US">
-                          <a:latin typeface="+mj-ea"/>
-                          <a:ea typeface="+mj-ea"/>
-                        </a:rPr>
-                        <a:t>우성준</a:t>
-                      </a:r>
-                      <a:endParaRPr lang="en-US" altLang="ko-KR">
-                        <a:latin typeface="+mj-ea"/>
-                        <a:ea typeface="+mj-ea"/>
-                      </a:endParaRPr>
-                    </a:p>
-                  </a:txBody>
-                  <a:tcPr marL="91440" marR="91440" anchor="ctr">
-                    <a:lnL w="12700" cap="flat" cmpd="sng" algn="ctr">
-                      <a:solidFill>
-                        <a:schemeClr val="tx2">
-                          <a:lumMod val="10000"/>
-                        </a:schemeClr>
-                      </a:solidFill>
-                      <a:prstDash val="solid"/>
-                      <a:round/>
-                    </a:lnL>
-                    <a:lnR w="12700" cap="flat" cmpd="sng" algn="ctr">
-                      <a:solidFill>
-                        <a:schemeClr val="tx2">
-                          <a:lumMod val="10000"/>
-                        </a:schemeClr>
-                      </a:solidFill>
-                      <a:prstDash val="solid"/>
-                      <a:round/>
-                    </a:lnR>
-                    <a:lnT w="12700" cap="flat" cmpd="sng" algn="ctr">
-                      <a:solidFill>
-                        <a:schemeClr val="tx2">
-                          <a:lumMod val="10000"/>
-                        </a:schemeClr>
-                      </a:solidFill>
-                      <a:prstDash val="solid"/>
-                      <a:round/>
-                    </a:lnT>
-                    <a:lnB w="12700" cap="flat" cmpd="sng" algn="ctr">
-                      <a:solidFill>
-                        <a:schemeClr val="tx2">
-                          <a:lumMod val="10000"/>
-                        </a:schemeClr>
-                      </a:solidFill>
-                      <a:prstDash val="solid"/>
-                      <a:round/>
-                    </a:lnB>
-                    <a:solidFill>
-                      <a:schemeClr val="bg1">
-                        <a:lumMod val="95000"/>
-                      </a:schemeClr>
-                    </a:solidFill>
-                  </a:tcPr>
-                </a:tc>
-                <a:tc>
-                  <a:txBody>
-                    <a:bodyPr vert="horz" lIns="91440" tIns="45720" rIns="91440" bIns="45720" anchor="ctr" anchorCtr="0"/>
-                    <a:p>
-                      <a:pPr algn="ctr" latinLnBrk="1">
-                        <a:lnSpc>
-                          <a:spcPct val="150000"/>
-                        </a:lnSpc>
-                        <a:defRPr/>
-                      </a:pPr>
-                      <a:r>
-                        <a:rPr lang="ko-KR" altLang="en-US">
-                          <a:latin typeface="+mj-ea"/>
-                          <a:ea typeface="+mj-ea"/>
-                        </a:rPr>
-                        <a:t>박찬휘</a:t>
-                      </a:r>
-                      <a:endParaRPr lang="en-US" altLang="ko-KR">
-                        <a:latin typeface="+mj-ea"/>
-                        <a:ea typeface="+mj-ea"/>
-                      </a:endParaRPr>
-                    </a:p>
-                  </a:txBody>
-                  <a:tcPr marL="91440" marR="91440" anchor="ctr">
-                    <a:lnL w="12700" cap="flat" cmpd="sng" algn="ctr">
-                      <a:solidFill>
-                        <a:schemeClr val="tx2">
-                          <a:lumMod val="10000"/>
-                        </a:schemeClr>
-                      </a:solidFill>
-                      <a:prstDash val="solid"/>
-                      <a:round/>
-                    </a:lnL>
-                    <a:lnR w="12700" cap="flat" cmpd="sng" algn="ctr">
-                      <a:solidFill>
-                        <a:schemeClr val="tx2">
-                          <a:lumMod val="10000"/>
-                        </a:schemeClr>
-                      </a:solidFill>
-                      <a:prstDash val="solid"/>
-                      <a:round/>
-                    </a:lnR>
-                    <a:lnT w="12700" cap="flat" cmpd="sng" algn="ctr">
-                      <a:solidFill>
-                        <a:schemeClr val="tx2">
-                          <a:lumMod val="10000"/>
-                        </a:schemeClr>
-                      </a:solidFill>
-                      <a:prstDash val="solid"/>
-                      <a:round/>
-                    </a:lnT>
-                    <a:lnB w="12700" cap="flat" cmpd="sng" algn="ctr">
-                      <a:solidFill>
-                        <a:schemeClr val="tx2">
-                          <a:lumMod val="10000"/>
-                        </a:schemeClr>
-                      </a:solidFill>
-                      <a:prstDash val="solid"/>
-                      <a:round/>
-                    </a:lnB>
-                    <a:solidFill>
-                      <a:schemeClr val="bg1">
-                        <a:lumMod val="95000"/>
-                      </a:schemeClr>
-                    </a:solidFill>
-                  </a:tcPr>
-                </a:tc>
-                <a:tc>
-                  <a:txBody>
-                    <a:bodyPr vert="horz" lIns="91440" tIns="45720" rIns="91440" bIns="45720" anchor="ctr" anchorCtr="0"/>
-                    <a:p>
-                      <a:pPr algn="ctr" latinLnBrk="1">
-                        <a:lnSpc>
-                          <a:spcPct val="150000"/>
-                        </a:lnSpc>
-                        <a:defRPr/>
-                      </a:pPr>
-                      <a:r>
-                        <a:rPr lang="ko-KR" altLang="en-US">
-                          <a:latin typeface="+mj-ea"/>
-                          <a:ea typeface="+mj-ea"/>
-                        </a:rPr>
-                        <a:t>함범호</a:t>
-                      </a:r>
-                      <a:endParaRPr lang="en-US" altLang="ko-KR">
-                        <a:latin typeface="+mj-ea"/>
-                        <a:ea typeface="+mj-ea"/>
-                      </a:endParaRPr>
-                    </a:p>
-                  </a:txBody>
-                  <a:tcPr marL="91440" marR="91440" anchor="ctr">
-                    <a:lnL w="12700" cap="flat" cmpd="sng" algn="ctr">
-                      <a:solidFill>
-                        <a:schemeClr val="tx2">
-                          <a:lumMod val="10000"/>
-                        </a:schemeClr>
-                      </a:solidFill>
-                      <a:prstDash val="solid"/>
-                      <a:round/>
-                    </a:lnL>
-                    <a:lnR w="12700" cap="flat" cmpd="sng" algn="ctr">
-                      <a:solidFill>
-                        <a:schemeClr val="tx2">
-                          <a:lumMod val="10000"/>
-                        </a:schemeClr>
-                      </a:solidFill>
-                      <a:prstDash val="solid"/>
-                      <a:round/>
-                    </a:lnR>
-                    <a:lnT w="12700" cap="flat" cmpd="sng" algn="ctr">
-                      <a:solidFill>
-                        <a:schemeClr val="tx2">
-                          <a:lumMod val="10000"/>
-                        </a:schemeClr>
-                      </a:solidFill>
-                      <a:prstDash val="solid"/>
-                      <a:round/>
-                    </a:lnT>
-                    <a:lnB w="12700" cap="flat" cmpd="sng" algn="ctr">
-                      <a:solidFill>
-                        <a:schemeClr val="tx2">
-                          <a:lumMod val="10000"/>
-                        </a:schemeClr>
-                      </a:solidFill>
-                      <a:prstDash val="solid"/>
-                      <a:round/>
-                    </a:lnB>
-                    <a:solidFill>
-                      <a:schemeClr val="bg1">
-                        <a:lumMod val="95000"/>
-                      </a:schemeClr>
-                    </a:solidFill>
-                  </a:tcPr>
-                </a:tc>
-              </a:tr>
-              <a:tr h="198216">
-                <a:tc>
-                  <a:txBody>
-                    <a:bodyPr vert="horz" lIns="91440" tIns="45720" rIns="91440" bIns="45720" anchor="ctr" anchorCtr="0"/>
-                    <a:p>
-                      <a:pPr algn="ctr" latinLnBrk="1">
-                        <a:lnSpc>
-                          <a:spcPct val="150000"/>
-                        </a:lnSpc>
-                        <a:defRPr/>
-                      </a:pPr>
-                      <a:r>
-                        <a:rPr lang="ko-KR" altLang="en-US" sz="1200">
-                          <a:latin typeface="+mj-ea"/>
-                          <a:ea typeface="+mj-ea"/>
-                        </a:rPr>
-                        <a:t>클라이언트</a:t>
-                      </a:r>
-                      <a:endParaRPr lang="ko-KR" altLang="en-US" sz="1200">
-                        <a:latin typeface="+mj-ea"/>
-                        <a:ea typeface="+mj-ea"/>
-                      </a:endParaRPr>
-                    </a:p>
-                  </a:txBody>
-                  <a:tcPr marL="91440" marR="91440" anchor="ctr">
-                    <a:lnL w="12700" cap="flat" cmpd="sng" algn="ctr">
-                      <a:solidFill>
-                        <a:schemeClr val="tx2">
-                          <a:lumMod val="10000"/>
-                        </a:schemeClr>
-                      </a:solidFill>
-                      <a:prstDash val="solid"/>
-                      <a:round/>
-                    </a:lnL>
-                    <a:lnR w="12700" cap="flat" cmpd="sng" algn="ctr">
-                      <a:solidFill>
-                        <a:schemeClr val="tx2">
-                          <a:lumMod val="10000"/>
-                        </a:schemeClr>
-                      </a:solidFill>
-                      <a:prstDash val="solid"/>
-                      <a:round/>
-                    </a:lnR>
-                    <a:lnT w="12700" cap="flat" cmpd="sng" algn="ctr">
-                      <a:solidFill>
-                        <a:schemeClr val="tx2">
-                          <a:lumMod val="10000"/>
-                        </a:schemeClr>
-                      </a:solidFill>
-                      <a:prstDash val="solid"/>
-                      <a:round/>
-                    </a:lnT>
-                    <a:lnB w="12700" cap="flat" cmpd="sng" algn="ctr">
-                      <a:solidFill>
-                        <a:schemeClr val="tx2">
-                          <a:lumMod val="10000"/>
-                        </a:schemeClr>
-                      </a:solidFill>
-                      <a:prstDash val="solid"/>
-                      <a:round/>
-                    </a:lnB>
-                    <a:noFill/>
-                  </a:tcPr>
-                </a:tc>
-                <a:tc>
-                  <a:txBody>
-                    <a:bodyPr vert="horz" lIns="91440" tIns="45720" rIns="91440" bIns="45720" anchor="ctr" anchorCtr="0"/>
-                    <a:p>
-                      <a:pPr algn="ctr" latinLnBrk="1">
-                        <a:lnSpc>
-                          <a:spcPct val="150000"/>
-                        </a:lnSpc>
-                        <a:defRPr/>
-                      </a:pPr>
-                      <a:r>
-                        <a:rPr lang="ko-KR" altLang="en-US" sz="1200">
-                          <a:latin typeface="+mj-ea"/>
-                          <a:ea typeface="+mj-ea"/>
-                        </a:rPr>
-                        <a:t>클라이언트</a:t>
-                      </a:r>
-                      <a:endParaRPr lang="ko-KR" altLang="en-US" sz="1200">
-                        <a:latin typeface="+mj-ea"/>
-                        <a:ea typeface="+mj-ea"/>
-                      </a:endParaRPr>
-                    </a:p>
-                  </a:txBody>
-                  <a:tcPr marL="91440" marR="91440" anchor="ctr">
-                    <a:lnL w="12700" cap="flat" cmpd="sng" algn="ctr">
-                      <a:solidFill>
-                        <a:schemeClr val="tx2">
-                          <a:lumMod val="10000"/>
-                        </a:schemeClr>
-                      </a:solidFill>
-                      <a:prstDash val="solid"/>
-                      <a:round/>
-                    </a:lnL>
-                    <a:lnR w="12700" cap="flat" cmpd="sng" algn="ctr">
-                      <a:solidFill>
-                        <a:schemeClr val="tx2">
-                          <a:lumMod val="10000"/>
-                        </a:schemeClr>
-                      </a:solidFill>
-                      <a:prstDash val="solid"/>
-                      <a:round/>
-                    </a:lnR>
-                    <a:lnT w="12700" cap="flat" cmpd="sng" algn="ctr">
-                      <a:solidFill>
-                        <a:schemeClr val="tx2">
-                          <a:lumMod val="10000"/>
-                        </a:schemeClr>
-                      </a:solidFill>
-                      <a:prstDash val="solid"/>
-                      <a:round/>
-                    </a:lnT>
-                    <a:lnB w="12700" cap="flat" cmpd="sng" algn="ctr">
-                      <a:solidFill>
-                        <a:schemeClr val="tx2">
-                          <a:lumMod val="10000"/>
-                        </a:schemeClr>
-                      </a:solidFill>
-                      <a:prstDash val="solid"/>
-                      <a:round/>
-                    </a:lnB>
-                  </a:tcPr>
-                </a:tc>
-                <a:tc>
-                  <a:txBody>
-                    <a:bodyPr vert="horz" lIns="91440" tIns="45720" rIns="91440" bIns="45720" anchor="ctr" anchorCtr="0"/>
-                    <a:p>
-                      <a:pPr algn="ctr" latinLnBrk="1">
-                        <a:lnSpc>
-                          <a:spcPct val="150000"/>
-                        </a:lnSpc>
-                        <a:defRPr/>
-                      </a:pPr>
-                      <a:r>
-                        <a:rPr lang="ko-KR" altLang="en-US" sz="1200">
-                          <a:latin typeface="+mj-ea"/>
-                          <a:ea typeface="+mj-ea"/>
-                        </a:rPr>
-                        <a:t>서버</a:t>
-                      </a:r>
-                      <a:endParaRPr lang="ko-KR" altLang="en-US" sz="1200">
-                        <a:latin typeface="+mj-ea"/>
-                        <a:ea typeface="+mj-ea"/>
-                      </a:endParaRPr>
-                    </a:p>
-                  </a:txBody>
-                  <a:tcPr marL="91440" marR="91440" anchor="ctr">
-                    <a:lnL w="12700" cap="flat" cmpd="sng" algn="ctr">
-                      <a:solidFill>
-                        <a:schemeClr val="tx2">
-                          <a:lumMod val="10000"/>
-                        </a:schemeClr>
-                      </a:solidFill>
-                      <a:prstDash val="solid"/>
-                      <a:round/>
-                    </a:lnL>
-                    <a:lnR w="12700" cap="flat" cmpd="sng" algn="ctr">
-                      <a:solidFill>
-                        <a:schemeClr val="tx2">
-                          <a:lumMod val="10000"/>
-                        </a:schemeClr>
-                      </a:solidFill>
-                      <a:prstDash val="solid"/>
-                      <a:round/>
-                    </a:lnR>
-                    <a:lnT w="12700" cap="flat" cmpd="sng" algn="ctr">
-                      <a:solidFill>
-                        <a:schemeClr val="tx2">
-                          <a:lumMod val="10000"/>
-                        </a:schemeClr>
-                      </a:solidFill>
-                      <a:prstDash val="solid"/>
-                      <a:round/>
-                    </a:lnT>
-                    <a:lnB w="12700" cap="flat" cmpd="sng" algn="ctr">
-                      <a:solidFill>
-                        <a:schemeClr val="tx2">
-                          <a:lumMod val="10000"/>
-                        </a:schemeClr>
-                      </a:solidFill>
-                      <a:prstDash val="solid"/>
-                      <a:round/>
-                    </a:lnB>
-                  </a:tcPr>
-                </a:tc>
-              </a:tr>
-              <a:tr h="0">
-                <a:tc gridSpan="3">
-                  <a:txBody>
-                    <a:bodyPr vert="horz" lIns="89999" tIns="46800" rIns="89999" bIns="45720" anchor="t" anchorCtr="0"/>
-                    <a:p>
-                      <a:pPr marL="0" indent="0" algn="ctr" latinLnBrk="1">
-                        <a:buFontTx/>
-                        <a:buNone/>
-                        <a:defRPr/>
-                      </a:pPr>
-                      <a:r>
-                        <a:rPr lang="ko-KR" altLang="en-US" sz="1200" baseline="0">
-                          <a:latin typeface="+mj-ea"/>
-                          <a:ea typeface="+mj-ea"/>
-                        </a:rPr>
-                        <a:t>코드</a:t>
-                      </a:r>
-                      <a:endParaRPr lang="en-US" altLang="ko-KR" sz="1200" baseline="0">
-                        <a:latin typeface="+mj-ea"/>
-                        <a:ea typeface="+mj-ea"/>
-                      </a:endParaRPr>
-                    </a:p>
-                  </a:txBody>
-                  <a:tcPr marL="90000" marR="90000" marT="46800">
-                    <a:lnL w="12700" cap="flat" cmpd="sng" algn="ctr">
-                      <a:solidFill>
-                        <a:schemeClr val="tx2">
-                          <a:lumMod val="10000"/>
-                        </a:schemeClr>
-                      </a:solidFill>
-                      <a:prstDash val="solid"/>
-                      <a:round/>
-                    </a:lnL>
-                    <a:lnR w="12700" cap="flat" cmpd="sng" algn="ctr">
-                      <a:solidFill>
-                        <a:schemeClr val="tx2">
-                          <a:lumMod val="10000"/>
-                        </a:schemeClr>
-                      </a:solidFill>
-                      <a:prstDash val="solid"/>
-                      <a:round/>
-                    </a:lnR>
-                    <a:lnT w="12700" cap="flat" cmpd="sng" algn="ctr">
-                      <a:solidFill>
-                        <a:schemeClr val="tx2">
-                          <a:lumMod val="10000"/>
-                        </a:schemeClr>
-                      </a:solidFill>
-                      <a:prstDash val="solid"/>
-                      <a:round/>
-                    </a:lnT>
-                    <a:lnB w="12700" cap="flat" cmpd="sng" algn="ctr">
-                      <a:solidFill>
-                        <a:schemeClr val="tx2">
-                          <a:lumMod val="10000"/>
-                        </a:schemeClr>
-                      </a:solidFill>
-                      <a:prstDash val="solid"/>
-                      <a:round/>
-                    </a:lnB>
-                    <a:solidFill>
-                      <a:schemeClr val="bg1">
-                        <a:lumMod val="95000"/>
-                      </a:schemeClr>
-                    </a:solidFill>
-                  </a:tcPr>
-                </a:tc>
-                <a:tc hMerge="1">
-                  <a:txBody>
-                    <a:bodyPr/>
-                    <a:p>
-                      <a:pPr marL="0" indent="0" algn="ctr" latinLnBrk="1">
-                        <a:buFontTx/>
-                        <a:buNone/>
-                        <a:defRPr/>
-                      </a:pPr>
-                      <a:endParaRPr lang="en-US" altLang="ko-KR" sz="1200" baseline="0">
-                        <a:latin typeface="+mj-ea"/>
-                        <a:ea typeface="+mj-ea"/>
-                      </a:endParaRPr>
-                    </a:p>
-                  </a:txBody>
-                  <a:tcPr marL="90000" marR="90000" marT="46800">
-                    <a:lnL w="12700" cap="flat" cmpd="sng" algn="ctr">
-                      <a:solidFill>
-                        <a:schemeClr val="tx2">
-                          <a:lumMod val="10000"/>
-                        </a:schemeClr>
-                      </a:solidFill>
-                      <a:prstDash val="solid"/>
-                      <a:round/>
-                    </a:lnL>
-                    <a:lnR w="12700" cap="flat" cmpd="sng" algn="ctr">
-                      <a:solidFill>
-                        <a:schemeClr val="tx2">
-                          <a:lumMod val="10000"/>
-                        </a:schemeClr>
-                      </a:solidFill>
-                      <a:prstDash val="solid"/>
-                      <a:round/>
-                    </a:lnR>
-                    <a:lnT w="12700" cap="flat" cmpd="sng" algn="ctr">
-                      <a:solidFill>
-                        <a:schemeClr val="tx2">
-                          <a:lumMod val="10000"/>
-                        </a:schemeClr>
-                      </a:solidFill>
-                      <a:prstDash val="solid"/>
-                      <a:round/>
-                    </a:lnT>
-                    <a:lnB w="12700" cap="flat" cmpd="sng" algn="ctr">
-                      <a:solidFill>
-                        <a:schemeClr val="tx2">
-                          <a:lumMod val="10000"/>
-                        </a:schemeClr>
-                      </a:solidFill>
-                      <a:prstDash val="solid"/>
-                      <a:round/>
-                    </a:lnB>
-                  </a:tcPr>
-                </a:tc>
-                <a:tc hMerge="1">
-                  <a:txBody>
-                    <a:bodyPr/>
-                    <a:p>
-                      <a:pPr marL="0" indent="0" algn="ctr" latinLnBrk="1">
-                        <a:buFontTx/>
-                        <a:buNone/>
-                        <a:defRPr/>
-                      </a:pPr>
-                      <a:endParaRPr lang="en-US" altLang="ko-KR" sz="1200" b="0" i="0" u="none" strike="noStrike" cap="none" baseline="0">
-                        <a:solidFill>
-                          <a:srgbClr val="000000"/>
-                        </a:solidFill>
-                        <a:latin typeface="+mj-ea"/>
-                        <a:ea typeface="+mj-ea"/>
-                        <a:cs typeface="Arial"/>
-                        <a:sym typeface="Arial"/>
-                      </a:endParaRPr>
-                    </a:p>
-                  </a:txBody>
-                  <a:tcPr marL="90000" marR="90000" marT="46800">
-                    <a:lnL w="12700" cap="flat" cmpd="sng" algn="ctr">
-                      <a:solidFill>
-                        <a:schemeClr val="tx2">
-                          <a:lumMod val="10000"/>
-                        </a:schemeClr>
-                      </a:solidFill>
-                      <a:prstDash val="solid"/>
-                      <a:round/>
-                    </a:lnL>
-                    <a:lnR w="12700" cap="flat" cmpd="sng" algn="ctr">
-                      <a:solidFill>
-                        <a:schemeClr val="tx2">
-                          <a:lumMod val="10000"/>
-                        </a:schemeClr>
-                      </a:solidFill>
-                      <a:prstDash val="solid"/>
-                      <a:round/>
-                    </a:lnR>
-                    <a:lnT w="12700" cap="flat" cmpd="sng" algn="ctr">
-                      <a:solidFill>
-                        <a:schemeClr val="tx2">
-                          <a:lumMod val="10000"/>
-                        </a:schemeClr>
-                      </a:solidFill>
-                      <a:prstDash val="solid"/>
-                      <a:round/>
-                    </a:lnT>
-                    <a:lnB w="12700" cap="flat" cmpd="sng" algn="ctr">
-                      <a:solidFill>
-                        <a:schemeClr val="tx2">
-                          <a:lumMod val="10000"/>
-                        </a:schemeClr>
-                      </a:solidFill>
-                      <a:prstDash val="solid"/>
-                      <a:round/>
-                    </a:lnB>
-                  </a:tcPr>
-                </a:tc>
-              </a:tr>
-              <a:tr h="484020">
-                <a:tc>
-                  <a:txBody>
-                    <a:bodyPr vert="horz" lIns="89999" tIns="46800" rIns="89999" bIns="45720" anchor="ctr" anchorCtr="0"/>
-                    <a:p>
-                      <a:pPr marL="0" indent="0" algn="l" latinLnBrk="1">
-                        <a:buFontTx/>
-                        <a:buNone/>
-                        <a:defRPr/>
-                      </a:pPr>
-                      <a:r>
-                        <a:rPr lang="en-US" altLang="ko-KR" sz="1200">
-                          <a:latin typeface="+mj-ea"/>
-                          <a:ea typeface="+mj-ea"/>
-                        </a:rPr>
-                        <a:t>-</a:t>
-                      </a:r>
-                      <a:r>
-                        <a:rPr lang="ko-KR" altLang="en-US" sz="1200">
-                          <a:latin typeface="+mj-ea"/>
-                          <a:ea typeface="+mj-ea"/>
-                        </a:rPr>
-                        <a:t>  프레임워크 제작</a:t>
-                      </a:r>
-                      <a:endParaRPr lang="ko-KR" altLang="en-US" sz="1200">
-                        <a:latin typeface="+mj-ea"/>
-                        <a:ea typeface="+mj-ea"/>
-                      </a:endParaRPr>
-                    </a:p>
-                    <a:p>
-                      <a:pPr marL="0" indent="0" algn="l" latinLnBrk="1">
-                        <a:buFontTx/>
-                        <a:buNone/>
-                        <a:defRPr/>
-                      </a:pPr>
-                      <a:r>
-                        <a:rPr lang="en-US" altLang="ko-KR" sz="1200" baseline="0">
-                          <a:latin typeface="+mj-ea"/>
-                          <a:ea typeface="+mj-ea"/>
-                        </a:rPr>
-                        <a:t>-</a:t>
-                      </a:r>
-                      <a:r>
-                        <a:rPr lang="ko-KR" altLang="en-US" sz="1200" baseline="0">
-                          <a:latin typeface="+mj-ea"/>
-                          <a:ea typeface="+mj-ea"/>
-                        </a:rPr>
-                        <a:t>  게임 로직</a:t>
-                      </a:r>
-                      <a:r>
-                        <a:rPr lang="en-US" altLang="ko-KR" sz="1200" baseline="0">
-                          <a:latin typeface="+mj-ea"/>
-                          <a:ea typeface="+mj-ea"/>
-                        </a:rPr>
-                        <a:t> </a:t>
-                      </a:r>
-                      <a:r>
-                        <a:rPr lang="ko-KR" altLang="en-US" sz="1200" baseline="0">
-                          <a:latin typeface="+mj-ea"/>
-                          <a:ea typeface="+mj-ea"/>
-                        </a:rPr>
-                        <a:t>구현</a:t>
-                      </a:r>
-                      <a:endParaRPr lang="ko-KR" altLang="en-US" sz="1200" baseline="0">
-                        <a:latin typeface="+mj-ea"/>
-                        <a:ea typeface="+mj-ea"/>
-                      </a:endParaRPr>
-                    </a:p>
-                    <a:p>
-                      <a:pPr marL="0" indent="0" algn="l" latinLnBrk="1">
-                        <a:buFontTx/>
-                        <a:buNone/>
-                        <a:defRPr/>
-                      </a:pPr>
-                      <a:r>
-                        <a:rPr lang="en-US" altLang="ko-KR" sz="1200" baseline="0">
-                          <a:latin typeface="+mj-ea"/>
-                          <a:ea typeface="+mj-ea"/>
-                        </a:rPr>
-                        <a:t>-</a:t>
-                      </a:r>
-                      <a:r>
-                        <a:rPr lang="ko-KR" altLang="en-US" sz="1200" baseline="0">
-                          <a:latin typeface="+mj-ea"/>
-                          <a:ea typeface="+mj-ea"/>
-                        </a:rPr>
-                        <a:t>  조명 연출</a:t>
-                      </a:r>
-                      <a:endParaRPr lang="ko-KR" altLang="en-US" sz="1200" baseline="0">
-                        <a:latin typeface="+mj-ea"/>
-                        <a:ea typeface="+mj-ea"/>
-                      </a:endParaRPr>
-                    </a:p>
-                  </a:txBody>
-                  <a:tcPr marL="90000" marR="90000" marT="46800" anchor="ctr">
-                    <a:lnL w="12700" cap="flat" cmpd="sng" algn="ctr">
-                      <a:solidFill>
-                        <a:schemeClr val="tx2">
-                          <a:lumMod val="10000"/>
-                        </a:schemeClr>
-                      </a:solidFill>
-                      <a:prstDash val="solid"/>
-                      <a:round/>
-                    </a:lnL>
-                    <a:lnR w="12700" cap="flat" cmpd="sng" algn="ctr">
-                      <a:solidFill>
-                        <a:schemeClr val="tx2">
-                          <a:lumMod val="10000"/>
-                        </a:schemeClr>
-                      </a:solidFill>
-                      <a:prstDash val="solid"/>
-                      <a:round/>
-                    </a:lnR>
-                    <a:lnT w="12700" cap="flat" cmpd="sng" algn="ctr">
-                      <a:solidFill>
-                        <a:schemeClr val="tx2">
-                          <a:lumMod val="10000"/>
-                        </a:schemeClr>
-                      </a:solidFill>
-                      <a:prstDash val="solid"/>
-                      <a:round/>
-                    </a:lnT>
-                    <a:lnB w="12700" cap="flat" cmpd="sng" algn="ctr">
-                      <a:solidFill>
-                        <a:schemeClr val="tx2">
-                          <a:lumMod val="10000"/>
-                        </a:schemeClr>
-                      </a:solidFill>
-                      <a:prstDash val="solid"/>
-                      <a:round/>
-                    </a:lnB>
-                  </a:tcPr>
-                </a:tc>
-                <a:tc>
-                  <a:txBody>
-                    <a:bodyPr vert="horz" lIns="89999" tIns="46800" rIns="89999" bIns="45720" anchor="ctr" anchorCtr="0"/>
-                    <a:p>
-                      <a:pPr marL="0" indent="0" algn="l" latinLnBrk="1">
-                        <a:buFontTx/>
-                        <a:buNone/>
-                        <a:defRPr/>
-                      </a:pPr>
-                      <a:r>
-                        <a:rPr lang="en-US" altLang="ko-KR" sz="1200" baseline="0">
-                          <a:latin typeface="+mj-ea"/>
-                          <a:ea typeface="+mj-ea"/>
-                        </a:rPr>
-                        <a:t>-</a:t>
-                      </a:r>
-                      <a:r>
-                        <a:rPr lang="ko-KR" altLang="en-US" sz="1200" baseline="0">
-                          <a:latin typeface="+mj-ea"/>
-                          <a:ea typeface="+mj-ea"/>
-                        </a:rPr>
-                        <a:t>  게임 로직</a:t>
-                      </a:r>
-                      <a:r>
-                        <a:rPr lang="en-US" altLang="ko-KR" sz="1200" baseline="0">
-                          <a:latin typeface="+mj-ea"/>
-                          <a:ea typeface="+mj-ea"/>
-                        </a:rPr>
-                        <a:t> </a:t>
-                      </a:r>
-                      <a:r>
-                        <a:rPr lang="ko-KR" altLang="en-US" sz="1200" baseline="0">
-                          <a:latin typeface="+mj-ea"/>
-                          <a:ea typeface="+mj-ea"/>
-                        </a:rPr>
-                        <a:t>구현</a:t>
-                      </a:r>
-                      <a:endParaRPr lang="ko-KR" altLang="en-US" sz="1200" baseline="0">
-                        <a:latin typeface="+mj-ea"/>
-                        <a:ea typeface="+mj-ea"/>
-                      </a:endParaRPr>
-                    </a:p>
-                    <a:p>
-                      <a:pPr marL="0" indent="0" algn="l" latinLnBrk="1">
-                        <a:buFontTx/>
-                        <a:buNone/>
-                        <a:defRPr/>
-                      </a:pPr>
-                      <a:r>
-                        <a:rPr lang="en-US" altLang="ko-KR" sz="1200" baseline="0">
-                          <a:latin typeface="+mj-ea"/>
-                          <a:ea typeface="+mj-ea"/>
-                        </a:rPr>
-                        <a:t>-</a:t>
-                      </a:r>
-                      <a:r>
-                        <a:rPr lang="ko-KR" altLang="en-US" sz="1200" baseline="0">
-                          <a:latin typeface="+mj-ea"/>
-                          <a:ea typeface="+mj-ea"/>
-                        </a:rPr>
-                        <a:t>  충돌 처리</a:t>
-                      </a:r>
-                      <a:endParaRPr lang="ko-KR" altLang="en-US" sz="1200" baseline="0">
-                        <a:latin typeface="+mj-ea"/>
-                        <a:ea typeface="+mj-ea"/>
-                      </a:endParaRPr>
-                    </a:p>
-                    <a:p>
-                      <a:pPr marL="0" indent="0" algn="l" latinLnBrk="1">
-                        <a:buFontTx/>
-                        <a:buNone/>
-                        <a:defRPr/>
-                      </a:pPr>
-                      <a:r>
-                        <a:rPr lang="en-US" altLang="ko-KR" sz="1200" baseline="0">
-                          <a:latin typeface="+mj-ea"/>
-                          <a:ea typeface="+mj-ea"/>
-                        </a:rPr>
-                        <a:t>-</a:t>
-                      </a:r>
-                      <a:r>
-                        <a:rPr lang="ko-KR" altLang="en-US" sz="1200" baseline="0">
-                          <a:latin typeface="+mj-ea"/>
-                          <a:ea typeface="+mj-ea"/>
-                        </a:rPr>
-                        <a:t>  애니메이션 로드</a:t>
-                      </a:r>
-                      <a:endParaRPr lang="ko-KR" altLang="en-US" sz="1200" baseline="0">
-                        <a:latin typeface="+mj-ea"/>
-                        <a:ea typeface="+mj-ea"/>
-                      </a:endParaRPr>
-                    </a:p>
-                  </a:txBody>
-                  <a:tcPr marL="90000" marR="90000" marT="46800" anchor="ctr">
-                    <a:lnL w="12700" cap="flat" cmpd="sng" algn="ctr">
-                      <a:solidFill>
-                        <a:schemeClr val="tx2">
-                          <a:lumMod val="10000"/>
-                        </a:schemeClr>
-                      </a:solidFill>
-                      <a:prstDash val="solid"/>
-                      <a:round/>
-                    </a:lnL>
-                    <a:lnR w="12700" cap="flat" cmpd="sng" algn="ctr">
-                      <a:solidFill>
-                        <a:schemeClr val="tx2">
-                          <a:lumMod val="10000"/>
-                        </a:schemeClr>
-                      </a:solidFill>
-                      <a:prstDash val="solid"/>
-                      <a:round/>
-                    </a:lnR>
-                    <a:lnT w="12700" cap="flat" cmpd="sng" algn="ctr">
-                      <a:solidFill>
-                        <a:schemeClr val="tx2">
-                          <a:lumMod val="10000"/>
-                        </a:schemeClr>
-                      </a:solidFill>
-                      <a:prstDash val="solid"/>
-                      <a:round/>
-                    </a:lnT>
-                    <a:lnB w="12700" cap="flat" cmpd="sng" algn="ctr">
-                      <a:solidFill>
-                        <a:schemeClr val="tx2">
-                          <a:lumMod val="10000"/>
-                        </a:schemeClr>
-                      </a:solidFill>
-                      <a:prstDash val="solid"/>
-                      <a:round/>
-                    </a:lnB>
-                  </a:tcPr>
-                </a:tc>
-                <a:tc>
-                  <a:txBody>
-                    <a:bodyPr vert="horz" lIns="89999" tIns="190800" rIns="89999" bIns="190800" anchor="ctr" anchorCtr="0"/>
-                    <a:p>
-                      <a:pPr marL="171450" indent="-171450" algn="l" latinLnBrk="1">
-                        <a:buFontTx/>
-                        <a:buChar char="-"/>
-                        <a:defRPr/>
-                      </a:pPr>
-                      <a:r>
-                        <a:rPr lang="ko-KR" altLang="en-US" sz="1200">
-                          <a:latin typeface="+mj-ea"/>
-                          <a:ea typeface="+mj-ea"/>
-                        </a:rPr>
-                        <a:t>멀티 스레드</a:t>
-                      </a:r>
-                      <a:r>
-                        <a:rPr lang="en-US" altLang="ko-KR" sz="1200" baseline="0">
-                          <a:latin typeface="+mj-ea"/>
-                          <a:ea typeface="+mj-ea"/>
-                        </a:rPr>
-                        <a:t> </a:t>
-                      </a:r>
-                      <a:r>
-                        <a:rPr lang="ko-KR" altLang="en-US" sz="1200">
-                          <a:latin typeface="+mj-ea"/>
-                          <a:ea typeface="+mj-ea"/>
-                        </a:rPr>
-                        <a:t>서버 구현</a:t>
-                      </a:r>
-                      <a:endParaRPr lang="ko-KR" altLang="en-US" sz="1200">
-                        <a:latin typeface="+mj-ea"/>
-                        <a:ea typeface="+mj-ea"/>
-                      </a:endParaRPr>
-                    </a:p>
-                    <a:p>
-                      <a:pPr marL="171450" indent="-171450" algn="l" latinLnBrk="1">
-                        <a:buFontTx/>
-                        <a:buChar char="-"/>
-                        <a:defRPr/>
-                      </a:pPr>
-                      <a:r>
-                        <a:rPr lang="ko-KR" altLang="en-US" sz="1200">
-                          <a:latin typeface="+mj-ea"/>
-                          <a:ea typeface="+mj-ea"/>
-                        </a:rPr>
-                        <a:t>충돌 처리</a:t>
-                      </a:r>
-                      <a:endParaRPr lang="ko-KR" altLang="en-US" sz="1200">
-                        <a:latin typeface="+mj-ea"/>
-                        <a:ea typeface="+mj-ea"/>
-                      </a:endParaRPr>
-                    </a:p>
-                    <a:p>
-                      <a:pPr marL="171450" indent="-171450" algn="l" latinLnBrk="1">
-                        <a:buFontTx/>
-                        <a:buChar char="-"/>
-                        <a:defRPr/>
-                      </a:pPr>
-                      <a:r>
-                        <a:rPr lang="ko-KR" altLang="en-US" sz="1200">
-                          <a:latin typeface="+mj-ea"/>
-                          <a:ea typeface="+mj-ea"/>
-                        </a:rPr>
-                        <a:t>ㅁㅁ</a:t>
-                      </a:r>
-                      <a:endParaRPr lang="ko-KR" altLang="en-US" sz="1200">
-                        <a:latin typeface="+mj-ea"/>
-                        <a:ea typeface="+mj-ea"/>
-                      </a:endParaRPr>
-                    </a:p>
-                  </a:txBody>
-                  <a:tcPr marL="90000" marR="90000" marT="190800" marB="190800" anchor="ctr">
-                    <a:lnL w="12700" cap="flat" cmpd="sng" algn="ctr">
-                      <a:solidFill>
-                        <a:schemeClr val="tx2">
-                          <a:lumMod val="10000"/>
-                        </a:schemeClr>
-                      </a:solidFill>
-                      <a:prstDash val="solid"/>
-                      <a:round/>
-                    </a:lnL>
-                    <a:lnR w="12700" cap="flat" cmpd="sng" algn="ctr">
-                      <a:solidFill>
-                        <a:schemeClr val="tx2">
-                          <a:lumMod val="10000"/>
-                        </a:schemeClr>
-                      </a:solidFill>
-                      <a:prstDash val="solid"/>
-                      <a:round/>
-                    </a:lnR>
-                    <a:lnT w="12700" cap="flat" cmpd="sng" algn="ctr">
-                      <a:solidFill>
-                        <a:schemeClr val="tx2">
-                          <a:lumMod val="10000"/>
-                        </a:schemeClr>
-                      </a:solidFill>
-                      <a:prstDash val="solid"/>
-                      <a:round/>
-                    </a:lnT>
-                    <a:lnB w="12700" cap="flat" cmpd="sng" algn="ctr">
-                      <a:solidFill>
-                        <a:schemeClr val="tx2">
-                          <a:lumMod val="10000"/>
-                        </a:schemeClr>
-                      </a:solidFill>
-                      <a:prstDash val="solid"/>
-                      <a:round/>
-                    </a:lnB>
-                  </a:tcPr>
-                </a:tc>
-              </a:tr>
-              <a:tr h="208545">
-                <a:tc gridSpan="3">
-                  <a:txBody>
-                    <a:bodyPr vert="horz" lIns="89999" tIns="46800" rIns="89999" bIns="45720" anchor="t" anchorCtr="0"/>
-                    <a:p>
-                      <a:pPr marL="0" indent="0" algn="ctr" latinLnBrk="1">
-                        <a:buFontTx/>
-                        <a:buNone/>
-                        <a:defRPr/>
-                      </a:pPr>
-                      <a:r>
-                        <a:rPr lang="ko-KR" altLang="en-US" sz="1200" baseline="0">
-                          <a:latin typeface="+mj-ea"/>
-                          <a:ea typeface="+mj-ea"/>
-                        </a:rPr>
-                        <a:t>리소스</a:t>
-                      </a:r>
-                      <a:endParaRPr lang="en-US" altLang="ko-KR" sz="1200" baseline="0">
-                        <a:latin typeface="+mj-ea"/>
-                        <a:ea typeface="+mj-ea"/>
-                      </a:endParaRPr>
-                    </a:p>
-                  </a:txBody>
-                  <a:tcPr marL="90000" marR="90000" marT="46800">
-                    <a:lnL w="12700" cap="flat" cmpd="sng" algn="ctr">
-                      <a:solidFill>
-                        <a:schemeClr val="tx2">
-                          <a:lumMod val="10000"/>
-                        </a:schemeClr>
-                      </a:solidFill>
-                      <a:prstDash val="solid"/>
-                      <a:round/>
-                    </a:lnL>
-                    <a:lnR w="12700" cap="flat" cmpd="sng" algn="ctr">
-                      <a:solidFill>
-                        <a:schemeClr val="tx2">
-                          <a:lumMod val="10000"/>
-                        </a:schemeClr>
-                      </a:solidFill>
-                      <a:prstDash val="solid"/>
-                      <a:round/>
-                    </a:lnR>
-                    <a:lnT w="12700" cap="flat" cmpd="sng" algn="ctr">
-                      <a:solidFill>
-                        <a:schemeClr val="tx2">
-                          <a:lumMod val="10000"/>
-                        </a:schemeClr>
-                      </a:solidFill>
-                      <a:prstDash val="solid"/>
-                      <a:round/>
-                    </a:lnT>
-                    <a:lnB w="12700" cap="flat" cmpd="sng" algn="ctr">
-                      <a:solidFill>
-                        <a:schemeClr val="tx2">
-                          <a:lumMod val="10000"/>
-                        </a:schemeClr>
-                      </a:solidFill>
-                      <a:prstDash val="solid"/>
-                      <a:round/>
-                    </a:lnB>
-                    <a:solidFill>
-                      <a:schemeClr val="bg1">
-                        <a:lumMod val="95000"/>
-                      </a:schemeClr>
-                    </a:solidFill>
-                  </a:tcPr>
-                </a:tc>
-                <a:tc hMerge="1">
-                  <a:txBody>
-                    <a:bodyPr/>
-                    <a:p>
-                      <a:pPr marL="0" indent="0" algn="ctr" latinLnBrk="1">
-                        <a:buFontTx/>
-                        <a:buNone/>
-                        <a:defRPr/>
-                      </a:pPr>
-                      <a:endParaRPr lang="en-US" altLang="ko-KR" sz="1200" baseline="0">
-                        <a:latin typeface="+mj-ea"/>
-                        <a:ea typeface="+mj-ea"/>
-                      </a:endParaRPr>
-                    </a:p>
-                  </a:txBody>
-                  <a:tcPr marL="90000" marR="90000" marT="46800">
-                    <a:lnL w="12700" cap="flat" cmpd="sng" algn="ctr">
-                      <a:solidFill>
-                        <a:schemeClr val="tx2">
-                          <a:lumMod val="10000"/>
-                        </a:schemeClr>
-                      </a:solidFill>
-                      <a:prstDash val="solid"/>
-                      <a:round/>
-                    </a:lnL>
-                    <a:lnR w="12700" cap="flat" cmpd="sng" algn="ctr">
-                      <a:solidFill>
-                        <a:schemeClr val="tx2">
-                          <a:lumMod val="10000"/>
-                        </a:schemeClr>
-                      </a:solidFill>
-                      <a:prstDash val="solid"/>
-                      <a:round/>
-                    </a:lnR>
-                    <a:lnT w="12700" cap="flat" cmpd="sng" algn="ctr">
-                      <a:solidFill>
-                        <a:schemeClr val="tx2">
-                          <a:lumMod val="10000"/>
-                        </a:schemeClr>
-                      </a:solidFill>
-                      <a:prstDash val="solid"/>
-                      <a:round/>
-                    </a:lnT>
-                    <a:lnB w="12700" cap="flat" cmpd="sng" algn="ctr">
-                      <a:solidFill>
-                        <a:schemeClr val="tx2">
-                          <a:lumMod val="10000"/>
-                        </a:schemeClr>
-                      </a:solidFill>
-                      <a:prstDash val="solid"/>
-                      <a:round/>
-                    </a:lnB>
-                  </a:tcPr>
-                </a:tc>
-                <a:tc hMerge="1">
-                  <a:txBody>
-                    <a:bodyPr/>
-                    <a:p>
-                      <a:pPr marL="0" indent="0" algn="ctr" latinLnBrk="1">
-                        <a:buFontTx/>
-                        <a:buNone/>
-                        <a:defRPr/>
-                      </a:pPr>
-                      <a:endParaRPr lang="ko-KR" altLang="en-US" sz="1200">
-                        <a:latin typeface="+mj-ea"/>
-                        <a:ea typeface="+mj-ea"/>
-                      </a:endParaRPr>
-                    </a:p>
-                  </a:txBody>
-                  <a:tcPr marL="90000" marR="90000" marT="46800">
-                    <a:lnL w="12700" cap="flat" cmpd="sng" algn="ctr">
-                      <a:solidFill>
-                        <a:schemeClr val="tx2">
-                          <a:lumMod val="10000"/>
-                        </a:schemeClr>
-                      </a:solidFill>
-                      <a:prstDash val="solid"/>
-                      <a:round/>
-                    </a:lnL>
-                    <a:lnR w="12700" cap="flat" cmpd="sng" algn="ctr">
-                      <a:solidFill>
-                        <a:schemeClr val="tx2">
-                          <a:lumMod val="10000"/>
-                        </a:schemeClr>
-                      </a:solidFill>
-                      <a:prstDash val="solid"/>
-                      <a:round/>
-                    </a:lnR>
-                    <a:lnT w="12700" cap="flat" cmpd="sng" algn="ctr">
-                      <a:solidFill>
-                        <a:schemeClr val="tx2">
-                          <a:lumMod val="10000"/>
-                        </a:schemeClr>
-                      </a:solidFill>
-                      <a:prstDash val="solid"/>
-                      <a:round/>
-                    </a:lnT>
-                    <a:lnB w="12700" cap="flat" cmpd="sng" algn="ctr">
-                      <a:solidFill>
-                        <a:schemeClr val="tx2">
-                          <a:lumMod val="10000"/>
-                        </a:schemeClr>
-                      </a:solidFill>
-                      <a:prstDash val="solid"/>
-                      <a:round/>
-                    </a:lnB>
-                  </a:tcPr>
-                </a:tc>
-              </a:tr>
-              <a:tr h="720000">
-                <a:tc>
-                  <a:txBody>
-                    <a:bodyPr vert="horz" lIns="89999" tIns="190800" rIns="89999" bIns="190800" anchor="ctr" anchorCtr="0"/>
-                    <a:p>
-                      <a:pPr marL="0" indent="0" algn="l" latinLnBrk="1">
-                        <a:buFontTx/>
-                        <a:buNone/>
-                        <a:defRPr/>
-                      </a:pPr>
-                      <a:r>
-                        <a:rPr lang="en-US" altLang="ko-KR" sz="1200" baseline="0">
-                          <a:latin typeface="+mj-ea"/>
-                          <a:ea typeface="+mj-ea"/>
-                        </a:rPr>
-                        <a:t>-</a:t>
-                      </a:r>
-                      <a:r>
-                        <a:rPr lang="ko-KR" altLang="en-US" sz="1200" baseline="0">
-                          <a:latin typeface="+mj-ea"/>
-                          <a:ea typeface="+mj-ea"/>
-                        </a:rPr>
-                        <a:t>  파티클 패턴 제작</a:t>
-                      </a:r>
-                      <a:endParaRPr lang="ko-KR" altLang="en-US" sz="1200" baseline="0">
-                        <a:latin typeface="+mj-ea"/>
-                        <a:ea typeface="+mj-ea"/>
-                      </a:endParaRPr>
-                    </a:p>
-                    <a:p>
-                      <a:pPr marL="0" indent="0" algn="l" latinLnBrk="1">
-                        <a:buFontTx/>
-                        <a:buNone/>
-                        <a:defRPr/>
-                      </a:pPr>
-                      <a:r>
-                        <a:rPr lang="en-US" altLang="ko-KR" sz="1200" baseline="0">
-                          <a:latin typeface="+mj-ea"/>
-                          <a:ea typeface="+mj-ea"/>
-                        </a:rPr>
-                        <a:t>-</a:t>
-                      </a:r>
-                      <a:r>
-                        <a:rPr lang="ko-KR" altLang="en-US" sz="1200" baseline="0">
-                          <a:latin typeface="+mj-ea"/>
-                          <a:ea typeface="+mj-ea"/>
-                        </a:rPr>
-                        <a:t>  모델 수집</a:t>
-                      </a:r>
-                      <a:endParaRPr lang="ko-KR" altLang="en-US" sz="1200" baseline="0">
-                        <a:latin typeface="+mj-ea"/>
-                        <a:ea typeface="+mj-ea"/>
-                      </a:endParaRPr>
-                    </a:p>
-                    <a:p>
-                      <a:pPr marL="285750" indent="-285750" algn="l" latinLnBrk="1">
-                        <a:buFontTx/>
-                        <a:buChar char="-"/>
-                        <a:defRPr/>
-                      </a:pPr>
-                      <a:endParaRPr lang="en-US" altLang="ko-KR" sz="1200" baseline="0">
-                        <a:latin typeface="+mj-ea"/>
-                        <a:ea typeface="+mj-ea"/>
-                      </a:endParaRPr>
-                    </a:p>
-                  </a:txBody>
-                  <a:tcPr marL="90000" marR="90000" marT="190800" marB="190800" anchor="ctr">
-                    <a:lnL w="12700" cap="flat" cmpd="sng" algn="ctr">
-                      <a:solidFill>
-                        <a:schemeClr val="tx2">
-                          <a:lumMod val="10000"/>
-                        </a:schemeClr>
-                      </a:solidFill>
-                      <a:prstDash val="solid"/>
-                      <a:round/>
-                    </a:lnL>
-                    <a:lnR w="12700" cap="flat" cmpd="sng" algn="ctr">
-                      <a:solidFill>
-                        <a:schemeClr val="tx2">
-                          <a:lumMod val="10000"/>
-                        </a:schemeClr>
-                      </a:solidFill>
-                      <a:prstDash val="solid"/>
-                      <a:round/>
-                    </a:lnR>
-                    <a:lnT w="12700" cap="flat" cmpd="sng" algn="ctr">
-                      <a:solidFill>
-                        <a:schemeClr val="tx2">
-                          <a:lumMod val="10000"/>
-                        </a:schemeClr>
-                      </a:solidFill>
-                      <a:prstDash val="solid"/>
-                      <a:round/>
-                    </a:lnT>
-                    <a:lnB w="12700" cap="flat" cmpd="sng" algn="ctr">
-                      <a:solidFill>
-                        <a:schemeClr val="tx2">
-                          <a:lumMod val="10000"/>
-                        </a:schemeClr>
-                      </a:solidFill>
-                      <a:prstDash val="solid"/>
-                      <a:round/>
-                    </a:lnB>
-                  </a:tcPr>
-                </a:tc>
-                <a:tc>
-                  <a:txBody>
-                    <a:bodyPr vert="horz" lIns="89999" tIns="190800" rIns="89999" bIns="190800" anchor="ctr" anchorCtr="0"/>
-                    <a:p>
-                      <a:pPr marL="0" indent="0" algn="l" latinLnBrk="1">
-                        <a:buFontTx/>
-                        <a:buNone/>
-                        <a:defRPr/>
-                      </a:pPr>
-                      <a:r>
-                        <a:rPr lang="en-US" altLang="ko-KR" sz="1200" baseline="0">
-                          <a:latin typeface="+mj-ea"/>
-                          <a:ea typeface="+mj-ea"/>
-                        </a:rPr>
-                        <a:t>-</a:t>
-                      </a:r>
-                      <a:r>
-                        <a:rPr lang="ko-KR" altLang="en-US" sz="1200" baseline="0">
-                          <a:latin typeface="+mj-ea"/>
-                          <a:ea typeface="+mj-ea"/>
-                        </a:rPr>
-                        <a:t>  맵 디자인</a:t>
-                      </a:r>
-                      <a:endParaRPr lang="ko-KR" altLang="en-US" sz="1200" baseline="0">
-                        <a:latin typeface="+mj-ea"/>
-                        <a:ea typeface="+mj-ea"/>
-                      </a:endParaRPr>
-                    </a:p>
-                    <a:p>
-                      <a:pPr marL="0" indent="0" algn="l" latinLnBrk="1">
-                        <a:buFontTx/>
-                        <a:buNone/>
-                        <a:defRPr/>
-                      </a:pPr>
-                      <a:r>
-                        <a:rPr lang="en-US" altLang="ko-KR" sz="1200" baseline="0">
-                          <a:latin typeface="+mj-ea"/>
-                          <a:ea typeface="+mj-ea"/>
-                        </a:rPr>
-                        <a:t>-</a:t>
-                      </a:r>
-                      <a:r>
-                        <a:rPr lang="ko-KR" altLang="en-US" sz="1200" baseline="0">
-                          <a:latin typeface="+mj-ea"/>
-                          <a:ea typeface="+mj-ea"/>
-                        </a:rPr>
-                        <a:t>  사운드 수집</a:t>
-                      </a:r>
-                      <a:endParaRPr lang="ko-KR" altLang="en-US" sz="1200" baseline="0">
-                        <a:latin typeface="+mj-ea"/>
-                        <a:ea typeface="+mj-ea"/>
-                      </a:endParaRPr>
-                    </a:p>
-                    <a:p>
-                      <a:pPr marL="285750" indent="-285750" algn="l" latinLnBrk="1">
-                        <a:buFontTx/>
-                        <a:buChar char="-"/>
-                        <a:defRPr/>
-                      </a:pPr>
-                      <a:endParaRPr lang="en-US" altLang="ko-KR" sz="1200" baseline="0">
-                        <a:latin typeface="+mj-ea"/>
-                        <a:ea typeface="+mj-ea"/>
-                      </a:endParaRPr>
-                    </a:p>
-                  </a:txBody>
-                  <a:tcPr marL="90000" marR="90000" marT="190800" marB="190800" anchor="ctr">
-                    <a:lnL w="12700" cap="flat" cmpd="sng" algn="ctr">
-                      <a:solidFill>
-                        <a:schemeClr val="tx2">
-                          <a:lumMod val="10000"/>
-                        </a:schemeClr>
-                      </a:solidFill>
-                      <a:prstDash val="solid"/>
-                      <a:round/>
-                    </a:lnL>
-                    <a:lnR w="12700" cap="flat" cmpd="sng" algn="ctr">
-                      <a:solidFill>
-                        <a:schemeClr val="tx2">
-                          <a:lumMod val="10000"/>
-                        </a:schemeClr>
-                      </a:solidFill>
-                      <a:prstDash val="solid"/>
-                      <a:round/>
-                    </a:lnR>
-                    <a:lnT w="12700" cap="flat" cmpd="sng" algn="ctr">
-                      <a:solidFill>
-                        <a:schemeClr val="tx2">
-                          <a:lumMod val="10000"/>
-                        </a:schemeClr>
-                      </a:solidFill>
-                      <a:prstDash val="solid"/>
-                      <a:round/>
-                    </a:lnT>
-                    <a:lnB w="12700" cap="flat" cmpd="sng" algn="ctr">
-                      <a:solidFill>
-                        <a:schemeClr val="tx2">
-                          <a:lumMod val="10000"/>
-                        </a:schemeClr>
-                      </a:solidFill>
-                      <a:prstDash val="solid"/>
-                      <a:round/>
-                    </a:lnB>
-                  </a:tcPr>
-                </a:tc>
-                <a:tc>
-                  <a:txBody>
-                    <a:bodyPr vert="horz" lIns="89999" tIns="190800" rIns="89999" bIns="190800" anchor="ctr" anchorCtr="0"/>
-                    <a:p>
-                      <a:pPr marL="0" indent="0" algn="l" latinLnBrk="1">
-                        <a:buFontTx/>
-                        <a:buNone/>
-                        <a:defRPr/>
-                      </a:pPr>
-                      <a:r>
-                        <a:rPr lang="en-US" altLang="ko-KR" sz="1200">
-                          <a:latin typeface="+mj-ea"/>
-                          <a:ea typeface="+mj-ea"/>
-                        </a:rPr>
-                        <a:t>-</a:t>
-                      </a:r>
-                      <a:r>
-                        <a:rPr lang="ko-KR" altLang="en-US" sz="1200">
-                          <a:latin typeface="+mj-ea"/>
-                          <a:ea typeface="+mj-ea"/>
-                        </a:rPr>
-                        <a:t>  데이터베이스</a:t>
-                      </a:r>
-                      <a:endParaRPr lang="ko-KR" altLang="en-US" sz="1200">
-                        <a:latin typeface="+mj-ea"/>
-                        <a:ea typeface="+mj-ea"/>
-                      </a:endParaRPr>
-                    </a:p>
-                    <a:p>
-                      <a:pPr marL="0" indent="0" algn="l" latinLnBrk="1">
-                        <a:buFontTx/>
-                        <a:buNone/>
-                        <a:defRPr/>
-                      </a:pPr>
-                      <a:r>
-                        <a:rPr lang="en-US" altLang="ko-KR" sz="1200">
-                          <a:latin typeface="+mj-ea"/>
-                          <a:ea typeface="+mj-ea"/>
-                        </a:rPr>
-                        <a:t>-</a:t>
-                      </a:r>
-                      <a:r>
-                        <a:rPr lang="ko-KR" altLang="en-US" sz="1200">
-                          <a:latin typeface="+mj-ea"/>
-                          <a:ea typeface="+mj-ea"/>
-                        </a:rPr>
-                        <a:t>  모델링</a:t>
-                      </a:r>
-                      <a:r>
-                        <a:rPr lang="ko-KR" altLang="en-US" sz="1200" baseline="0">
-                          <a:latin typeface="+mj-ea"/>
-                          <a:ea typeface="+mj-ea"/>
-                        </a:rPr>
-                        <a:t> </a:t>
-                      </a:r>
-                      <a:r>
-                        <a:rPr lang="ko-KR" altLang="en-US" sz="1200">
-                          <a:latin typeface="+mj-ea"/>
-                          <a:ea typeface="+mj-ea"/>
-                        </a:rPr>
-                        <a:t>애니메이션</a:t>
-                      </a:r>
-                      <a:endParaRPr lang="ko-KR" altLang="en-US" sz="1200">
-                        <a:latin typeface="+mj-ea"/>
-                        <a:ea typeface="+mj-ea"/>
-                      </a:endParaRPr>
-                    </a:p>
-                    <a:p>
-                      <a:pPr marL="171450" indent="-171450" algn="l" latinLnBrk="1">
-                        <a:buFontTx/>
-                        <a:buChar char="-"/>
-                        <a:defRPr/>
-                      </a:pPr>
-                      <a:endParaRPr lang="ko-KR" altLang="en-US" sz="1200">
-                        <a:latin typeface="+mj-ea"/>
-                        <a:ea typeface="+mj-ea"/>
-                      </a:endParaRPr>
-                    </a:p>
-                  </a:txBody>
-                  <a:tcPr marL="90000" marR="90000" marT="190800" marB="190800" anchor="ctr">
-                    <a:lnL w="12700" cap="flat" cmpd="sng" algn="ctr">
-                      <a:solidFill>
-                        <a:schemeClr val="tx2">
-                          <a:lumMod val="10000"/>
-                        </a:schemeClr>
-                      </a:solidFill>
-                      <a:prstDash val="solid"/>
-                      <a:round/>
-                    </a:lnL>
-                    <a:lnR w="12700" cap="flat" cmpd="sng" algn="ctr">
-                      <a:solidFill>
-                        <a:schemeClr val="tx2">
-                          <a:lumMod val="10000"/>
-                        </a:schemeClr>
-                      </a:solidFill>
-                      <a:prstDash val="solid"/>
-                      <a:round/>
-                    </a:lnR>
-                    <a:lnT w="12700" cap="flat" cmpd="sng" algn="ctr">
-                      <a:solidFill>
-                        <a:schemeClr val="tx2">
-                          <a:lumMod val="10000"/>
-                        </a:schemeClr>
-                      </a:solidFill>
-                      <a:prstDash val="solid"/>
-                      <a:round/>
-                    </a:lnT>
-                    <a:lnB w="12700" cap="flat" cmpd="sng" algn="ctr">
-                      <a:solidFill>
-                        <a:schemeClr val="tx2">
-                          <a:lumMod val="10000"/>
-                        </a:schemeClr>
-                      </a:solidFill>
-                      <a:prstDash val="solid"/>
-                      <a:round/>
-                    </a:lnB>
-                  </a:tcPr>
-                </a:tc>
-              </a:tr>
-            </a:tbl>
-          </a:graphicData>
-        </a:graphic>
-      </p:graphicFrame>
+      </p:pic>
     </p:spTree>
   </p:cSld>
   <p:clrMapOvr>
@@ -12019,17 +12212,10 @@
       <p:transition/>
     </mc:Fallback>
   </mc:AlternateContent>
-  <p:timing>
-    <p:tnLst>
-      <p:par>
-        <p:cTn id="1" dur="indefinite" restart="never" nodeType="tmRoot"/>
-      </p:par>
-    </p:tnLst>
-  </p:timing>
 </p:sld>
 </file>
 
-<file path=ppt/slides/slide7.xml><?xml version="1.0" encoding="utf-8"?>
+<file path=ppt/slides/slide8.xml><?xml version="1.0" encoding="utf-8"?>
 <p:sld xmlns:r="http://schemas.openxmlformats.org/officeDocument/2006/relationships" xmlns:c="http://schemas.openxmlformats.org/drawingml/2006/chart" xmlns:a="http://schemas.openxmlformats.org/drawingml/2006/main" xmlns:dgm="http://schemas.openxmlformats.org/drawingml/2006/diagram" xmlns:dsp="http://schemas.microsoft.com/office/drawing/2008/diagram" xmlns:p="http://schemas.openxmlformats.org/presentationml/2006/main">
   <p:cSld>
     <p:spTree>
@@ -12048,7 +12234,7 @@
       </p:grpSpPr>
       <p:sp>
         <p:nvSpPr>
-          <p:cNvPr id="6" name="Google Shape;93;p13"/>
+          <p:cNvPr id="9" name="Google Shape;93;p13"/>
           <p:cNvSpPr txBox="1">
             <a:spLocks noGrp="1"/>
           </p:cNvSpPr>
@@ -12129,31 +12315,7 @@
                 <a:latin typeface="+mj-ea"/>
                 <a:ea typeface="+mj-ea"/>
               </a:rPr>
-              <a:t>개발 내용 </a:t>
-            </a:r>
-            <a:r>
-              <a:rPr lang="en-US" altLang="ko-KR">
-                <a:solidFill>
-                  <a:schemeClr val="tx1">
-                    <a:lumMod val="50000"/>
-                  </a:schemeClr>
-                </a:solidFill>
-                <a:latin typeface="+mj-ea"/>
-                <a:ea typeface="+mj-ea"/>
-              </a:rPr>
-              <a:t>-</a:t>
-            </a:r>
-            <a:r>
-              <a:rPr lang="ko-KR" altLang="en-US">
-                <a:solidFill>
-                  <a:schemeClr val="tx1">
-                    <a:lumMod val="50000"/>
-                  </a:schemeClr>
-                </a:solidFill>
-                <a:latin typeface="+mj-ea"/>
-                <a:ea typeface="+mj-ea"/>
-              </a:rPr>
-              <a:t> 페이지 합칠 예정</a:t>
+              <a:t>개발 내용</a:t>
             </a:r>
             <a:endParaRPr lang="ko-KR" altLang="en-US">
               <a:solidFill>
@@ -12169,7 +12331,7 @@
       </p:sp>
       <p:sp>
         <p:nvSpPr>
-          <p:cNvPr id="8" name="Google Shape;97;p13"/>
+          <p:cNvPr id="10" name="Google Shape;97;p13"/>
           <p:cNvSpPr txBox="1">
             <a:spLocks noGrp="1"/>
           </p:cNvSpPr>
@@ -12220,7 +12382,7 @@
                 <a:buNone/>
                 <a:defRPr/>
               </a:pPr>
-              <a:t>7</a:t>
+              <a:t>8</a:t>
             </a:fld>
             <a:endParaRPr lang="en-US">
               <a:solidFill>
@@ -12234,7 +12396,7 @@
       </p:sp>
       <p:sp>
         <p:nvSpPr>
-          <p:cNvPr id="17" name="Google Shape;94;p13"/>
+          <p:cNvPr id="18" name="Google Shape;94;p13"/>
           <p:cNvSpPr txBox="1"/>
           <p:nvPr/>
         </p:nvSpPr>
@@ -12283,7 +12445,7 @@
                 <a:cs typeface="Lato"/>
                 <a:sym typeface="Lato"/>
               </a:rPr>
-              <a:t>클라이언트 개발 진행 상황</a:t>
+              <a:t>클라이언트</a:t>
             </a:r>
             <a:endParaRPr xmlns:mc="http://schemas.openxmlformats.org/markup-compatibility/2006" xmlns:hp="http://schemas.haansoft.com/office/presentation/8.0" kumimoji="0" lang="ko-KR" altLang="en-US" sz="1800" b="1" i="0" u="none" strike="noStrike" kern="0" cap="none" spc="0" normalizeH="0" baseline="0" mc:Ignorable="hp" hp:hslEmbossed="0">
               <a:solidFill>
@@ -12323,7 +12485,79 @@
                 <a:cs typeface="Lato"/>
                 <a:sym typeface="Lato"/>
               </a:rPr>
-              <a:t>조명 연출</a:t>
+              <a:t>모델 로드</a:t>
+            </a:r>
+            <a:r>
+              <a:rPr xmlns:mc="http://schemas.openxmlformats.org/markup-compatibility/2006" xmlns:hp="http://schemas.haansoft.com/office/presentation/8.0" kumimoji="0" lang="en-US" altLang="ko-KR" sz="1500" b="0" i="0" u="none" strike="noStrike" kern="0" cap="none" spc="0" normalizeH="0" baseline="0" mc:Ignorable="hp" hp:hslEmbossed="0">
+                <a:solidFill>
+                  <a:srgbClr val="343a40"/>
+                </a:solidFill>
+                <a:latin typeface="Lato"/>
+                <a:ea typeface="Lato"/>
+                <a:cs typeface="Lato"/>
+                <a:sym typeface="Lato"/>
+              </a:rPr>
+              <a:t>,</a:t>
+            </a:r>
+            <a:r>
+              <a:rPr xmlns:mc="http://schemas.openxmlformats.org/markup-compatibility/2006" xmlns:hp="http://schemas.haansoft.com/office/presentation/8.0" kumimoji="0" lang="ko-KR" altLang="en-US" sz="1500" b="0" i="0" u="none" strike="noStrike" kern="0" cap="none" spc="0" normalizeH="0" baseline="0" mc:Ignorable="hp" hp:hslEmbossed="0">
+                <a:solidFill>
+                  <a:srgbClr val="343a40"/>
+                </a:solidFill>
+                <a:latin typeface="Lato"/>
+                <a:ea typeface="Lato"/>
+                <a:cs typeface="Lato"/>
+                <a:sym typeface="Lato"/>
+              </a:rPr>
+              <a:t> 애니메이션</a:t>
+            </a:r>
+            <a:r>
+              <a:rPr xmlns:mc="http://schemas.openxmlformats.org/markup-compatibility/2006" xmlns:hp="http://schemas.haansoft.com/office/presentation/8.0" kumimoji="0" lang="en-US" altLang="ko-KR" sz="1500" b="0" i="0" u="none" strike="noStrike" kern="0" cap="none" spc="0" normalizeH="0" baseline="0" mc:Ignorable="hp" hp:hslEmbossed="0">
+                <a:solidFill>
+                  <a:srgbClr val="343a40"/>
+                </a:solidFill>
+                <a:latin typeface="Lato"/>
+                <a:ea typeface="Lato"/>
+                <a:cs typeface="Lato"/>
+                <a:sym typeface="Lato"/>
+              </a:rPr>
+              <a:t>,</a:t>
+            </a:r>
+            <a:r>
+              <a:rPr xmlns:mc="http://schemas.openxmlformats.org/markup-compatibility/2006" xmlns:hp="http://schemas.haansoft.com/office/presentation/8.0" kumimoji="0" lang="ko-KR" altLang="en-US" sz="1500" b="0" i="0" u="none" strike="noStrike" kern="0" cap="none" spc="0" normalizeH="0" baseline="0" mc:Ignorable="hp" hp:hslEmbossed="0">
+                <a:solidFill>
+                  <a:srgbClr val="343a40"/>
+                </a:solidFill>
+                <a:latin typeface="Lato"/>
+                <a:ea typeface="Lato"/>
+                <a:cs typeface="Lato"/>
+                <a:sym typeface="Lato"/>
+              </a:rPr>
+              <a:t> 조명에서 문제 발생 </a:t>
+            </a:r>
+            <a:r>
+              <a:rPr xmlns:mc="http://schemas.openxmlformats.org/markup-compatibility/2006" xmlns:hp="http://schemas.haansoft.com/office/presentation/8.0" kumimoji="0" lang="en-US" altLang="ko-KR" sz="1500" b="0" i="0" u="none" strike="noStrike" kern="0" cap="none" spc="0" normalizeH="0" baseline="0" mc:Ignorable="hp" hp:hslEmbossed="0">
+                <a:solidFill>
+                  <a:srgbClr val="343a40"/>
+                </a:solidFill>
+                <a:latin typeface="Lato"/>
+                <a:ea typeface="Lato"/>
+                <a:cs typeface="Lato"/>
+                <a:sym typeface="Lato"/>
+              </a:rPr>
+              <a:t>-</a:t>
+            </a:r>
+            <a:r>
+              <a:rPr xmlns:mc="http://schemas.openxmlformats.org/markup-compatibility/2006" xmlns:hp="http://schemas.haansoft.com/office/presentation/8.0" kumimoji="0" lang="ko-KR" altLang="en-US" sz="1500" b="0" i="0" u="none" strike="noStrike" kern="0" cap="none" spc="0" normalizeH="0" baseline="0" mc:Ignorable="hp" hp:hslEmbossed="0">
+                <a:solidFill>
+                  <a:srgbClr val="343a40"/>
+                </a:solidFill>
+                <a:latin typeface="Lato"/>
+                <a:ea typeface="Lato"/>
+                <a:cs typeface="Lato"/>
+                <a:sym typeface="Lato"/>
+              </a:rPr>
+              <a:t> 현재는 해결 완료</a:t>
             </a:r>
             <a:endParaRPr xmlns:mc="http://schemas.openxmlformats.org/markup-compatibility/2006" xmlns:hp="http://schemas.haansoft.com/office/presentation/8.0" kumimoji="0" lang="ko-KR" altLang="en-US" sz="1500" b="0" i="0" u="none" strike="noStrike" kern="0" cap="none" spc="0" normalizeH="0" baseline="0" mc:Ignorable="hp" hp:hslEmbossed="0">
               <a:solidFill>
@@ -12354,7 +12588,7 @@
               <a:defRPr/>
             </a:pPr>
             <a:r>
-              <a:rPr xmlns:mc="http://schemas.openxmlformats.org/markup-compatibility/2006" xmlns:hp="http://schemas.haansoft.com/office/presentation/8.0" kumimoji="0" lang="ko-KR" altLang="en-US" sz="1500" b="0" i="0" u="none" strike="noStrike" kern="0" cap="none" spc="0" normalizeH="0" baseline="0" mc:Ignorable="hp" hp:hslEmbossed="0">
+              <a:rPr xmlns:mc="http://schemas.openxmlformats.org/markup-compatibility/2006" xmlns:hp="http://schemas.haansoft.com/office/presentation/8.0" kumimoji="0" lang="ko-KR" altLang="en-US" sz="1500" i="0" u="none" strike="noStrike" kern="0" cap="none" spc="0" normalizeH="0" baseline="0" mc:Ignorable="hp" hp:hslEmbossed="0">
                 <a:solidFill>
                   <a:srgbClr val="343a40"/>
                 </a:solidFill>
@@ -12363,7 +12597,235 @@
                 <a:cs typeface="Lato"/>
                 <a:sym typeface="Lato"/>
               </a:rPr>
-              <a:t>애니메이션 로드 </a:t>
+              <a:t>게임 로직</a:t>
+            </a:r>
+            <a:r>
+              <a:rPr xmlns:mc="http://schemas.openxmlformats.org/markup-compatibility/2006" xmlns:hp="http://schemas.haansoft.com/office/presentation/8.0" kumimoji="0" lang="en-US" altLang="ko-KR" sz="1500" i="0" u="none" strike="noStrike" kern="0" cap="none" spc="0" normalizeH="0" baseline="0" mc:Ignorable="hp" hp:hslEmbossed="0">
+                <a:solidFill>
+                  <a:srgbClr val="343a40"/>
+                </a:solidFill>
+                <a:latin typeface="Lato"/>
+                <a:ea typeface="Lato"/>
+                <a:cs typeface="Lato"/>
+                <a:sym typeface="Lato"/>
+              </a:rPr>
+              <a:t>,</a:t>
+            </a:r>
+            <a:r>
+              <a:rPr xmlns:mc="http://schemas.openxmlformats.org/markup-compatibility/2006" xmlns:hp="http://schemas.haansoft.com/office/presentation/8.0" kumimoji="0" lang="ko-KR" altLang="en-US" sz="1500" i="0" u="none" strike="noStrike" kern="0" cap="none" spc="0" normalizeH="0" baseline="0" mc:Ignorable="hp" hp:hslEmbossed="0">
+                <a:solidFill>
+                  <a:srgbClr val="343a40"/>
+                </a:solidFill>
+                <a:latin typeface="Lato"/>
+                <a:ea typeface="Lato"/>
+                <a:cs typeface="Lato"/>
+                <a:sym typeface="Lato"/>
+              </a:rPr>
+              <a:t> 셰이더 추가 작업은 </a:t>
+            </a:r>
+            <a:r>
+              <a:rPr xmlns:mc="http://schemas.openxmlformats.org/markup-compatibility/2006" xmlns:hp="http://schemas.haansoft.com/office/presentation/8.0" kumimoji="0" lang="en-US" altLang="ko-KR" sz="1500" i="0" u="none" strike="noStrike" kern="0" cap="none" spc="0" normalizeH="0" baseline="0" mc:Ignorable="hp" hp:hslEmbossed="0">
+                <a:solidFill>
+                  <a:srgbClr val="343a40"/>
+                </a:solidFill>
+                <a:latin typeface="Lato"/>
+                <a:ea typeface="Lato"/>
+                <a:cs typeface="Lato"/>
+                <a:sym typeface="Lato"/>
+              </a:rPr>
+              <a:t>6</a:t>
+            </a:r>
+            <a:r>
+              <a:rPr xmlns:mc="http://schemas.openxmlformats.org/markup-compatibility/2006" xmlns:hp="http://schemas.haansoft.com/office/presentation/8.0" kumimoji="0" lang="ko-KR" altLang="en-US" sz="1500" i="0" u="none" strike="noStrike" kern="0" cap="none" spc="0" normalizeH="0" baseline="0" mc:Ignorable="hp" hp:hslEmbossed="0">
+                <a:solidFill>
+                  <a:srgbClr val="343a40"/>
+                </a:solidFill>
+                <a:latin typeface="Lato"/>
+                <a:ea typeface="Lato"/>
+                <a:cs typeface="Lato"/>
+                <a:sym typeface="Lato"/>
+              </a:rPr>
+              <a:t> </a:t>
+            </a:r>
+            <a:r>
+              <a:rPr xmlns:mc="http://schemas.openxmlformats.org/markup-compatibility/2006" xmlns:hp="http://schemas.haansoft.com/office/presentation/8.0" kumimoji="0" lang="en-US" altLang="ko-KR" sz="1500" i="0" u="none" strike="noStrike" kern="0" cap="none" spc="0" normalizeH="0" baseline="0" mc:Ignorable="hp" hp:hslEmbossed="0">
+                <a:solidFill>
+                  <a:srgbClr val="343a40"/>
+                </a:solidFill>
+                <a:latin typeface="Lato"/>
+                <a:ea typeface="Lato"/>
+                <a:cs typeface="Lato"/>
+                <a:sym typeface="Lato"/>
+              </a:rPr>
+              <a:t>~</a:t>
+            </a:r>
+            <a:r>
+              <a:rPr xmlns:mc="http://schemas.openxmlformats.org/markup-compatibility/2006" xmlns:hp="http://schemas.haansoft.com/office/presentation/8.0" kumimoji="0" lang="ko-KR" altLang="en-US" sz="1500" i="0" u="none" strike="noStrike" kern="0" cap="none" spc="0" normalizeH="0" baseline="0" mc:Ignorable="hp" hp:hslEmbossed="0">
+                <a:solidFill>
+                  <a:srgbClr val="343a40"/>
+                </a:solidFill>
+                <a:latin typeface="Lato"/>
+                <a:ea typeface="Lato"/>
+                <a:cs typeface="Lato"/>
+                <a:sym typeface="Lato"/>
+              </a:rPr>
+              <a:t> </a:t>
+            </a:r>
+            <a:r>
+              <a:rPr xmlns:mc="http://schemas.openxmlformats.org/markup-compatibility/2006" xmlns:hp="http://schemas.haansoft.com/office/presentation/8.0" kumimoji="0" lang="en-US" altLang="ko-KR" sz="1500" i="0" u="none" strike="noStrike" kern="0" cap="none" spc="0" normalizeH="0" baseline="0" mc:Ignorable="hp" hp:hslEmbossed="0">
+                <a:solidFill>
+                  <a:srgbClr val="343a40"/>
+                </a:solidFill>
+                <a:latin typeface="Lato"/>
+                <a:ea typeface="Lato"/>
+                <a:cs typeface="Lato"/>
+                <a:sym typeface="Lato"/>
+              </a:rPr>
+              <a:t>7</a:t>
+            </a:r>
+            <a:r>
+              <a:rPr xmlns:mc="http://schemas.openxmlformats.org/markup-compatibility/2006" xmlns:hp="http://schemas.haansoft.com/office/presentation/8.0" kumimoji="0" lang="ko-KR" altLang="en-US" sz="1500" i="0" u="none" strike="noStrike" kern="0" cap="none" spc="0" normalizeH="0" baseline="0" mc:Ignorable="hp" hp:hslEmbossed="0">
+                <a:solidFill>
+                  <a:srgbClr val="343a40"/>
+                </a:solidFill>
+                <a:latin typeface="Lato"/>
+                <a:ea typeface="Lato"/>
+                <a:cs typeface="Lato"/>
+                <a:sym typeface="Lato"/>
+              </a:rPr>
+              <a:t>월까지 진행될 것으로 예상</a:t>
+            </a:r>
+            <a:endParaRPr xmlns:mc="http://schemas.openxmlformats.org/markup-compatibility/2006" xmlns:hp="http://schemas.haansoft.com/office/presentation/8.0" kumimoji="0" lang="ko-KR" altLang="en-US" sz="1500" i="0" u="none" strike="noStrike" kern="0" cap="none" spc="0" normalizeH="0" baseline="0" mc:Ignorable="hp" hp:hslEmbossed="0">
+              <a:solidFill>
+                <a:srgbClr val="343a40"/>
+              </a:solidFill>
+              <a:latin typeface="Lato"/>
+              <a:ea typeface="Lato"/>
+              <a:cs typeface="Lato"/>
+              <a:sym typeface="Lato"/>
+            </a:endParaRPr>
+          </a:p>
+          <a:p>
+            <a:pPr marL="285750" marR="0" lvl="0" indent="-285750" algn="l" rtl="0" eaLnBrk="1" latinLnBrk="0" hangingPunct="1">
+              <a:lnSpc>
+                <a:spcPct val="100000"/>
+              </a:lnSpc>
+              <a:spcBef>
+                <a:spcPts val="600"/>
+              </a:spcBef>
+              <a:spcAft>
+                <a:spcPts val="0"/>
+              </a:spcAft>
+              <a:buClr>
+                <a:srgbClr val="000000"/>
+              </a:buClr>
+              <a:buFont typeface="Arial"/>
+              <a:buChar char="-"/>
+              <a:defRPr/>
+            </a:pPr>
+            <a:endParaRPr xmlns:mc="http://schemas.openxmlformats.org/markup-compatibility/2006" xmlns:hp="http://schemas.haansoft.com/office/presentation/8.0" kumimoji="0" lang="ko-KR" altLang="en-US" sz="1500" i="0" u="none" strike="noStrike" kern="0" cap="none" spc="0" normalizeH="0" baseline="0" mc:Ignorable="hp" hp:hslEmbossed="0">
+              <a:solidFill>
+                <a:srgbClr val="343a40"/>
+              </a:solidFill>
+              <a:latin typeface="Lato"/>
+              <a:ea typeface="Lato"/>
+              <a:cs typeface="Lato"/>
+              <a:sym typeface="Lato"/>
+            </a:endParaRPr>
+          </a:p>
+          <a:p>
+            <a:pPr marL="0" marR="0" lvl="0" indent="0" algn="l" rtl="0" eaLnBrk="1" latinLnBrk="0" hangingPunct="1">
+              <a:lnSpc>
+                <a:spcPct val="100000"/>
+              </a:lnSpc>
+              <a:spcBef>
+                <a:spcPts val="600"/>
+              </a:spcBef>
+              <a:spcAft>
+                <a:spcPts val="0"/>
+              </a:spcAft>
+              <a:buClr>
+                <a:srgbClr val="000000"/>
+              </a:buClr>
+              <a:buFont typeface="Arial"/>
+              <a:buNone/>
+              <a:defRPr/>
+            </a:pPr>
+            <a:r>
+              <a:rPr xmlns:mc="http://schemas.openxmlformats.org/markup-compatibility/2006" xmlns:hp="http://schemas.haansoft.com/office/presentation/8.0" kumimoji="0" lang="ko-KR" altLang="en-US" sz="1800" b="1" i="0" u="none" strike="noStrike" kern="0" cap="none" spc="0" normalizeH="0" baseline="0" mc:Ignorable="hp" hp:hslEmbossed="0">
+                <a:solidFill>
+                  <a:srgbClr val="343a40"/>
+                </a:solidFill>
+                <a:latin typeface="Lato"/>
+                <a:ea typeface="Lato"/>
+                <a:cs typeface="Lato"/>
+                <a:sym typeface="Lato"/>
+              </a:rPr>
+              <a:t>서버</a:t>
+            </a:r>
+            <a:endParaRPr xmlns:mc="http://schemas.openxmlformats.org/markup-compatibility/2006" xmlns:hp="http://schemas.haansoft.com/office/presentation/8.0" kumimoji="0" lang="ko-KR" altLang="en-US" sz="1800" b="1" i="0" u="none" strike="noStrike" kern="0" cap="none" spc="0" normalizeH="0" baseline="0" mc:Ignorable="hp" hp:hslEmbossed="0">
+              <a:solidFill>
+                <a:srgbClr val="343a40"/>
+              </a:solidFill>
+              <a:latin typeface="Lato"/>
+              <a:ea typeface="Lato"/>
+              <a:cs typeface="Lato"/>
+              <a:sym typeface="Lato"/>
+            </a:endParaRPr>
+          </a:p>
+          <a:p>
+            <a:pPr marL="285750" marR="0" lvl="0" indent="-285750" algn="l" rtl="0" eaLnBrk="1" latinLnBrk="0" hangingPunct="1">
+              <a:lnSpc>
+                <a:spcPct val="100000"/>
+              </a:lnSpc>
+              <a:spcBef>
+                <a:spcPts val="600"/>
+              </a:spcBef>
+              <a:spcAft>
+                <a:spcPts val="0"/>
+              </a:spcAft>
+              <a:buClr>
+                <a:srgbClr val="000000"/>
+              </a:buClr>
+              <a:buFont typeface="Arial"/>
+              <a:buChar char="-"/>
+              <a:defRPr/>
+            </a:pPr>
+            <a:r>
+              <a:rPr xmlns:mc="http://schemas.openxmlformats.org/markup-compatibility/2006" xmlns:hp="http://schemas.haansoft.com/office/presentation/8.0" kumimoji="0" lang="ko-KR" altLang="en-US" sz="1500" b="0" i="0" u="none" strike="noStrike" kern="0" cap="none" spc="0" normalizeH="0" baseline="0" mc:Ignorable="hp" hp:hslEmbossed="0">
+                <a:solidFill>
+                  <a:srgbClr val="343a40"/>
+                </a:solidFill>
+                <a:latin typeface="Lato"/>
+                <a:ea typeface="Lato"/>
+                <a:cs typeface="Lato"/>
+                <a:sym typeface="Lato"/>
+              </a:rPr>
+              <a:t>다중 접속 시 스레드 문제 발생 </a:t>
+            </a:r>
+            <a:r>
+              <a:rPr xmlns:mc="http://schemas.openxmlformats.org/markup-compatibility/2006" xmlns:hp="http://schemas.haansoft.com/office/presentation/8.0" kumimoji="0" lang="en-US" altLang="ko-KR" sz="1500" b="0" i="0" u="none" strike="noStrike" kern="0" cap="none" spc="0" normalizeH="0" baseline="0" mc:Ignorable="hp" hp:hslEmbossed="0">
+                <a:solidFill>
+                  <a:srgbClr val="343a40"/>
+                </a:solidFill>
+                <a:latin typeface="Lato"/>
+                <a:ea typeface="Lato"/>
+                <a:cs typeface="Lato"/>
+                <a:sym typeface="Lato"/>
+              </a:rPr>
+              <a:t>-</a:t>
+            </a:r>
+            <a:r>
+              <a:rPr xmlns:mc="http://schemas.openxmlformats.org/markup-compatibility/2006" xmlns:hp="http://schemas.haansoft.com/office/presentation/8.0" kumimoji="0" lang="ko-KR" altLang="en-US" sz="1500" b="0" i="0" u="none" strike="noStrike" kern="0" cap="none" spc="0" normalizeH="0" baseline="0" mc:Ignorable="hp" hp:hslEmbossed="0">
+                <a:solidFill>
+                  <a:srgbClr val="343a40"/>
+                </a:solidFill>
+                <a:latin typeface="Lato"/>
+                <a:ea typeface="Lato"/>
+                <a:cs typeface="Lato"/>
+                <a:sym typeface="Lato"/>
+              </a:rPr>
+              <a:t> 현재는 해결 완료</a:t>
             </a:r>
             <a:endParaRPr xmlns:mc="http://schemas.openxmlformats.org/markup-compatibility/2006" xmlns:hp="http://schemas.haansoft.com/office/presentation/8.0" kumimoji="0" lang="ko-KR" altLang="en-US" sz="1500" b="0" i="0" u="none" strike="noStrike" kern="0" cap="none" spc="0" normalizeH="0" baseline="0" mc:Ignorable="hp" hp:hslEmbossed="0">
               <a:solidFill>
@@ -12393,194 +12855,6 @@
               <a:buChar char="-"/>
               <a:defRPr/>
             </a:pPr>
-            <a:r>
-              <a:rPr xmlns:mc="http://schemas.openxmlformats.org/markup-compatibility/2006" xmlns:hp="http://schemas.haansoft.com/office/presentation/8.0" kumimoji="0" lang="ko-KR" altLang="en-US" sz="1500" b="0" i="0" u="none" strike="noStrike" kern="0" cap="none" spc="0" normalizeH="0" baseline="0" mc:Ignorable="hp" hp:hslEmbossed="0">
-                <a:solidFill>
-                  <a:srgbClr val="343a40"/>
-                </a:solidFill>
-                <a:latin typeface="Lato"/>
-                <a:ea typeface="Lato"/>
-                <a:cs typeface="Lato"/>
-                <a:sym typeface="Lato"/>
-              </a:rPr>
-              <a:t>충돌 처리</a:t>
-            </a:r>
-            <a:endParaRPr xmlns:mc="http://schemas.openxmlformats.org/markup-compatibility/2006" xmlns:hp="http://schemas.haansoft.com/office/presentation/8.0" kumimoji="0" lang="ko-KR" altLang="en-US" sz="1500" b="0" i="0" u="none" strike="noStrike" kern="0" cap="none" spc="0" normalizeH="0" baseline="0" mc:Ignorable="hp" hp:hslEmbossed="0">
-              <a:solidFill>
-                <a:srgbClr val="343a40"/>
-              </a:solidFill>
-              <a:latin typeface="Lato"/>
-              <a:ea typeface="Lato"/>
-              <a:cs typeface="Lato"/>
-              <a:sym typeface="Lato"/>
-            </a:endParaRPr>
-          </a:p>
-          <a:p>
-            <a:pPr marL="0" marR="0" lvl="0" indent="0" algn="l" rtl="0" eaLnBrk="1" latinLnBrk="0" hangingPunct="1">
-              <a:lnSpc>
-                <a:spcPct val="100000"/>
-              </a:lnSpc>
-              <a:spcBef>
-                <a:spcPts val="600"/>
-              </a:spcBef>
-              <a:spcAft>
-                <a:spcPts val="0"/>
-              </a:spcAft>
-              <a:buClr>
-                <a:srgbClr val="000000"/>
-              </a:buClr>
-              <a:buFont typeface="Arial"/>
-              <a:buNone/>
-              <a:defRPr/>
-            </a:pPr>
-            <a:endParaRPr xmlns:mc="http://schemas.openxmlformats.org/markup-compatibility/2006" xmlns:hp="http://schemas.haansoft.com/office/presentation/8.0" kumimoji="0" lang="ko-KR" altLang="en-US" sz="1500" b="0" i="0" u="none" strike="noStrike" kern="0" cap="none" spc="0" normalizeH="0" baseline="0" mc:Ignorable="hp" hp:hslEmbossed="0">
-              <a:solidFill>
-                <a:srgbClr val="343a40"/>
-              </a:solidFill>
-              <a:latin typeface="Lato"/>
-              <a:ea typeface="Lato"/>
-              <a:cs typeface="Lato"/>
-              <a:sym typeface="Lato"/>
-            </a:endParaRPr>
-          </a:p>
-          <a:p>
-            <a:pPr marL="285750" marR="0" lvl="0" indent="-285750" algn="l" rtl="0" eaLnBrk="1" latinLnBrk="0" hangingPunct="1">
-              <a:lnSpc>
-                <a:spcPct val="100000"/>
-              </a:lnSpc>
-              <a:spcBef>
-                <a:spcPts val="600"/>
-              </a:spcBef>
-              <a:spcAft>
-                <a:spcPts val="0"/>
-              </a:spcAft>
-              <a:buClr>
-                <a:srgbClr val="000000"/>
-              </a:buClr>
-              <a:buFont typeface="Arial"/>
-              <a:buChar char="-"/>
-              <a:defRPr/>
-            </a:pPr>
-            <a:endParaRPr xmlns:mc="http://schemas.openxmlformats.org/markup-compatibility/2006" xmlns:hp="http://schemas.haansoft.com/office/presentation/8.0" kumimoji="0" lang="ko-KR" altLang="en-US" sz="1500" b="0" i="0" u="none" strike="noStrike" kern="0" cap="none" spc="0" normalizeH="0" baseline="0" mc:Ignorable="hp" hp:hslEmbossed="0">
-              <a:solidFill>
-                <a:srgbClr val="343a40"/>
-              </a:solidFill>
-              <a:latin typeface="Lato"/>
-              <a:ea typeface="Lato"/>
-              <a:cs typeface="Lato"/>
-              <a:sym typeface="Lato"/>
-            </a:endParaRPr>
-          </a:p>
-          <a:p>
-            <a:pPr marL="0" marR="0" lvl="0" indent="0" algn="l" rtl="0" eaLnBrk="1" latinLnBrk="0" hangingPunct="1">
-              <a:lnSpc>
-                <a:spcPct val="100000"/>
-              </a:lnSpc>
-              <a:spcBef>
-                <a:spcPts val="600"/>
-              </a:spcBef>
-              <a:spcAft>
-                <a:spcPts val="0"/>
-              </a:spcAft>
-              <a:buClr>
-                <a:srgbClr val="000000"/>
-              </a:buClr>
-              <a:buFont typeface="Arial"/>
-              <a:buNone/>
-              <a:defRPr/>
-            </a:pPr>
-            <a:r>
-              <a:rPr xmlns:mc="http://schemas.openxmlformats.org/markup-compatibility/2006" xmlns:hp="http://schemas.haansoft.com/office/presentation/8.0" kumimoji="0" lang="ko-KR" altLang="en-US" sz="1800" b="1" i="0" u="none" strike="noStrike" kern="0" cap="none" spc="0" normalizeH="0" baseline="0" mc:Ignorable="hp" hp:hslEmbossed="0">
-                <a:solidFill>
-                  <a:srgbClr val="343a40"/>
-                </a:solidFill>
-                <a:latin typeface="Lato"/>
-                <a:ea typeface="Lato"/>
-                <a:cs typeface="Lato"/>
-                <a:sym typeface="Lato"/>
-              </a:rPr>
-              <a:t>서버 개발 진행 상황</a:t>
-            </a:r>
-            <a:endParaRPr xmlns:mc="http://schemas.openxmlformats.org/markup-compatibility/2006" xmlns:hp="http://schemas.haansoft.com/office/presentation/8.0" kumimoji="0" lang="ko-KR" altLang="en-US" sz="1800" b="1" i="0" u="none" strike="noStrike" kern="0" cap="none" spc="0" normalizeH="0" baseline="0" mc:Ignorable="hp" hp:hslEmbossed="0">
-              <a:solidFill>
-                <a:srgbClr val="343a40"/>
-              </a:solidFill>
-              <a:latin typeface="Lato"/>
-              <a:ea typeface="Lato"/>
-              <a:cs typeface="Lato"/>
-              <a:sym typeface="Lato"/>
-            </a:endParaRPr>
-          </a:p>
-          <a:p>
-            <a:pPr marL="285750" marR="0" lvl="0" indent="-285750" algn="l" rtl="0" eaLnBrk="1" latinLnBrk="0" hangingPunct="1">
-              <a:lnSpc>
-                <a:spcPct val="100000"/>
-              </a:lnSpc>
-              <a:spcBef>
-                <a:spcPts val="600"/>
-              </a:spcBef>
-              <a:spcAft>
-                <a:spcPts val="0"/>
-              </a:spcAft>
-              <a:buClr>
-                <a:srgbClr val="000000"/>
-              </a:buClr>
-              <a:buFont typeface="Arial"/>
-              <a:buChar char="-"/>
-              <a:defRPr/>
-            </a:pPr>
-            <a:r>
-              <a:rPr xmlns:mc="http://schemas.openxmlformats.org/markup-compatibility/2006" xmlns:hp="http://schemas.haansoft.com/office/presentation/8.0" kumimoji="0" lang="ko-KR" altLang="en-US" sz="1500" b="0" i="0" u="none" strike="noStrike" kern="0" cap="none" spc="0" normalizeH="0" baseline="0" mc:Ignorable="hp" hp:hslEmbossed="0">
-                <a:solidFill>
-                  <a:srgbClr val="343a40"/>
-                </a:solidFill>
-                <a:latin typeface="Lato"/>
-                <a:ea typeface="Lato"/>
-                <a:cs typeface="Lato"/>
-                <a:sym typeface="Lato"/>
-              </a:rPr>
-              <a:t>충돌 처리</a:t>
-            </a:r>
-            <a:endParaRPr xmlns:mc="http://schemas.openxmlformats.org/markup-compatibility/2006" xmlns:hp="http://schemas.haansoft.com/office/presentation/8.0" kumimoji="0" lang="ko-KR" altLang="en-US" sz="1500" b="0" i="0" u="none" strike="noStrike" kern="0" cap="none" spc="0" normalizeH="0" baseline="0" mc:Ignorable="hp" hp:hslEmbossed="0">
-              <a:solidFill>
-                <a:srgbClr val="343a40"/>
-              </a:solidFill>
-              <a:latin typeface="Lato"/>
-              <a:ea typeface="Lato"/>
-              <a:cs typeface="Lato"/>
-              <a:sym typeface="Lato"/>
-            </a:endParaRPr>
-          </a:p>
-          <a:p>
-            <a:pPr marL="285750" marR="0" lvl="0" indent="-285750" algn="l" rtl="0" eaLnBrk="1" latinLnBrk="0" hangingPunct="1">
-              <a:lnSpc>
-                <a:spcPct val="100000"/>
-              </a:lnSpc>
-              <a:spcBef>
-                <a:spcPts val="600"/>
-              </a:spcBef>
-              <a:spcAft>
-                <a:spcPts val="0"/>
-              </a:spcAft>
-              <a:buClr>
-                <a:srgbClr val="000000"/>
-              </a:buClr>
-              <a:buFont typeface="Arial"/>
-              <a:buChar char="-"/>
-              <a:defRPr/>
-            </a:pPr>
-            <a:r>
-              <a:rPr xmlns:mc="http://schemas.openxmlformats.org/markup-compatibility/2006" xmlns:hp="http://schemas.haansoft.com/office/presentation/8.0" kumimoji="0" lang="ko-KR" altLang="en-US" sz="1500" b="0" i="0" u="none" strike="noStrike" kern="0" cap="none" spc="0" normalizeH="0" baseline="0" mc:Ignorable="hp" hp:hslEmbossed="0">
-                <a:solidFill>
-                  <a:srgbClr val="343a40"/>
-                </a:solidFill>
-                <a:latin typeface="Lato"/>
-                <a:ea typeface="Lato"/>
-                <a:cs typeface="Lato"/>
-                <a:sym typeface="Lato"/>
-              </a:rPr>
-              <a:t>멀티 스레딩</a:t>
-            </a:r>
             <a:endParaRPr xmlns:mc="http://schemas.openxmlformats.org/markup-compatibility/2006" xmlns:hp="http://schemas.haansoft.com/office/presentation/8.0" kumimoji="0" lang="ko-KR" altLang="en-US" sz="1500" b="0" i="0" u="none" strike="noStrike" kern="0" cap="none" spc="0" normalizeH="0" baseline="0" mc:Ignorable="hp" hp:hslEmbossed="0">
               <a:solidFill>
                 <a:srgbClr val="343a40"/>
@@ -12609,7 +12883,7 @@
 </p:sld>
 </file>
 
-<file path=ppt/slides/slide8.xml><?xml version="1.0" encoding="utf-8"?>
+<file path=ppt/slides/slide9.xml><?xml version="1.0" encoding="utf-8"?>
 <p:sld xmlns:r="http://schemas.openxmlformats.org/officeDocument/2006/relationships" xmlns:c="http://schemas.openxmlformats.org/drawingml/2006/chart" xmlns:a="http://schemas.openxmlformats.org/drawingml/2006/main" xmlns:dgm="http://schemas.openxmlformats.org/drawingml/2006/diagram" xmlns:dsp="http://schemas.microsoft.com/office/drawing/2008/diagram" xmlns:p="http://schemas.openxmlformats.org/presentationml/2006/main">
   <p:cSld>
     <p:spTree>
@@ -14294,686 +14568,6 @@
 </p:sld>
 </file>
 
-<file path=ppt/slides/slide9.xml><?xml version="1.0" encoding="utf-8"?>
-<p:sld xmlns:r="http://schemas.openxmlformats.org/officeDocument/2006/relationships" xmlns:c="http://schemas.openxmlformats.org/drawingml/2006/chart" xmlns:a="http://schemas.openxmlformats.org/drawingml/2006/main" xmlns:dgm="http://schemas.openxmlformats.org/drawingml/2006/diagram" xmlns:dsp="http://schemas.microsoft.com/office/drawing/2008/diagram" xmlns:p="http://schemas.openxmlformats.org/presentationml/2006/main">
-  <p:cSld>
-    <p:spTree>
-      <p:nvGrpSpPr>
-        <p:cNvPr id="1" name=""/>
-        <p:cNvGrpSpPr/>
-        <p:nvPr/>
-      </p:nvGrpSpPr>
-      <p:grpSpPr>
-        <a:xfrm>
-          <a:off x="0" y="0"/>
-          <a:ext cx="0" cy="0"/>
-          <a:chOff x="0" y="0"/>
-          <a:chExt cx="0" cy="0"/>
-        </a:xfrm>
-      </p:grpSpPr>
-      <p:sp>
-        <p:nvSpPr>
-          <p:cNvPr id="9" name="Google Shape;93;p13"/>
-          <p:cNvSpPr txBox="1">
-            <a:spLocks noGrp="1"/>
-          </p:cNvSpPr>
-          <p:nvPr>
-            <p:ph type="title" idx="0"/>
-          </p:nvPr>
-        </p:nvSpPr>
-        <p:spPr>
-          <a:xfrm>
-            <a:off x="893700" y="434588"/>
-            <a:ext cx="7628100" cy="857400"/>
-          </a:xfrm>
-          <a:prstGeom prst="rect">
-            <a:avLst/>
-          </a:prstGeom>
-          <a:solidFill>
-            <a:schemeClr val="bg1">
-              <a:lumMod val="95000"/>
-            </a:schemeClr>
-          </a:solidFill>
-          <a:ln>
-            <a:solidFill>
-              <a:schemeClr val="tx2">
-                <a:lumMod val="10000"/>
-              </a:schemeClr>
-            </a:solidFill>
-          </a:ln>
-        </p:spPr>
-        <p:style>
-          <a:lnRef idx="2">
-            <a:schemeClr val="dk1"/>
-          </a:lnRef>
-          <a:fillRef idx="1">
-            <a:schemeClr val="lt1"/>
-          </a:fillRef>
-          <a:effectRef idx="0">
-            <a:schemeClr val="dk1"/>
-          </a:effectRef>
-          <a:fontRef idx="minor">
-            <a:schemeClr val="dk1"/>
-          </a:fontRef>
-        </p:style>
-        <p:txBody>
-          <a:bodyPr wrap="square" lIns="91424" tIns="91424" rIns="91424" bIns="91424" anchor="ctr" anchorCtr="0">
-            <a:noAutofit/>
-          </a:bodyPr>
-          <a:lstStyle/>
-          <a:p>
-            <a:pPr marL="0" lvl="0" indent="0" algn="l" rtl="0">
-              <a:spcBef>
-                <a:spcPts val="0"/>
-              </a:spcBef>
-              <a:spcAft>
-                <a:spcPts val="0"/>
-              </a:spcAft>
-              <a:buNone/>
-              <a:defRPr/>
-            </a:pPr>
-            <a:r>
-              <a:rPr lang="en-US" altLang="ko-KR">
-                <a:solidFill>
-                  <a:schemeClr val="tx1">
-                    <a:lumMod val="50000"/>
-                  </a:schemeClr>
-                </a:solidFill>
-                <a:latin typeface="+mj-ea"/>
-                <a:ea typeface="+mj-ea"/>
-              </a:rPr>
-              <a:t>6. </a:t>
-            </a:r>
-            <a:r>
-              <a:rPr lang="ko-KR" altLang="en-US">
-                <a:solidFill>
-                  <a:schemeClr val="tx1">
-                    <a:lumMod val="50000"/>
-                  </a:schemeClr>
-                </a:solidFill>
-                <a:latin typeface="+mj-ea"/>
-                <a:ea typeface="+mj-ea"/>
-              </a:rPr>
-              <a:t>문제점 및 보완책</a:t>
-            </a:r>
-            <a:endParaRPr lang="ko-KR" altLang="en-US">
-              <a:solidFill>
-                <a:schemeClr val="tx1">
-                  <a:lumMod val="50000"/>
-                </a:schemeClr>
-              </a:solidFill>
-              <a:latin typeface="+mj-ea"/>
-              <a:ea typeface="+mj-ea"/>
-            </a:endParaRPr>
-          </a:p>
-        </p:txBody>
-      </p:sp>
-      <p:sp>
-        <p:nvSpPr>
-          <p:cNvPr id="10" name="Google Shape;97;p13"/>
-          <p:cNvSpPr txBox="1">
-            <a:spLocks noGrp="1"/>
-          </p:cNvSpPr>
-          <p:nvPr>
-            <p:ph type="sldNum" idx="12"/>
-          </p:nvPr>
-        </p:nvSpPr>
-        <p:spPr>
-          <a:xfrm>
-            <a:off x="8480575" y="4696933"/>
-            <a:ext cx="548700" cy="313500"/>
-          </a:xfrm>
-          <a:prstGeom prst="rect">
-            <a:avLst/>
-          </a:prstGeom>
-        </p:spPr>
-        <p:txBody>
-          <a:bodyPr wrap="square" lIns="91424" tIns="91424" rIns="91424" bIns="91424" anchor="t" anchorCtr="0">
-            <a:noAutofit/>
-          </a:bodyPr>
-          <a:lstStyle/>
-          <a:p>
-            <a:pPr marL="0" lvl="0" indent="0" algn="r" rtl="0">
-              <a:spcBef>
-                <a:spcPts val="0"/>
-              </a:spcBef>
-              <a:spcAft>
-                <a:spcPts val="0"/>
-              </a:spcAft>
-              <a:buNone/>
-              <a:defRPr/>
-            </a:pPr>
-            <a:fld id="{00000000-1234-1234-1234-123412341234}" type="slidenum">
-              <a:rPr lang="en-US">
-                <a:solidFill>
-                  <a:schemeClr val="tx1">
-                    <a:lumMod val="50000"/>
-                  </a:schemeClr>
-                </a:solidFill>
-              </a:rPr>
-              <a:pPr marL="0" lvl="0" indent="0" algn="r" rtl="0">
-                <a:spcBef>
-                  <a:spcPts val="0"/>
-                </a:spcBef>
-                <a:spcAft>
-                  <a:spcPts val="0"/>
-                </a:spcAft>
-                <a:buNone/>
-                <a:defRPr/>
-              </a:pPr>
-              <a:t>9</a:t>
-            </a:fld>
-            <a:endParaRPr lang="en-US">
-              <a:solidFill>
-                <a:schemeClr val="tx1">
-                  <a:lumMod val="50000"/>
-                </a:schemeClr>
-              </a:solidFill>
-            </a:endParaRPr>
-          </a:p>
-        </p:txBody>
-      </p:sp>
-      <p:sp>
-        <p:nvSpPr>
-          <p:cNvPr id="18" name="Google Shape;94;p13"/>
-          <p:cNvSpPr txBox="1"/>
-          <p:nvPr/>
-        </p:nvSpPr>
-        <p:spPr>
-          <a:xfrm>
-            <a:off x="893830" y="1542096"/>
-            <a:ext cx="7638740" cy="3280597"/>
-          </a:xfrm>
-          <a:prstGeom prst="rect">
-            <a:avLst/>
-          </a:prstGeom>
-          <a:noFill/>
-          <a:ln>
-            <a:noFill/>
-          </a:ln>
-        </p:spPr>
-        <p:txBody>
-          <a:bodyPr wrap="square" lIns="91424" tIns="91424" rIns="91424" bIns="91424" anchor="t" anchorCtr="0">
-            <a:noAutofit/>
-          </a:bodyPr>
-          <a:p>
-            <a:pPr marL="0" marR="0" lvl="0" indent="0" algn="l" rtl="0" eaLnBrk="1" latinLnBrk="0" hangingPunct="1">
-              <a:lnSpc>
-                <a:spcPct val="100000"/>
-              </a:lnSpc>
-              <a:spcBef>
-                <a:spcPts val="600"/>
-              </a:spcBef>
-              <a:spcAft>
-                <a:spcPts val="0"/>
-              </a:spcAft>
-              <a:buClr>
-                <a:srgbClr val="000000"/>
-              </a:buClr>
-              <a:buFont typeface="Arial"/>
-              <a:buNone/>
-              <a:defRPr/>
-            </a:pPr>
-            <a:r>
-              <a:rPr xmlns:mc="http://schemas.openxmlformats.org/markup-compatibility/2006" xmlns:hp="http://schemas.haansoft.com/office/presentation/8.0" kumimoji="0" lang="ko-KR" altLang="en-US" sz="1800" b="1" i="0" u="none" strike="noStrike" kern="0" cap="none" spc="0" normalizeH="0" baseline="0" mc:Ignorable="hp" hp:hslEmbossed="0">
-                <a:solidFill>
-                  <a:srgbClr val="343a40"/>
-                </a:solidFill>
-                <a:latin typeface="Lato"/>
-                <a:ea typeface="Lato"/>
-                <a:cs typeface="Lato"/>
-                <a:sym typeface="Lato"/>
-              </a:rPr>
-              <a:t>클라이언트</a:t>
-            </a:r>
-            <a:endParaRPr xmlns:mc="http://schemas.openxmlformats.org/markup-compatibility/2006" xmlns:hp="http://schemas.haansoft.com/office/presentation/8.0" kumimoji="0" lang="ko-KR" altLang="en-US" sz="1800" b="1" i="0" u="none" strike="noStrike" kern="0" cap="none" spc="0" normalizeH="0" baseline="0" mc:Ignorable="hp" hp:hslEmbossed="0">
-              <a:solidFill>
-                <a:srgbClr val="343a40"/>
-              </a:solidFill>
-              <a:latin typeface="Lato"/>
-              <a:ea typeface="Lato"/>
-              <a:cs typeface="Lato"/>
-              <a:sym typeface="Lato"/>
-            </a:endParaRPr>
-          </a:p>
-          <a:p>
-            <a:pPr marL="285750" marR="0" lvl="0" indent="-285750" algn="l" rtl="0" eaLnBrk="1" latinLnBrk="0" hangingPunct="1">
-              <a:lnSpc>
-                <a:spcPct val="100000"/>
-              </a:lnSpc>
-              <a:spcBef>
-                <a:spcPts val="600"/>
-              </a:spcBef>
-              <a:spcAft>
-                <a:spcPts val="0"/>
-              </a:spcAft>
-              <a:buClr>
-                <a:srgbClr val="000000"/>
-              </a:buClr>
-              <a:buFont typeface="Arial"/>
-              <a:buChar char="-"/>
-              <a:defRPr/>
-            </a:pPr>
-            <a:r>
-              <a:rPr xmlns:mc="http://schemas.openxmlformats.org/markup-compatibility/2006" xmlns:hp="http://schemas.haansoft.com/office/presentation/8.0" kumimoji="0" lang="ko-KR" altLang="en-US" sz="1500" b="0" i="0" u="none" strike="noStrike" kern="0" cap="none" spc="0" normalizeH="0" baseline="0" mc:Ignorable="hp" hp:hslEmbossed="0">
-                <a:solidFill>
-                  <a:srgbClr val="343a40"/>
-                </a:solidFill>
-                <a:latin typeface="Lato"/>
-                <a:ea typeface="Lato"/>
-                <a:cs typeface="Lato"/>
-                <a:sym typeface="Lato"/>
-              </a:rPr>
-              <a:t>모델 로드</a:t>
-            </a:r>
-            <a:r>
-              <a:rPr xmlns:mc="http://schemas.openxmlformats.org/markup-compatibility/2006" xmlns:hp="http://schemas.haansoft.com/office/presentation/8.0" kumimoji="0" lang="en-US" altLang="ko-KR" sz="1500" b="0" i="0" u="none" strike="noStrike" kern="0" cap="none" spc="0" normalizeH="0" baseline="0" mc:Ignorable="hp" hp:hslEmbossed="0">
-                <a:solidFill>
-                  <a:srgbClr val="343a40"/>
-                </a:solidFill>
-                <a:latin typeface="Lato"/>
-                <a:ea typeface="Lato"/>
-                <a:cs typeface="Lato"/>
-                <a:sym typeface="Lato"/>
-              </a:rPr>
-              <a:t>,</a:t>
-            </a:r>
-            <a:r>
-              <a:rPr xmlns:mc="http://schemas.openxmlformats.org/markup-compatibility/2006" xmlns:hp="http://schemas.haansoft.com/office/presentation/8.0" kumimoji="0" lang="ko-KR" altLang="en-US" sz="1500" b="0" i="0" u="none" strike="noStrike" kern="0" cap="none" spc="0" normalizeH="0" baseline="0" mc:Ignorable="hp" hp:hslEmbossed="0">
-                <a:solidFill>
-                  <a:srgbClr val="343a40"/>
-                </a:solidFill>
-                <a:latin typeface="Lato"/>
-                <a:ea typeface="Lato"/>
-                <a:cs typeface="Lato"/>
-                <a:sym typeface="Lato"/>
-              </a:rPr>
-              <a:t> 애니메이션</a:t>
-            </a:r>
-            <a:r>
-              <a:rPr xmlns:mc="http://schemas.openxmlformats.org/markup-compatibility/2006" xmlns:hp="http://schemas.haansoft.com/office/presentation/8.0" kumimoji="0" lang="en-US" altLang="ko-KR" sz="1500" b="0" i="0" u="none" strike="noStrike" kern="0" cap="none" spc="0" normalizeH="0" baseline="0" mc:Ignorable="hp" hp:hslEmbossed="0">
-                <a:solidFill>
-                  <a:srgbClr val="343a40"/>
-                </a:solidFill>
-                <a:latin typeface="Lato"/>
-                <a:ea typeface="Lato"/>
-                <a:cs typeface="Lato"/>
-                <a:sym typeface="Lato"/>
-              </a:rPr>
-              <a:t>,</a:t>
-            </a:r>
-            <a:r>
-              <a:rPr xmlns:mc="http://schemas.openxmlformats.org/markup-compatibility/2006" xmlns:hp="http://schemas.haansoft.com/office/presentation/8.0" kumimoji="0" lang="ko-KR" altLang="en-US" sz="1500" b="0" i="0" u="none" strike="noStrike" kern="0" cap="none" spc="0" normalizeH="0" baseline="0" mc:Ignorable="hp" hp:hslEmbossed="0">
-                <a:solidFill>
-                  <a:srgbClr val="343a40"/>
-                </a:solidFill>
-                <a:latin typeface="Lato"/>
-                <a:ea typeface="Lato"/>
-                <a:cs typeface="Lato"/>
-                <a:sym typeface="Lato"/>
-              </a:rPr>
-              <a:t> 조명에서 문제 발생 </a:t>
-            </a:r>
-            <a:r>
-              <a:rPr xmlns:mc="http://schemas.openxmlformats.org/markup-compatibility/2006" xmlns:hp="http://schemas.haansoft.com/office/presentation/8.0" kumimoji="0" lang="en-US" altLang="ko-KR" sz="1500" b="0" i="0" u="none" strike="noStrike" kern="0" cap="none" spc="0" normalizeH="0" baseline="0" mc:Ignorable="hp" hp:hslEmbossed="0">
-                <a:solidFill>
-                  <a:srgbClr val="343a40"/>
-                </a:solidFill>
-                <a:latin typeface="Lato"/>
-                <a:ea typeface="Lato"/>
-                <a:cs typeface="Lato"/>
-                <a:sym typeface="Lato"/>
-              </a:rPr>
-              <a:t>-</a:t>
-            </a:r>
-            <a:r>
-              <a:rPr xmlns:mc="http://schemas.openxmlformats.org/markup-compatibility/2006" xmlns:hp="http://schemas.haansoft.com/office/presentation/8.0" kumimoji="0" lang="ko-KR" altLang="en-US" sz="1500" b="0" i="0" u="none" strike="noStrike" kern="0" cap="none" spc="0" normalizeH="0" baseline="0" mc:Ignorable="hp" hp:hslEmbossed="0">
-                <a:solidFill>
-                  <a:srgbClr val="343a40"/>
-                </a:solidFill>
-                <a:latin typeface="Lato"/>
-                <a:ea typeface="Lato"/>
-                <a:cs typeface="Lato"/>
-                <a:sym typeface="Lato"/>
-              </a:rPr>
-              <a:t> 현재는 해결 완료</a:t>
-            </a:r>
-            <a:endParaRPr xmlns:mc="http://schemas.openxmlformats.org/markup-compatibility/2006" xmlns:hp="http://schemas.haansoft.com/office/presentation/8.0" kumimoji="0" lang="ko-KR" altLang="en-US" sz="1500" b="0" i="0" u="none" strike="noStrike" kern="0" cap="none" spc="0" normalizeH="0" baseline="0" mc:Ignorable="hp" hp:hslEmbossed="0">
-              <a:solidFill>
-                <a:srgbClr val="343a40"/>
-              </a:solidFill>
-              <a:latin typeface="Lato"/>
-              <a:ea typeface="Lato"/>
-              <a:cs typeface="Lato"/>
-              <a:sym typeface="Lato"/>
-            </a:endParaRPr>
-          </a:p>
-          <a:p>
-            <a:pPr marL="285750" marR="0" lvl="0" indent="-285750" algn="l" rtl="0" eaLnBrk="1" latinLnBrk="0" hangingPunct="1">
-              <a:lnSpc>
-                <a:spcPct val="100000"/>
-              </a:lnSpc>
-              <a:spcBef>
-                <a:spcPts val="600"/>
-              </a:spcBef>
-              <a:spcAft>
-                <a:spcPts val="0"/>
-              </a:spcAft>
-              <a:buClr>
-                <a:srgbClr val="000000"/>
-              </a:buClr>
-              <a:buFont typeface="Arial"/>
-              <a:buChar char="-"/>
-              <a:defRPr/>
-            </a:pPr>
-            <a:r>
-              <a:rPr xmlns:mc="http://schemas.openxmlformats.org/markup-compatibility/2006" xmlns:hp="http://schemas.haansoft.com/office/presentation/8.0" kumimoji="0" lang="ko-KR" altLang="en-US" sz="1500" i="0" u="none" strike="noStrike" kern="0" cap="none" spc="0" normalizeH="0" baseline="0" mc:Ignorable="hp" hp:hslEmbossed="0">
-                <a:solidFill>
-                  <a:srgbClr val="343a40"/>
-                </a:solidFill>
-                <a:latin typeface="Lato"/>
-                <a:ea typeface="Lato"/>
-                <a:cs typeface="Lato"/>
-                <a:sym typeface="Lato"/>
-              </a:rPr>
-              <a:t>게임 로직</a:t>
-            </a:r>
-            <a:r>
-              <a:rPr xmlns:mc="http://schemas.openxmlformats.org/markup-compatibility/2006" xmlns:hp="http://schemas.haansoft.com/office/presentation/8.0" kumimoji="0" lang="en-US" altLang="ko-KR" sz="1500" i="0" u="none" strike="noStrike" kern="0" cap="none" spc="0" normalizeH="0" baseline="0" mc:Ignorable="hp" hp:hslEmbossed="0">
-                <a:solidFill>
-                  <a:srgbClr val="343a40"/>
-                </a:solidFill>
-                <a:latin typeface="Lato"/>
-                <a:ea typeface="Lato"/>
-                <a:cs typeface="Lato"/>
-                <a:sym typeface="Lato"/>
-              </a:rPr>
-              <a:t>,</a:t>
-            </a:r>
-            <a:r>
-              <a:rPr xmlns:mc="http://schemas.openxmlformats.org/markup-compatibility/2006" xmlns:hp="http://schemas.haansoft.com/office/presentation/8.0" kumimoji="0" lang="ko-KR" altLang="en-US" sz="1500" i="0" u="none" strike="noStrike" kern="0" cap="none" spc="0" normalizeH="0" baseline="0" mc:Ignorable="hp" hp:hslEmbossed="0">
-                <a:solidFill>
-                  <a:srgbClr val="343a40"/>
-                </a:solidFill>
-                <a:latin typeface="Lato"/>
-                <a:ea typeface="Lato"/>
-                <a:cs typeface="Lato"/>
-                <a:sym typeface="Lato"/>
-              </a:rPr>
-              <a:t> 셰이더 추가 작업은 </a:t>
-            </a:r>
-            <a:r>
-              <a:rPr xmlns:mc="http://schemas.openxmlformats.org/markup-compatibility/2006" xmlns:hp="http://schemas.haansoft.com/office/presentation/8.0" kumimoji="0" lang="en-US" altLang="ko-KR" sz="1500" i="0" u="none" strike="noStrike" kern="0" cap="none" spc="0" normalizeH="0" baseline="0" mc:Ignorable="hp" hp:hslEmbossed="0">
-                <a:solidFill>
-                  <a:srgbClr val="343a40"/>
-                </a:solidFill>
-                <a:latin typeface="Lato"/>
-                <a:ea typeface="Lato"/>
-                <a:cs typeface="Lato"/>
-                <a:sym typeface="Lato"/>
-              </a:rPr>
-              <a:t>6</a:t>
-            </a:r>
-            <a:r>
-              <a:rPr xmlns:mc="http://schemas.openxmlformats.org/markup-compatibility/2006" xmlns:hp="http://schemas.haansoft.com/office/presentation/8.0" kumimoji="0" lang="ko-KR" altLang="en-US" sz="1500" i="0" u="none" strike="noStrike" kern="0" cap="none" spc="0" normalizeH="0" baseline="0" mc:Ignorable="hp" hp:hslEmbossed="0">
-                <a:solidFill>
-                  <a:srgbClr val="343a40"/>
-                </a:solidFill>
-                <a:latin typeface="Lato"/>
-                <a:ea typeface="Lato"/>
-                <a:cs typeface="Lato"/>
-                <a:sym typeface="Lato"/>
-              </a:rPr>
-              <a:t> </a:t>
-            </a:r>
-            <a:r>
-              <a:rPr xmlns:mc="http://schemas.openxmlformats.org/markup-compatibility/2006" xmlns:hp="http://schemas.haansoft.com/office/presentation/8.0" kumimoji="0" lang="en-US" altLang="ko-KR" sz="1500" i="0" u="none" strike="noStrike" kern="0" cap="none" spc="0" normalizeH="0" baseline="0" mc:Ignorable="hp" hp:hslEmbossed="0">
-                <a:solidFill>
-                  <a:srgbClr val="343a40"/>
-                </a:solidFill>
-                <a:latin typeface="Lato"/>
-                <a:ea typeface="Lato"/>
-                <a:cs typeface="Lato"/>
-                <a:sym typeface="Lato"/>
-              </a:rPr>
-              <a:t>~</a:t>
-            </a:r>
-            <a:r>
-              <a:rPr xmlns:mc="http://schemas.openxmlformats.org/markup-compatibility/2006" xmlns:hp="http://schemas.haansoft.com/office/presentation/8.0" kumimoji="0" lang="ko-KR" altLang="en-US" sz="1500" i="0" u="none" strike="noStrike" kern="0" cap="none" spc="0" normalizeH="0" baseline="0" mc:Ignorable="hp" hp:hslEmbossed="0">
-                <a:solidFill>
-                  <a:srgbClr val="343a40"/>
-                </a:solidFill>
-                <a:latin typeface="Lato"/>
-                <a:ea typeface="Lato"/>
-                <a:cs typeface="Lato"/>
-                <a:sym typeface="Lato"/>
-              </a:rPr>
-              <a:t> </a:t>
-            </a:r>
-            <a:r>
-              <a:rPr xmlns:mc="http://schemas.openxmlformats.org/markup-compatibility/2006" xmlns:hp="http://schemas.haansoft.com/office/presentation/8.0" kumimoji="0" lang="en-US" altLang="ko-KR" sz="1500" i="0" u="none" strike="noStrike" kern="0" cap="none" spc="0" normalizeH="0" baseline="0" mc:Ignorable="hp" hp:hslEmbossed="0">
-                <a:solidFill>
-                  <a:srgbClr val="343a40"/>
-                </a:solidFill>
-                <a:latin typeface="Lato"/>
-                <a:ea typeface="Lato"/>
-                <a:cs typeface="Lato"/>
-                <a:sym typeface="Lato"/>
-              </a:rPr>
-              <a:t>7</a:t>
-            </a:r>
-            <a:r>
-              <a:rPr xmlns:mc="http://schemas.openxmlformats.org/markup-compatibility/2006" xmlns:hp="http://schemas.haansoft.com/office/presentation/8.0" kumimoji="0" lang="ko-KR" altLang="en-US" sz="1500" i="0" u="none" strike="noStrike" kern="0" cap="none" spc="0" normalizeH="0" baseline="0" mc:Ignorable="hp" hp:hslEmbossed="0">
-                <a:solidFill>
-                  <a:srgbClr val="343a40"/>
-                </a:solidFill>
-                <a:latin typeface="Lato"/>
-                <a:ea typeface="Lato"/>
-                <a:cs typeface="Lato"/>
-                <a:sym typeface="Lato"/>
-              </a:rPr>
-              <a:t>월까지 진행될 것으로 예상</a:t>
-            </a:r>
-            <a:endParaRPr xmlns:mc="http://schemas.openxmlformats.org/markup-compatibility/2006" xmlns:hp="http://schemas.haansoft.com/office/presentation/8.0" kumimoji="0" lang="ko-KR" altLang="en-US" sz="1500" i="0" u="none" strike="noStrike" kern="0" cap="none" spc="0" normalizeH="0" baseline="0" mc:Ignorable="hp" hp:hslEmbossed="0">
-              <a:solidFill>
-                <a:srgbClr val="343a40"/>
-              </a:solidFill>
-              <a:latin typeface="Lato"/>
-              <a:ea typeface="Lato"/>
-              <a:cs typeface="Lato"/>
-              <a:sym typeface="Lato"/>
-            </a:endParaRPr>
-          </a:p>
-          <a:p>
-            <a:pPr marL="285750" marR="0" lvl="0" indent="-285750" algn="l" rtl="0" eaLnBrk="1" latinLnBrk="0" hangingPunct="1">
-              <a:lnSpc>
-                <a:spcPct val="100000"/>
-              </a:lnSpc>
-              <a:spcBef>
-                <a:spcPts val="600"/>
-              </a:spcBef>
-              <a:spcAft>
-                <a:spcPts val="0"/>
-              </a:spcAft>
-              <a:buClr>
-                <a:srgbClr val="000000"/>
-              </a:buClr>
-              <a:buFont typeface="Arial"/>
-              <a:buChar char="-"/>
-              <a:defRPr/>
-            </a:pPr>
-            <a:endParaRPr xmlns:mc="http://schemas.openxmlformats.org/markup-compatibility/2006" xmlns:hp="http://schemas.haansoft.com/office/presentation/8.0" kumimoji="0" lang="ko-KR" altLang="en-US" sz="1500" i="0" u="none" strike="noStrike" kern="0" cap="none" spc="0" normalizeH="0" baseline="0" mc:Ignorable="hp" hp:hslEmbossed="0">
-              <a:solidFill>
-                <a:srgbClr val="343a40"/>
-              </a:solidFill>
-              <a:latin typeface="Lato"/>
-              <a:ea typeface="Lato"/>
-              <a:cs typeface="Lato"/>
-              <a:sym typeface="Lato"/>
-            </a:endParaRPr>
-          </a:p>
-          <a:p>
-            <a:pPr marL="0" marR="0" lvl="0" indent="0" algn="l" rtl="0" eaLnBrk="1" latinLnBrk="0" hangingPunct="1">
-              <a:lnSpc>
-                <a:spcPct val="100000"/>
-              </a:lnSpc>
-              <a:spcBef>
-                <a:spcPts val="600"/>
-              </a:spcBef>
-              <a:spcAft>
-                <a:spcPts val="0"/>
-              </a:spcAft>
-              <a:buClr>
-                <a:srgbClr val="000000"/>
-              </a:buClr>
-              <a:buFont typeface="Arial"/>
-              <a:buNone/>
-              <a:defRPr/>
-            </a:pPr>
-            <a:r>
-              <a:rPr xmlns:mc="http://schemas.openxmlformats.org/markup-compatibility/2006" xmlns:hp="http://schemas.haansoft.com/office/presentation/8.0" kumimoji="0" lang="ko-KR" altLang="en-US" sz="1800" b="1" i="0" u="none" strike="noStrike" kern="0" cap="none" spc="0" normalizeH="0" baseline="0" mc:Ignorable="hp" hp:hslEmbossed="0">
-                <a:solidFill>
-                  <a:srgbClr val="343a40"/>
-                </a:solidFill>
-                <a:latin typeface="Lato"/>
-                <a:ea typeface="Lato"/>
-                <a:cs typeface="Lato"/>
-                <a:sym typeface="Lato"/>
-              </a:rPr>
-              <a:t>서버</a:t>
-            </a:r>
-            <a:endParaRPr xmlns:mc="http://schemas.openxmlformats.org/markup-compatibility/2006" xmlns:hp="http://schemas.haansoft.com/office/presentation/8.0" kumimoji="0" lang="ko-KR" altLang="en-US" sz="1800" b="1" i="0" u="none" strike="noStrike" kern="0" cap="none" spc="0" normalizeH="0" baseline="0" mc:Ignorable="hp" hp:hslEmbossed="0">
-              <a:solidFill>
-                <a:srgbClr val="343a40"/>
-              </a:solidFill>
-              <a:latin typeface="Lato"/>
-              <a:ea typeface="Lato"/>
-              <a:cs typeface="Lato"/>
-              <a:sym typeface="Lato"/>
-            </a:endParaRPr>
-          </a:p>
-          <a:p>
-            <a:pPr marL="285750" marR="0" lvl="0" indent="-285750" algn="l" rtl="0" eaLnBrk="1" latinLnBrk="0" hangingPunct="1">
-              <a:lnSpc>
-                <a:spcPct val="100000"/>
-              </a:lnSpc>
-              <a:spcBef>
-                <a:spcPts val="600"/>
-              </a:spcBef>
-              <a:spcAft>
-                <a:spcPts val="0"/>
-              </a:spcAft>
-              <a:buClr>
-                <a:srgbClr val="000000"/>
-              </a:buClr>
-              <a:buFont typeface="Arial"/>
-              <a:buChar char="-"/>
-              <a:defRPr/>
-            </a:pPr>
-            <a:r>
-              <a:rPr xmlns:mc="http://schemas.openxmlformats.org/markup-compatibility/2006" xmlns:hp="http://schemas.haansoft.com/office/presentation/8.0" kumimoji="0" lang="ko-KR" altLang="en-US" sz="1500" b="0" i="0" u="none" strike="noStrike" kern="0" cap="none" spc="0" normalizeH="0" baseline="0" mc:Ignorable="hp" hp:hslEmbossed="0">
-                <a:solidFill>
-                  <a:srgbClr val="343a40"/>
-                </a:solidFill>
-                <a:latin typeface="Lato"/>
-                <a:ea typeface="Lato"/>
-                <a:cs typeface="Lato"/>
-                <a:sym typeface="Lato"/>
-              </a:rPr>
-              <a:t>스레드 간 동기화 문제 </a:t>
-            </a:r>
-            <a:r>
-              <a:rPr xmlns:mc="http://schemas.openxmlformats.org/markup-compatibility/2006" xmlns:hp="http://schemas.haansoft.com/office/presentation/8.0" kumimoji="0" lang="en-US" altLang="ko-KR" sz="1500" b="0" i="0" u="none" strike="noStrike" kern="0" cap="none" spc="0" normalizeH="0" baseline="0" mc:Ignorable="hp" hp:hslEmbossed="0">
-                <a:solidFill>
-                  <a:srgbClr val="343a40"/>
-                </a:solidFill>
-                <a:latin typeface="Lato"/>
-                <a:ea typeface="Lato"/>
-                <a:cs typeface="Lato"/>
-                <a:sym typeface="Lato"/>
-              </a:rPr>
-              <a:t>-</a:t>
-            </a:r>
-            <a:r>
-              <a:rPr xmlns:mc="http://schemas.openxmlformats.org/markup-compatibility/2006" xmlns:hp="http://schemas.haansoft.com/office/presentation/8.0" kumimoji="0" lang="ko-KR" altLang="en-US" sz="1500" b="0" i="0" u="none" strike="noStrike" kern="0" cap="none" spc="0" normalizeH="0" baseline="0" mc:Ignorable="hp" hp:hslEmbossed="0">
-                <a:solidFill>
-                  <a:srgbClr val="343a40"/>
-                </a:solidFill>
-                <a:latin typeface="Lato"/>
-                <a:ea typeface="Lato"/>
-                <a:cs typeface="Lato"/>
-                <a:sym typeface="Lato"/>
-              </a:rPr>
-              <a:t> 공유자원 최소화로 진행 중</a:t>
-            </a:r>
-            <a:endParaRPr xmlns:mc="http://schemas.openxmlformats.org/markup-compatibility/2006" xmlns:hp="http://schemas.haansoft.com/office/presentation/8.0" kumimoji="0" lang="ko-KR" altLang="en-US" sz="1500" b="0" i="0" u="none" strike="noStrike" kern="0" cap="none" spc="0" normalizeH="0" baseline="0" mc:Ignorable="hp" hp:hslEmbossed="0">
-              <a:solidFill>
-                <a:srgbClr val="343a40"/>
-              </a:solidFill>
-              <a:latin typeface="Lato"/>
-              <a:ea typeface="Lato"/>
-              <a:cs typeface="Lato"/>
-              <a:sym typeface="Lato"/>
-            </a:endParaRPr>
-          </a:p>
-          <a:p>
-            <a:pPr marL="285750" marR="0" lvl="0" indent="-285750" algn="l" rtl="0" eaLnBrk="1" latinLnBrk="0" hangingPunct="1">
-              <a:lnSpc>
-                <a:spcPct val="100000"/>
-              </a:lnSpc>
-              <a:spcBef>
-                <a:spcPts val="600"/>
-              </a:spcBef>
-              <a:spcAft>
-                <a:spcPts val="0"/>
-              </a:spcAft>
-              <a:buClr>
-                <a:srgbClr val="000000"/>
-              </a:buClr>
-              <a:buFont typeface="Arial"/>
-              <a:buChar char="-"/>
-              <a:defRPr/>
-            </a:pPr>
-            <a:r>
-              <a:rPr xmlns:mc="http://schemas.openxmlformats.org/markup-compatibility/2006" xmlns:hp="http://schemas.haansoft.com/office/presentation/8.0" kumimoji="0" lang="ko-KR" altLang="en-US" sz="1500" b="0" i="0" u="none" strike="noStrike" kern="0" cap="none" spc="0" normalizeH="0" baseline="0" mc:Ignorable="hp" hp:hslEmbossed="0">
-                <a:solidFill>
-                  <a:srgbClr val="343a40"/>
-                </a:solidFill>
-                <a:latin typeface="Lato"/>
-                <a:ea typeface="Lato"/>
-                <a:cs typeface="Lato"/>
-                <a:sym typeface="Lato"/>
-              </a:rPr>
-              <a:t>네트워크 통신 시 클라이언트의 프레임 드랍</a:t>
-            </a:r>
-            <a:endParaRPr xmlns:mc="http://schemas.openxmlformats.org/markup-compatibility/2006" xmlns:hp="http://schemas.haansoft.com/office/presentation/8.0" kumimoji="0" lang="ko-KR" altLang="en-US" sz="1500" b="0" i="0" u="none" strike="noStrike" kern="0" cap="none" spc="0" normalizeH="0" baseline="0" mc:Ignorable="hp" hp:hslEmbossed="0">
-              <a:solidFill>
-                <a:srgbClr val="343a40"/>
-              </a:solidFill>
-              <a:latin typeface="Lato"/>
-              <a:ea typeface="Lato"/>
-              <a:cs typeface="Lato"/>
-              <a:sym typeface="Lato"/>
-            </a:endParaRPr>
-          </a:p>
-        </p:txBody>
-      </p:sp>
-    </p:spTree>
-  </p:cSld>
-  <p:clrMapOvr>
-    <a:masterClrMapping/>
-  </p:clrMapOvr>
-  <mc:AlternateContent xmlns:mc="http://schemas.openxmlformats.org/markup-compatibility/2006">
-    <mc:Choice xmlns:p14="http://schemas.microsoft.com/office/powerpoint/2010/main" Requires="p14">
-      <p:transition xmlns:mc="http://schemas.openxmlformats.org/markup-compatibility/2006" xmlns:p14="http://schemas.microsoft.com/office/powerpoint/2010/main" mc:Ignorable="p14" p14:dur="500"/>
-    </mc:Choice>
-    <mc:Fallback>
-      <p:transition/>
-    </mc:Fallback>
-  </mc:AlternateContent>
-</p:sld>
-</file>
-
 <file path=ppt/theme/theme1.xml><?xml version="1.0" encoding="utf-8"?>
 <a:theme xmlns:r="http://schemas.openxmlformats.org/officeDocument/2006/relationships" xmlns:c="http://schemas.openxmlformats.org/drawingml/2006/chart" xmlns:dgm="http://schemas.openxmlformats.org/drawingml/2006/diagram" xmlns:dsp="http://schemas.microsoft.com/office/drawing/2008/diagram" xmlns:a="http://schemas.openxmlformats.org/drawingml/2006/main" xmlns:pic="http://schemas.openxmlformats.org/drawingml/2006/picture" xmlns:wp="http://schemas.openxmlformats.org/drawingml/2006/wordprocessingDrawing" xmlns:xdr="http://schemas.openxmlformats.org/drawingml/2006/spreadsheetDrawing" xmlns:lc="http://schemas.openxmlformats.org/drawingml/2006/lockedCanvas" xmlns:p="http://schemas.openxmlformats.org/presentationml/2006/main" name="Antonio template">
   <a:themeElements>
